--- a/Articles/ERK/schemes.pptx
+++ b/Articles/ERK/schemes.pptx
@@ -107,6 +107,11 @@
       </a:defRPr>
     </a:lvl9pPr>
   </p:defaultTextStyle>
+  <p:extLst>
+    <p:ext uri="{EFAFB233-063F-42B5-8137-9DF3F51BA10A}">
+      <p15:sldGuideLst xmlns:p15="http://schemas.microsoft.com/office/powerpoint/2012/main"/>
+    </p:ext>
+  </p:extLst>
 </p:presentation>
 </file>
 
@@ -4726,7 +4731,1015 @@
         </p:nvSpPr>
         <p:spPr>
           <a:xfrm>
-            <a:off x="2946900" y="2290400"/>
+            <a:off x="2942500" y="2289040"/>
+            <a:ext cx="360000" cy="360000"/>
+          </a:xfrm>
+          <a:prstGeom prst="rect">
+            <a:avLst/>
+          </a:prstGeom>
+          <a:solidFill>
+            <a:schemeClr val="bg1"/>
+          </a:solidFill>
+          <a:ln w="19050">
+            <a:solidFill>
+              <a:schemeClr val="tx1"/>
+            </a:solidFill>
+          </a:ln>
+        </p:spPr>
+        <p:style>
+          <a:lnRef idx="2">
+            <a:schemeClr val="accent1">
+              <a:shade val="15000"/>
+            </a:schemeClr>
+          </a:lnRef>
+          <a:fillRef idx="1">
+            <a:schemeClr val="accent1"/>
+          </a:fillRef>
+          <a:effectRef idx="0">
+            <a:schemeClr val="accent1"/>
+          </a:effectRef>
+          <a:fontRef idx="minor">
+            <a:schemeClr val="lt1"/>
+          </a:fontRef>
+        </p:style>
+        <p:txBody>
+          <a:bodyPr rtlCol="0" anchor="ctr"/>
+          <a:lstStyle/>
+          <a:p>
+            <a:pPr algn="ctr"/>
+            <a:endParaRPr lang="LID4096" dirty="0"/>
+          </a:p>
+        </p:txBody>
+      </p:sp>
+      <p:sp>
+        <p:nvSpPr>
+          <p:cNvPr id="3" name="Rectangle 10">
+            <a:extLst>
+              <a:ext uri="{FF2B5EF4-FFF2-40B4-BE49-F238E27FC236}">
+                <a16:creationId xmlns:a16="http://schemas.microsoft.com/office/drawing/2014/main" id="{B31C93F1-50AD-A15E-D646-A82120503291}"/>
+              </a:ext>
+            </a:extLst>
+          </p:cNvPr>
+          <p:cNvSpPr>
+            <a:spLocks/>
+          </p:cNvSpPr>
+          <p:nvPr/>
+        </p:nvSpPr>
+        <p:spPr>
+          <a:xfrm>
+            <a:off x="2942500" y="2647680"/>
+            <a:ext cx="360000" cy="360000"/>
+          </a:xfrm>
+          <a:prstGeom prst="rect">
+            <a:avLst/>
+          </a:prstGeom>
+          <a:solidFill>
+            <a:schemeClr val="bg1"/>
+          </a:solidFill>
+          <a:ln w="19050">
+            <a:solidFill>
+              <a:schemeClr val="tx1"/>
+            </a:solidFill>
+          </a:ln>
+        </p:spPr>
+        <p:style>
+          <a:lnRef idx="2">
+            <a:schemeClr val="accent1">
+              <a:shade val="15000"/>
+            </a:schemeClr>
+          </a:lnRef>
+          <a:fillRef idx="1">
+            <a:schemeClr val="accent1"/>
+          </a:fillRef>
+          <a:effectRef idx="0">
+            <a:schemeClr val="accent1"/>
+          </a:effectRef>
+          <a:fontRef idx="minor">
+            <a:schemeClr val="lt1"/>
+          </a:fontRef>
+        </p:style>
+        <p:txBody>
+          <a:bodyPr rtlCol="0" anchor="ctr"/>
+          <a:lstStyle/>
+          <a:p>
+            <a:pPr algn="ctr"/>
+            <a:endParaRPr lang="LID4096" dirty="0"/>
+          </a:p>
+        </p:txBody>
+      </p:sp>
+      <p:sp>
+        <p:nvSpPr>
+          <p:cNvPr id="5" name="Rectangle 11">
+            <a:extLst>
+              <a:ext uri="{FF2B5EF4-FFF2-40B4-BE49-F238E27FC236}">
+                <a16:creationId xmlns:a16="http://schemas.microsoft.com/office/drawing/2014/main" id="{81938A76-7038-DD87-21E5-3BF82FB26CF7}"/>
+              </a:ext>
+            </a:extLst>
+          </p:cNvPr>
+          <p:cNvSpPr>
+            <a:spLocks/>
+          </p:cNvSpPr>
+          <p:nvPr/>
+        </p:nvSpPr>
+        <p:spPr>
+          <a:xfrm>
+            <a:off x="2942500" y="3007680"/>
+            <a:ext cx="360000" cy="360000"/>
+          </a:xfrm>
+          <a:prstGeom prst="rect">
+            <a:avLst/>
+          </a:prstGeom>
+          <a:solidFill>
+            <a:schemeClr val="bg1"/>
+          </a:solidFill>
+          <a:ln w="19050">
+            <a:solidFill>
+              <a:schemeClr val="tx1"/>
+            </a:solidFill>
+          </a:ln>
+        </p:spPr>
+        <p:style>
+          <a:lnRef idx="2">
+            <a:schemeClr val="accent1">
+              <a:shade val="15000"/>
+            </a:schemeClr>
+          </a:lnRef>
+          <a:fillRef idx="1">
+            <a:schemeClr val="accent1"/>
+          </a:fillRef>
+          <a:effectRef idx="0">
+            <a:schemeClr val="accent1"/>
+          </a:effectRef>
+          <a:fontRef idx="minor">
+            <a:schemeClr val="lt1"/>
+          </a:fontRef>
+        </p:style>
+        <p:txBody>
+          <a:bodyPr rtlCol="0" anchor="ctr"/>
+          <a:lstStyle/>
+          <a:p>
+            <a:pPr algn="ctr"/>
+            <a:endParaRPr lang="LID4096" dirty="0"/>
+          </a:p>
+        </p:txBody>
+      </p:sp>
+      <p:sp>
+        <p:nvSpPr>
+          <p:cNvPr id="6" name="Rectangle 12">
+            <a:extLst>
+              <a:ext uri="{FF2B5EF4-FFF2-40B4-BE49-F238E27FC236}">
+                <a16:creationId xmlns:a16="http://schemas.microsoft.com/office/drawing/2014/main" id="{257D6A37-687F-65A0-24E6-AFA8F96B3A15}"/>
+              </a:ext>
+            </a:extLst>
+          </p:cNvPr>
+          <p:cNvSpPr>
+            <a:spLocks/>
+          </p:cNvSpPr>
+          <p:nvPr/>
+        </p:nvSpPr>
+        <p:spPr>
+          <a:xfrm>
+            <a:off x="2942500" y="3367680"/>
+            <a:ext cx="360000" cy="360000"/>
+          </a:xfrm>
+          <a:prstGeom prst="rect">
+            <a:avLst/>
+          </a:prstGeom>
+          <a:solidFill>
+            <a:schemeClr val="bg1"/>
+          </a:solidFill>
+          <a:ln w="19050">
+            <a:solidFill>
+              <a:schemeClr val="tx1"/>
+            </a:solidFill>
+          </a:ln>
+        </p:spPr>
+        <p:style>
+          <a:lnRef idx="2">
+            <a:schemeClr val="accent1">
+              <a:shade val="15000"/>
+            </a:schemeClr>
+          </a:lnRef>
+          <a:fillRef idx="1">
+            <a:schemeClr val="accent1"/>
+          </a:fillRef>
+          <a:effectRef idx="0">
+            <a:schemeClr val="accent1"/>
+          </a:effectRef>
+          <a:fontRef idx="minor">
+            <a:schemeClr val="lt1"/>
+          </a:fontRef>
+        </p:style>
+        <p:txBody>
+          <a:bodyPr rtlCol="0" anchor="ctr"/>
+          <a:lstStyle/>
+          <a:p>
+            <a:pPr algn="ctr"/>
+            <a:endParaRPr lang="LID4096" dirty="0"/>
+          </a:p>
+        </p:txBody>
+      </p:sp>
+      <p:sp>
+        <p:nvSpPr>
+          <p:cNvPr id="10" name="Rectangle 3">
+            <a:extLst>
+              <a:ext uri="{FF2B5EF4-FFF2-40B4-BE49-F238E27FC236}">
+                <a16:creationId xmlns:a16="http://schemas.microsoft.com/office/drawing/2014/main" id="{C09AACC7-DEEA-1213-3FA8-049B4A94DC04}"/>
+              </a:ext>
+            </a:extLst>
+          </p:cNvPr>
+          <p:cNvSpPr>
+            <a:spLocks/>
+          </p:cNvSpPr>
+          <p:nvPr/>
+        </p:nvSpPr>
+        <p:spPr>
+          <a:xfrm>
+            <a:off x="3302500" y="1929040"/>
+            <a:ext cx="360000" cy="360000"/>
+          </a:xfrm>
+          <a:prstGeom prst="rect">
+            <a:avLst/>
+          </a:prstGeom>
+          <a:solidFill>
+            <a:schemeClr val="bg1"/>
+          </a:solidFill>
+          <a:ln w="19050">
+            <a:solidFill>
+              <a:schemeClr val="tx1"/>
+            </a:solidFill>
+          </a:ln>
+        </p:spPr>
+        <p:style>
+          <a:lnRef idx="2">
+            <a:schemeClr val="accent1">
+              <a:shade val="15000"/>
+            </a:schemeClr>
+          </a:lnRef>
+          <a:fillRef idx="1">
+            <a:schemeClr val="accent1"/>
+          </a:fillRef>
+          <a:effectRef idx="0">
+            <a:schemeClr val="accent1"/>
+          </a:effectRef>
+          <a:fontRef idx="minor">
+            <a:schemeClr val="lt1"/>
+          </a:fontRef>
+        </p:style>
+        <p:txBody>
+          <a:bodyPr rtlCol="0" anchor="ctr"/>
+          <a:lstStyle/>
+          <a:p>
+            <a:pPr algn="ctr"/>
+            <a:endParaRPr lang="LID4096" dirty="0"/>
+          </a:p>
+        </p:txBody>
+      </p:sp>
+      <p:sp>
+        <p:nvSpPr>
+          <p:cNvPr id="17" name="Rectangle 10">
+            <a:extLst>
+              <a:ext uri="{FF2B5EF4-FFF2-40B4-BE49-F238E27FC236}">
+                <a16:creationId xmlns:a16="http://schemas.microsoft.com/office/drawing/2014/main" id="{A1DBB292-168A-8B7D-1263-43F93D8CCAA3}"/>
+              </a:ext>
+            </a:extLst>
+          </p:cNvPr>
+          <p:cNvSpPr>
+            <a:spLocks/>
+          </p:cNvSpPr>
+          <p:nvPr/>
+        </p:nvSpPr>
+        <p:spPr>
+          <a:xfrm>
+            <a:off x="3302500" y="2289040"/>
+            <a:ext cx="360000" cy="360000"/>
+          </a:xfrm>
+          <a:prstGeom prst="rect">
+            <a:avLst/>
+          </a:prstGeom>
+          <a:solidFill>
+            <a:schemeClr val="bg1"/>
+          </a:solidFill>
+          <a:ln w="19050">
+            <a:solidFill>
+              <a:schemeClr val="tx1"/>
+            </a:solidFill>
+          </a:ln>
+        </p:spPr>
+        <p:style>
+          <a:lnRef idx="2">
+            <a:schemeClr val="accent1">
+              <a:shade val="15000"/>
+            </a:schemeClr>
+          </a:lnRef>
+          <a:fillRef idx="1">
+            <a:schemeClr val="accent1"/>
+          </a:fillRef>
+          <a:effectRef idx="0">
+            <a:schemeClr val="accent1"/>
+          </a:effectRef>
+          <a:fontRef idx="minor">
+            <a:schemeClr val="lt1"/>
+          </a:fontRef>
+        </p:style>
+        <p:txBody>
+          <a:bodyPr rtlCol="0" anchor="ctr"/>
+          <a:lstStyle/>
+          <a:p>
+            <a:pPr algn="ctr"/>
+            <a:endParaRPr lang="LID4096" dirty="0"/>
+          </a:p>
+        </p:txBody>
+      </p:sp>
+      <p:sp>
+        <p:nvSpPr>
+          <p:cNvPr id="18" name="Rectangle 11">
+            <a:extLst>
+              <a:ext uri="{FF2B5EF4-FFF2-40B4-BE49-F238E27FC236}">
+                <a16:creationId xmlns:a16="http://schemas.microsoft.com/office/drawing/2014/main" id="{10D3CABE-9F94-B063-4886-E23EE418E8EC}"/>
+              </a:ext>
+            </a:extLst>
+          </p:cNvPr>
+          <p:cNvSpPr>
+            <a:spLocks/>
+          </p:cNvSpPr>
+          <p:nvPr/>
+        </p:nvSpPr>
+        <p:spPr>
+          <a:xfrm>
+            <a:off x="3302500" y="2649040"/>
+            <a:ext cx="360000" cy="360000"/>
+          </a:xfrm>
+          <a:prstGeom prst="rect">
+            <a:avLst/>
+          </a:prstGeom>
+          <a:solidFill>
+            <a:schemeClr val="bg1"/>
+          </a:solidFill>
+          <a:ln w="19050">
+            <a:solidFill>
+              <a:schemeClr val="tx1"/>
+            </a:solidFill>
+          </a:ln>
+        </p:spPr>
+        <p:style>
+          <a:lnRef idx="2">
+            <a:schemeClr val="accent1">
+              <a:shade val="15000"/>
+            </a:schemeClr>
+          </a:lnRef>
+          <a:fillRef idx="1">
+            <a:schemeClr val="accent1"/>
+          </a:fillRef>
+          <a:effectRef idx="0">
+            <a:schemeClr val="accent1"/>
+          </a:effectRef>
+          <a:fontRef idx="minor">
+            <a:schemeClr val="lt1"/>
+          </a:fontRef>
+        </p:style>
+        <p:txBody>
+          <a:bodyPr rtlCol="0" anchor="ctr"/>
+          <a:lstStyle/>
+          <a:p>
+            <a:pPr algn="ctr"/>
+            <a:endParaRPr lang="LID4096" dirty="0"/>
+          </a:p>
+        </p:txBody>
+      </p:sp>
+      <p:sp>
+        <p:nvSpPr>
+          <p:cNvPr id="19" name="Rectangle 12">
+            <a:extLst>
+              <a:ext uri="{FF2B5EF4-FFF2-40B4-BE49-F238E27FC236}">
+                <a16:creationId xmlns:a16="http://schemas.microsoft.com/office/drawing/2014/main" id="{109BE6C4-A325-9788-34AF-3A2C7759A290}"/>
+              </a:ext>
+            </a:extLst>
+          </p:cNvPr>
+          <p:cNvSpPr>
+            <a:spLocks/>
+          </p:cNvSpPr>
+          <p:nvPr/>
+        </p:nvSpPr>
+        <p:spPr>
+          <a:xfrm>
+            <a:off x="3302500" y="3009040"/>
+            <a:ext cx="360000" cy="360000"/>
+          </a:xfrm>
+          <a:prstGeom prst="rect">
+            <a:avLst/>
+          </a:prstGeom>
+          <a:solidFill>
+            <a:schemeClr val="bg1"/>
+          </a:solidFill>
+          <a:ln w="19050">
+            <a:solidFill>
+              <a:schemeClr val="tx1"/>
+            </a:solidFill>
+          </a:ln>
+        </p:spPr>
+        <p:style>
+          <a:lnRef idx="2">
+            <a:schemeClr val="accent1">
+              <a:shade val="15000"/>
+            </a:schemeClr>
+          </a:lnRef>
+          <a:fillRef idx="1">
+            <a:schemeClr val="accent1"/>
+          </a:fillRef>
+          <a:effectRef idx="0">
+            <a:schemeClr val="accent1"/>
+          </a:effectRef>
+          <a:fontRef idx="minor">
+            <a:schemeClr val="lt1"/>
+          </a:fontRef>
+        </p:style>
+        <p:txBody>
+          <a:bodyPr rtlCol="0" anchor="ctr"/>
+          <a:lstStyle/>
+          <a:p>
+            <a:pPr algn="ctr"/>
+            <a:endParaRPr lang="LID4096" dirty="0"/>
+          </a:p>
+        </p:txBody>
+      </p:sp>
+      <p:sp>
+        <p:nvSpPr>
+          <p:cNvPr id="20" name="Rectangle 13">
+            <a:extLst>
+              <a:ext uri="{FF2B5EF4-FFF2-40B4-BE49-F238E27FC236}">
+                <a16:creationId xmlns:a16="http://schemas.microsoft.com/office/drawing/2014/main" id="{B864A49C-1F9E-A7AA-8520-6DBF8919C54A}"/>
+              </a:ext>
+            </a:extLst>
+          </p:cNvPr>
+          <p:cNvSpPr>
+            <a:spLocks/>
+          </p:cNvSpPr>
+          <p:nvPr/>
+        </p:nvSpPr>
+        <p:spPr>
+          <a:xfrm>
+            <a:off x="3302500" y="3369040"/>
+            <a:ext cx="360000" cy="360000"/>
+          </a:xfrm>
+          <a:prstGeom prst="rect">
+            <a:avLst/>
+          </a:prstGeom>
+          <a:solidFill>
+            <a:schemeClr val="bg1"/>
+          </a:solidFill>
+          <a:ln w="19050">
+            <a:solidFill>
+              <a:schemeClr val="tx1"/>
+            </a:solidFill>
+          </a:ln>
+        </p:spPr>
+        <p:style>
+          <a:lnRef idx="2">
+            <a:schemeClr val="accent1">
+              <a:shade val="15000"/>
+            </a:schemeClr>
+          </a:lnRef>
+          <a:fillRef idx="1">
+            <a:schemeClr val="accent1"/>
+          </a:fillRef>
+          <a:effectRef idx="0">
+            <a:schemeClr val="accent1"/>
+          </a:effectRef>
+          <a:fontRef idx="minor">
+            <a:schemeClr val="lt1"/>
+          </a:fontRef>
+        </p:style>
+        <p:txBody>
+          <a:bodyPr rtlCol="0" anchor="ctr"/>
+          <a:lstStyle/>
+          <a:p>
+            <a:pPr algn="ctr"/>
+            <a:endParaRPr lang="LID4096" dirty="0"/>
+          </a:p>
+        </p:txBody>
+      </p:sp>
+      <p:sp>
+        <p:nvSpPr>
+          <p:cNvPr id="21" name="Rectangle 14">
+            <a:extLst>
+              <a:ext uri="{FF2B5EF4-FFF2-40B4-BE49-F238E27FC236}">
+                <a16:creationId xmlns:a16="http://schemas.microsoft.com/office/drawing/2014/main" id="{7065EF9F-64F9-9AE5-D2DF-E7E49BC4DC2D}"/>
+              </a:ext>
+            </a:extLst>
+          </p:cNvPr>
+          <p:cNvSpPr>
+            <a:spLocks/>
+          </p:cNvSpPr>
+          <p:nvPr/>
+        </p:nvSpPr>
+        <p:spPr>
+          <a:xfrm>
+            <a:off x="3666900" y="1929040"/>
+            <a:ext cx="360000" cy="360000"/>
+          </a:xfrm>
+          <a:prstGeom prst="rect">
+            <a:avLst/>
+          </a:prstGeom>
+          <a:solidFill>
+            <a:schemeClr val="bg1"/>
+          </a:solidFill>
+          <a:ln w="19050">
+            <a:solidFill>
+              <a:schemeClr val="tx1"/>
+            </a:solidFill>
+          </a:ln>
+        </p:spPr>
+        <p:style>
+          <a:lnRef idx="2">
+            <a:schemeClr val="accent1">
+              <a:shade val="15000"/>
+            </a:schemeClr>
+          </a:lnRef>
+          <a:fillRef idx="1">
+            <a:schemeClr val="accent1"/>
+          </a:fillRef>
+          <a:effectRef idx="0">
+            <a:schemeClr val="accent1"/>
+          </a:effectRef>
+          <a:fontRef idx="minor">
+            <a:schemeClr val="lt1"/>
+          </a:fontRef>
+        </p:style>
+        <p:txBody>
+          <a:bodyPr rtlCol="0" anchor="ctr"/>
+          <a:lstStyle/>
+          <a:p>
+            <a:pPr algn="ctr"/>
+            <a:endParaRPr lang="LID4096" dirty="0"/>
+          </a:p>
+        </p:txBody>
+      </p:sp>
+      <p:sp>
+        <p:nvSpPr>
+          <p:cNvPr id="22" name="Rectangle 15">
+            <a:extLst>
+              <a:ext uri="{FF2B5EF4-FFF2-40B4-BE49-F238E27FC236}">
+                <a16:creationId xmlns:a16="http://schemas.microsoft.com/office/drawing/2014/main" id="{35851CD8-4CBA-7694-E467-675FB14FC762}"/>
+              </a:ext>
+            </a:extLst>
+          </p:cNvPr>
+          <p:cNvSpPr>
+            <a:spLocks/>
+          </p:cNvSpPr>
+          <p:nvPr/>
+        </p:nvSpPr>
+        <p:spPr>
+          <a:xfrm>
+            <a:off x="3666900" y="2287680"/>
+            <a:ext cx="360000" cy="360000"/>
+          </a:xfrm>
+          <a:prstGeom prst="rect">
+            <a:avLst/>
+          </a:prstGeom>
+          <a:solidFill>
+            <a:schemeClr val="bg1"/>
+          </a:solidFill>
+          <a:ln w="19050">
+            <a:solidFill>
+              <a:schemeClr val="tx1"/>
+            </a:solidFill>
+          </a:ln>
+        </p:spPr>
+        <p:style>
+          <a:lnRef idx="2">
+            <a:schemeClr val="accent1">
+              <a:shade val="15000"/>
+            </a:schemeClr>
+          </a:lnRef>
+          <a:fillRef idx="1">
+            <a:schemeClr val="accent1"/>
+          </a:fillRef>
+          <a:effectRef idx="0">
+            <a:schemeClr val="accent1"/>
+          </a:effectRef>
+          <a:fontRef idx="minor">
+            <a:schemeClr val="lt1"/>
+          </a:fontRef>
+        </p:style>
+        <p:txBody>
+          <a:bodyPr rtlCol="0" anchor="ctr"/>
+          <a:lstStyle/>
+          <a:p>
+            <a:pPr algn="ctr"/>
+            <a:endParaRPr lang="LID4096" dirty="0"/>
+          </a:p>
+        </p:txBody>
+      </p:sp>
+      <p:sp>
+        <p:nvSpPr>
+          <p:cNvPr id="23" name="Rectangle 10">
+            <a:extLst>
+              <a:ext uri="{FF2B5EF4-FFF2-40B4-BE49-F238E27FC236}">
+                <a16:creationId xmlns:a16="http://schemas.microsoft.com/office/drawing/2014/main" id="{C7000059-7E53-378C-8E66-CE46DFE36006}"/>
+              </a:ext>
+            </a:extLst>
+          </p:cNvPr>
+          <p:cNvSpPr>
+            <a:spLocks/>
+          </p:cNvSpPr>
+          <p:nvPr/>
+        </p:nvSpPr>
+        <p:spPr>
+          <a:xfrm>
+            <a:off x="3666900" y="2646320"/>
+            <a:ext cx="360000" cy="360000"/>
+          </a:xfrm>
+          <a:prstGeom prst="rect">
+            <a:avLst/>
+          </a:prstGeom>
+          <a:solidFill>
+            <a:schemeClr val="bg1"/>
+          </a:solidFill>
+          <a:ln w="19050">
+            <a:solidFill>
+              <a:schemeClr val="tx1"/>
+            </a:solidFill>
+          </a:ln>
+        </p:spPr>
+        <p:style>
+          <a:lnRef idx="2">
+            <a:schemeClr val="accent1">
+              <a:shade val="15000"/>
+            </a:schemeClr>
+          </a:lnRef>
+          <a:fillRef idx="1">
+            <a:schemeClr val="accent1"/>
+          </a:fillRef>
+          <a:effectRef idx="0">
+            <a:schemeClr val="accent1"/>
+          </a:effectRef>
+          <a:fontRef idx="minor">
+            <a:schemeClr val="lt1"/>
+          </a:fontRef>
+        </p:style>
+        <p:txBody>
+          <a:bodyPr rtlCol="0" anchor="ctr"/>
+          <a:lstStyle/>
+          <a:p>
+            <a:pPr algn="ctr"/>
+            <a:endParaRPr lang="LID4096" dirty="0"/>
+          </a:p>
+        </p:txBody>
+      </p:sp>
+      <p:sp>
+        <p:nvSpPr>
+          <p:cNvPr id="24" name="Rectangle 11">
+            <a:extLst>
+              <a:ext uri="{FF2B5EF4-FFF2-40B4-BE49-F238E27FC236}">
+                <a16:creationId xmlns:a16="http://schemas.microsoft.com/office/drawing/2014/main" id="{211D2A56-5DEC-4D19-CDEE-ADE4EE4004A5}"/>
+              </a:ext>
+            </a:extLst>
+          </p:cNvPr>
+          <p:cNvSpPr>
+            <a:spLocks/>
+          </p:cNvSpPr>
+          <p:nvPr/>
+        </p:nvSpPr>
+        <p:spPr>
+          <a:xfrm>
+            <a:off x="3666900" y="3006320"/>
+            <a:ext cx="360000" cy="360000"/>
+          </a:xfrm>
+          <a:prstGeom prst="rect">
+            <a:avLst/>
+          </a:prstGeom>
+          <a:solidFill>
+            <a:schemeClr val="bg1"/>
+          </a:solidFill>
+          <a:ln w="19050">
+            <a:solidFill>
+              <a:schemeClr val="tx1"/>
+            </a:solidFill>
+          </a:ln>
+        </p:spPr>
+        <p:style>
+          <a:lnRef idx="2">
+            <a:schemeClr val="accent1">
+              <a:shade val="15000"/>
+            </a:schemeClr>
+          </a:lnRef>
+          <a:fillRef idx="1">
+            <a:schemeClr val="accent1"/>
+          </a:fillRef>
+          <a:effectRef idx="0">
+            <a:schemeClr val="accent1"/>
+          </a:effectRef>
+          <a:fontRef idx="minor">
+            <a:schemeClr val="lt1"/>
+          </a:fontRef>
+        </p:style>
+        <p:txBody>
+          <a:bodyPr rtlCol="0" anchor="ctr"/>
+          <a:lstStyle/>
+          <a:p>
+            <a:pPr algn="ctr"/>
+            <a:endParaRPr lang="LID4096" dirty="0"/>
+          </a:p>
+        </p:txBody>
+      </p:sp>
+      <p:sp>
+        <p:nvSpPr>
+          <p:cNvPr id="25" name="Rectangle 12">
+            <a:extLst>
+              <a:ext uri="{FF2B5EF4-FFF2-40B4-BE49-F238E27FC236}">
+                <a16:creationId xmlns:a16="http://schemas.microsoft.com/office/drawing/2014/main" id="{60CCC538-5DFB-D17A-3843-681EB7A72C3D}"/>
+              </a:ext>
+            </a:extLst>
+          </p:cNvPr>
+          <p:cNvSpPr>
+            <a:spLocks/>
+          </p:cNvSpPr>
+          <p:nvPr/>
+        </p:nvSpPr>
+        <p:spPr>
+          <a:xfrm>
+            <a:off x="3666900" y="3366320"/>
+            <a:ext cx="360000" cy="360000"/>
+          </a:xfrm>
+          <a:prstGeom prst="rect">
+            <a:avLst/>
+          </a:prstGeom>
+          <a:solidFill>
+            <a:schemeClr val="bg1"/>
+          </a:solidFill>
+          <a:ln w="19050">
+            <a:solidFill>
+              <a:schemeClr val="tx1"/>
+            </a:solidFill>
+          </a:ln>
+        </p:spPr>
+        <p:style>
+          <a:lnRef idx="2">
+            <a:schemeClr val="accent1">
+              <a:shade val="15000"/>
+            </a:schemeClr>
+          </a:lnRef>
+          <a:fillRef idx="1">
+            <a:schemeClr val="accent1"/>
+          </a:fillRef>
+          <a:effectRef idx="0">
+            <a:schemeClr val="accent1"/>
+          </a:effectRef>
+          <a:fontRef idx="minor">
+            <a:schemeClr val="lt1"/>
+          </a:fontRef>
+        </p:style>
+        <p:txBody>
+          <a:bodyPr rtlCol="0" anchor="ctr"/>
+          <a:lstStyle/>
+          <a:p>
+            <a:pPr algn="ctr"/>
+            <a:endParaRPr lang="LID4096" dirty="0"/>
+          </a:p>
+        </p:txBody>
+      </p:sp>
+      <p:sp>
+        <p:nvSpPr>
+          <p:cNvPr id="31" name="Rectangle 14">
+            <a:extLst>
+              <a:ext uri="{FF2B5EF4-FFF2-40B4-BE49-F238E27FC236}">
+                <a16:creationId xmlns:a16="http://schemas.microsoft.com/office/drawing/2014/main" id="{54DF8CC8-9932-2FA7-B39F-B8EBCE20B8D6}"/>
+              </a:ext>
+            </a:extLst>
+          </p:cNvPr>
+          <p:cNvSpPr>
+            <a:spLocks/>
+          </p:cNvSpPr>
+          <p:nvPr/>
+        </p:nvSpPr>
+        <p:spPr>
+          <a:xfrm>
+            <a:off x="4013700" y="1929040"/>
+            <a:ext cx="360000" cy="360000"/>
+          </a:xfrm>
+          <a:prstGeom prst="rect">
+            <a:avLst/>
+          </a:prstGeom>
+          <a:solidFill>
+            <a:schemeClr val="bg1"/>
+          </a:solidFill>
+          <a:ln w="19050">
+            <a:solidFill>
+              <a:schemeClr val="tx1"/>
+            </a:solidFill>
+          </a:ln>
+        </p:spPr>
+        <p:style>
+          <a:lnRef idx="2">
+            <a:schemeClr val="accent1">
+              <a:shade val="15000"/>
+            </a:schemeClr>
+          </a:lnRef>
+          <a:fillRef idx="1">
+            <a:schemeClr val="accent1"/>
+          </a:fillRef>
+          <a:effectRef idx="0">
+            <a:schemeClr val="accent1"/>
+          </a:effectRef>
+          <a:fontRef idx="minor">
+            <a:schemeClr val="lt1"/>
+          </a:fontRef>
+        </p:style>
+        <p:txBody>
+          <a:bodyPr rtlCol="0" anchor="ctr"/>
+          <a:lstStyle/>
+          <a:p>
+            <a:pPr algn="ctr"/>
+            <a:endParaRPr lang="LID4096" dirty="0"/>
+          </a:p>
+        </p:txBody>
+      </p:sp>
+      <p:sp>
+        <p:nvSpPr>
+          <p:cNvPr id="32" name="Rectangle 15">
+            <a:extLst>
+              <a:ext uri="{FF2B5EF4-FFF2-40B4-BE49-F238E27FC236}">
+                <a16:creationId xmlns:a16="http://schemas.microsoft.com/office/drawing/2014/main" id="{8B828E50-2C53-1CBB-08E3-426DFDA67066}"/>
+              </a:ext>
+            </a:extLst>
+          </p:cNvPr>
+          <p:cNvSpPr>
+            <a:spLocks/>
+          </p:cNvSpPr>
+          <p:nvPr/>
+        </p:nvSpPr>
+        <p:spPr>
+          <a:xfrm>
+            <a:off x="4013700" y="2287680"/>
+            <a:ext cx="360000" cy="360000"/>
+          </a:xfrm>
+          <a:prstGeom prst="rect">
+            <a:avLst/>
+          </a:prstGeom>
+          <a:solidFill>
+            <a:schemeClr val="bg1"/>
+          </a:solidFill>
+          <a:ln w="19050">
+            <a:solidFill>
+              <a:schemeClr val="tx1"/>
+            </a:solidFill>
+          </a:ln>
+        </p:spPr>
+        <p:style>
+          <a:lnRef idx="2">
+            <a:schemeClr val="accent1">
+              <a:shade val="15000"/>
+            </a:schemeClr>
+          </a:lnRef>
+          <a:fillRef idx="1">
+            <a:schemeClr val="accent1"/>
+          </a:fillRef>
+          <a:effectRef idx="0">
+            <a:schemeClr val="accent1"/>
+          </a:effectRef>
+          <a:fontRef idx="minor">
+            <a:schemeClr val="lt1"/>
+          </a:fontRef>
+        </p:style>
+        <p:txBody>
+          <a:bodyPr rtlCol="0" anchor="ctr"/>
+          <a:lstStyle/>
+          <a:p>
+            <a:pPr algn="ctr"/>
+            <a:endParaRPr lang="LID4096" dirty="0"/>
+          </a:p>
+        </p:txBody>
+      </p:sp>
+      <p:sp>
+        <p:nvSpPr>
+          <p:cNvPr id="33" name="Rectangle 10">
+            <a:extLst>
+              <a:ext uri="{FF2B5EF4-FFF2-40B4-BE49-F238E27FC236}">
+                <a16:creationId xmlns:a16="http://schemas.microsoft.com/office/drawing/2014/main" id="{0F8ED21C-2B75-EF28-5F0D-404AC7B8D8E9}"/>
+              </a:ext>
+            </a:extLst>
+          </p:cNvPr>
+          <p:cNvSpPr>
+            <a:spLocks/>
+          </p:cNvSpPr>
+          <p:nvPr/>
+        </p:nvSpPr>
+        <p:spPr>
+          <a:xfrm>
+            <a:off x="4013700" y="2646320"/>
+            <a:ext cx="360000" cy="360000"/>
+          </a:xfrm>
+          <a:prstGeom prst="rect">
+            <a:avLst/>
+          </a:prstGeom>
+          <a:solidFill>
+            <a:schemeClr val="bg1"/>
+          </a:solidFill>
+          <a:ln w="19050">
+            <a:solidFill>
+              <a:schemeClr val="tx1"/>
+            </a:solidFill>
+          </a:ln>
+        </p:spPr>
+        <p:style>
+          <a:lnRef idx="2">
+            <a:schemeClr val="accent1">
+              <a:shade val="15000"/>
+            </a:schemeClr>
+          </a:lnRef>
+          <a:fillRef idx="1">
+            <a:schemeClr val="accent1"/>
+          </a:fillRef>
+          <a:effectRef idx="0">
+            <a:schemeClr val="accent1"/>
+          </a:effectRef>
+          <a:fontRef idx="minor">
+            <a:schemeClr val="lt1"/>
+          </a:fontRef>
+        </p:style>
+        <p:txBody>
+          <a:bodyPr rtlCol="0" anchor="ctr"/>
+          <a:lstStyle/>
+          <a:p>
+            <a:pPr algn="ctr"/>
+            <a:endParaRPr lang="LID4096" dirty="0"/>
+          </a:p>
+        </p:txBody>
+      </p:sp>
+      <p:sp>
+        <p:nvSpPr>
+          <p:cNvPr id="34" name="Rectangle 11">
+            <a:extLst>
+              <a:ext uri="{FF2B5EF4-FFF2-40B4-BE49-F238E27FC236}">
+                <a16:creationId xmlns:a16="http://schemas.microsoft.com/office/drawing/2014/main" id="{7EF22F73-602B-D9F2-FCAB-DE2199AA5560}"/>
+              </a:ext>
+            </a:extLst>
+          </p:cNvPr>
+          <p:cNvSpPr>
+            <a:spLocks/>
+          </p:cNvSpPr>
+          <p:nvPr/>
+        </p:nvSpPr>
+        <p:spPr>
+          <a:xfrm>
+            <a:off x="4013700" y="3006320"/>
+            <a:ext cx="360000" cy="360000"/>
+          </a:xfrm>
+          <a:prstGeom prst="rect">
+            <a:avLst/>
+          </a:prstGeom>
+          <a:solidFill>
+            <a:schemeClr val="bg1"/>
+          </a:solidFill>
+          <a:ln w="19050">
+            <a:solidFill>
+              <a:schemeClr val="tx1"/>
+            </a:solidFill>
+          </a:ln>
+        </p:spPr>
+        <p:style>
+          <a:lnRef idx="2">
+            <a:schemeClr val="accent1">
+              <a:shade val="15000"/>
+            </a:schemeClr>
+          </a:lnRef>
+          <a:fillRef idx="1">
+            <a:schemeClr val="accent1"/>
+          </a:fillRef>
+          <a:effectRef idx="0">
+            <a:schemeClr val="accent1"/>
+          </a:effectRef>
+          <a:fontRef idx="minor">
+            <a:schemeClr val="lt1"/>
+          </a:fontRef>
+        </p:style>
+        <p:txBody>
+          <a:bodyPr rtlCol="0" anchor="ctr"/>
+          <a:lstStyle/>
+          <a:p>
+            <a:pPr algn="ctr"/>
+            <a:endParaRPr lang="LID4096" dirty="0"/>
+          </a:p>
+        </p:txBody>
+      </p:sp>
+      <p:sp>
+        <p:nvSpPr>
+          <p:cNvPr id="35" name="Rectangle 12">
+            <a:extLst>
+              <a:ext uri="{FF2B5EF4-FFF2-40B4-BE49-F238E27FC236}">
+                <a16:creationId xmlns:a16="http://schemas.microsoft.com/office/drawing/2014/main" id="{0FD71D44-0FBA-0CE9-E51A-DF92AFA7E534}"/>
+              </a:ext>
+            </a:extLst>
+          </p:cNvPr>
+          <p:cNvSpPr>
+            <a:spLocks/>
+          </p:cNvSpPr>
+          <p:nvPr/>
+        </p:nvSpPr>
+        <p:spPr>
+          <a:xfrm>
+            <a:off x="4013700" y="3366320"/>
             <a:ext cx="360000" cy="360000"/>
           </a:xfrm>
           <a:prstGeom prst="rect">

--- a/Articles/ERK/schemes.pptx
+++ b/Articles/ERK/schemes.pptx
@@ -4402,7 +4402,9 @@
             <a:avLst/>
           </a:prstGeom>
           <a:solidFill>
-            <a:schemeClr val="bg1"/>
+            <a:schemeClr val="accent1">
+              <a:alpha val="10000"/>
+            </a:schemeClr>
           </a:solidFill>
           <a:ln w="19050">
             <a:solidFill>
@@ -4458,7 +4460,9 @@
             <a:avLst/>
           </a:prstGeom>
           <a:solidFill>
-            <a:schemeClr val="bg1"/>
+            <a:schemeClr val="accent1">
+              <a:alpha val="20000"/>
+            </a:schemeClr>
           </a:solidFill>
           <a:ln w="19050">
             <a:solidFill>
@@ -4514,7 +4518,9 @@
             <a:avLst/>
           </a:prstGeom>
           <a:solidFill>
-            <a:schemeClr val="bg1"/>
+            <a:schemeClr val="accent1">
+              <a:alpha val="40000"/>
+            </a:schemeClr>
           </a:solidFill>
           <a:ln w="19050">
             <a:solidFill>
@@ -4570,7 +4576,9 @@
             <a:avLst/>
           </a:prstGeom>
           <a:solidFill>
-            <a:schemeClr val="bg1"/>
+            <a:schemeClr val="accent1">
+              <a:alpha val="20000"/>
+            </a:schemeClr>
           </a:solidFill>
           <a:ln w="19050">
             <a:solidFill>
@@ -4626,7 +4634,9 @@
             <a:avLst/>
           </a:prstGeom>
           <a:solidFill>
-            <a:schemeClr val="bg1"/>
+            <a:schemeClr val="accent1">
+              <a:alpha val="10000"/>
+            </a:schemeClr>
           </a:solidFill>
           <a:ln w="19050">
             <a:solidFill>
@@ -4682,7 +4692,9 @@
             <a:avLst/>
           </a:prstGeom>
           <a:solidFill>
-            <a:schemeClr val="bg1"/>
+            <a:schemeClr val="accent1">
+              <a:alpha val="20000"/>
+            </a:schemeClr>
           </a:solidFill>
           <a:ln w="19050">
             <a:solidFill>
@@ -4738,7 +4750,9 @@
             <a:avLst/>
           </a:prstGeom>
           <a:solidFill>
-            <a:schemeClr val="bg1"/>
+            <a:schemeClr val="accent1">
+              <a:alpha val="40000"/>
+            </a:schemeClr>
           </a:solidFill>
           <a:ln w="19050">
             <a:solidFill>
@@ -4794,7 +4808,9 @@
             <a:avLst/>
           </a:prstGeom>
           <a:solidFill>
-            <a:schemeClr val="bg1"/>
+            <a:schemeClr val="accent1">
+              <a:alpha val="60000"/>
+            </a:schemeClr>
           </a:solidFill>
           <a:ln w="19050">
             <a:solidFill>
@@ -4850,7 +4866,9 @@
             <a:avLst/>
           </a:prstGeom>
           <a:solidFill>
-            <a:schemeClr val="bg1"/>
+            <a:schemeClr val="accent1">
+              <a:alpha val="40000"/>
+            </a:schemeClr>
           </a:solidFill>
           <a:ln w="19050">
             <a:solidFill>
@@ -4906,7 +4924,9 @@
             <a:avLst/>
           </a:prstGeom>
           <a:solidFill>
-            <a:schemeClr val="bg1"/>
+            <a:schemeClr val="accent1">
+              <a:alpha val="20000"/>
+            </a:schemeClr>
           </a:solidFill>
           <a:ln w="19050">
             <a:solidFill>
@@ -4962,7 +4982,9 @@
             <a:avLst/>
           </a:prstGeom>
           <a:solidFill>
-            <a:schemeClr val="bg1"/>
+            <a:schemeClr val="accent1">
+              <a:alpha val="40000"/>
+            </a:schemeClr>
           </a:solidFill>
           <a:ln w="19050">
             <a:solidFill>
@@ -5018,7 +5040,9 @@
             <a:avLst/>
           </a:prstGeom>
           <a:solidFill>
-            <a:schemeClr val="bg1"/>
+            <a:schemeClr val="accent1">
+              <a:alpha val="60000"/>
+            </a:schemeClr>
           </a:solidFill>
           <a:ln w="19050">
             <a:solidFill>
@@ -5067,14 +5091,17 @@
         </p:nvSpPr>
         <p:spPr>
           <a:xfrm>
-            <a:off x="3302500" y="2649040"/>
+            <a:off x="3302500" y="2650400"/>
             <a:ext cx="360000" cy="360000"/>
           </a:xfrm>
           <a:prstGeom prst="rect">
             <a:avLst/>
           </a:prstGeom>
           <a:solidFill>
-            <a:schemeClr val="bg1"/>
+            <a:schemeClr val="accent1">
+              <a:lumMod val="75000"/>
+              <a:alpha val="75000"/>
+            </a:schemeClr>
           </a:solidFill>
           <a:ln w="19050">
             <a:solidFill>
@@ -5130,7 +5157,9 @@
             <a:avLst/>
           </a:prstGeom>
           <a:solidFill>
-            <a:schemeClr val="bg1"/>
+            <a:schemeClr val="accent1">
+              <a:alpha val="60000"/>
+            </a:schemeClr>
           </a:solidFill>
           <a:ln w="19050">
             <a:solidFill>
@@ -5186,7 +5215,9 @@
             <a:avLst/>
           </a:prstGeom>
           <a:solidFill>
-            <a:schemeClr val="bg1"/>
+            <a:schemeClr val="accent1">
+              <a:alpha val="40000"/>
+            </a:schemeClr>
           </a:solidFill>
           <a:ln w="19050">
             <a:solidFill>
@@ -5242,7 +5273,9 @@
             <a:avLst/>
           </a:prstGeom>
           <a:solidFill>
-            <a:schemeClr val="bg1"/>
+            <a:schemeClr val="accent1">
+              <a:alpha val="20000"/>
+            </a:schemeClr>
           </a:solidFill>
           <a:ln w="19050">
             <a:solidFill>
@@ -5298,7 +5331,9 @@
             <a:avLst/>
           </a:prstGeom>
           <a:solidFill>
-            <a:schemeClr val="bg1"/>
+            <a:schemeClr val="accent1">
+              <a:alpha val="40000"/>
+            </a:schemeClr>
           </a:solidFill>
           <a:ln w="19050">
             <a:solidFill>
@@ -5347,14 +5382,16 @@
         </p:nvSpPr>
         <p:spPr>
           <a:xfrm>
-            <a:off x="3666900" y="2646320"/>
-            <a:ext cx="360000" cy="360000"/>
+            <a:off x="3663600" y="2651760"/>
+            <a:ext cx="366600" cy="360000"/>
           </a:xfrm>
           <a:prstGeom prst="rect">
             <a:avLst/>
           </a:prstGeom>
           <a:solidFill>
-            <a:schemeClr val="bg1"/>
+            <a:schemeClr val="accent1">
+              <a:alpha val="60000"/>
+            </a:schemeClr>
           </a:solidFill>
           <a:ln w="19050">
             <a:solidFill>
@@ -5410,7 +5447,9 @@
             <a:avLst/>
           </a:prstGeom>
           <a:solidFill>
-            <a:schemeClr val="bg1"/>
+            <a:schemeClr val="accent1">
+              <a:alpha val="40000"/>
+            </a:schemeClr>
           </a:solidFill>
           <a:ln w="19050">
             <a:solidFill>
@@ -5466,7 +5505,9 @@
             <a:avLst/>
           </a:prstGeom>
           <a:solidFill>
-            <a:schemeClr val="bg1"/>
+            <a:schemeClr val="accent1">
+              <a:alpha val="20000"/>
+            </a:schemeClr>
           </a:solidFill>
           <a:ln w="19050">
             <a:solidFill>
@@ -5515,14 +5556,16 @@
         </p:nvSpPr>
         <p:spPr>
           <a:xfrm>
-            <a:off x="4013700" y="1929040"/>
+            <a:off x="4026900" y="1929040"/>
             <a:ext cx="360000" cy="360000"/>
           </a:xfrm>
           <a:prstGeom prst="rect">
             <a:avLst/>
           </a:prstGeom>
           <a:solidFill>
-            <a:schemeClr val="bg1"/>
+            <a:schemeClr val="accent1">
+              <a:alpha val="10000"/>
+            </a:schemeClr>
           </a:solidFill>
           <a:ln w="19050">
             <a:solidFill>
@@ -5571,14 +5614,16 @@
         </p:nvSpPr>
         <p:spPr>
           <a:xfrm>
-            <a:off x="4013700" y="2287680"/>
+            <a:off x="4026900" y="2287680"/>
             <a:ext cx="360000" cy="360000"/>
           </a:xfrm>
           <a:prstGeom prst="rect">
             <a:avLst/>
           </a:prstGeom>
           <a:solidFill>
-            <a:schemeClr val="bg1"/>
+            <a:schemeClr val="accent1">
+              <a:alpha val="20000"/>
+            </a:schemeClr>
           </a:solidFill>
           <a:ln w="19050">
             <a:solidFill>
@@ -5627,14 +5672,16 @@
         </p:nvSpPr>
         <p:spPr>
           <a:xfrm>
-            <a:off x="4013700" y="2646320"/>
+            <a:off x="4026900" y="2649040"/>
             <a:ext cx="360000" cy="360000"/>
           </a:xfrm>
           <a:prstGeom prst="rect">
             <a:avLst/>
           </a:prstGeom>
           <a:solidFill>
-            <a:schemeClr val="bg1"/>
+            <a:schemeClr val="accent1">
+              <a:alpha val="40000"/>
+            </a:schemeClr>
           </a:solidFill>
           <a:ln w="19050">
             <a:solidFill>
@@ -5683,14 +5730,16 @@
         </p:nvSpPr>
         <p:spPr>
           <a:xfrm>
-            <a:off x="4013700" y="3006320"/>
+            <a:off x="4026900" y="3006320"/>
             <a:ext cx="360000" cy="360000"/>
           </a:xfrm>
           <a:prstGeom prst="rect">
             <a:avLst/>
           </a:prstGeom>
           <a:solidFill>
-            <a:schemeClr val="bg1"/>
+            <a:schemeClr val="accent1">
+              <a:alpha val="20000"/>
+            </a:schemeClr>
           </a:solidFill>
           <a:ln w="19050">
             <a:solidFill>
@@ -5739,14 +5788,16 @@
         </p:nvSpPr>
         <p:spPr>
           <a:xfrm>
-            <a:off x="4013700" y="3366320"/>
+            <a:off x="4026900" y="3366320"/>
             <a:ext cx="360000" cy="360000"/>
           </a:xfrm>
           <a:prstGeom prst="rect">
             <a:avLst/>
           </a:prstGeom>
           <a:solidFill>
-            <a:schemeClr val="bg1"/>
+            <a:schemeClr val="accent1">
+              <a:alpha val="10000"/>
+            </a:schemeClr>
           </a:solidFill>
           <a:ln w="19050">
             <a:solidFill>

--- a/Articles/ERK/schemes.pptx
+++ b/Articles/ERK/schemes.pptx
@@ -3585,8 +3585,7 @@
             <a:avLst/>
           </a:prstGeom>
           <a:solidFill>
-            <a:schemeClr val="accent1">
-              <a:lumMod val="75000"/>
+            <a:schemeClr val="accent6">
               <a:alpha val="20000"/>
             </a:schemeClr>
           </a:solidFill>
@@ -3678,8 +3677,7 @@
             <a:avLst/>
           </a:prstGeom>
           <a:solidFill>
-            <a:schemeClr val="accent1">
-              <a:lumMod val="75000"/>
+            <a:schemeClr val="accent6">
               <a:alpha val="40000"/>
             </a:schemeClr>
           </a:solidFill>
@@ -3771,8 +3769,7 @@
             <a:avLst/>
           </a:prstGeom>
           <a:solidFill>
-            <a:schemeClr val="accent1">
-              <a:lumMod val="75000"/>
+            <a:schemeClr val="accent6">
               <a:alpha val="60000"/>
             </a:schemeClr>
           </a:solidFill>
@@ -3864,8 +3861,7 @@
             <a:avLst/>
           </a:prstGeom>
           <a:solidFill>
-            <a:schemeClr val="accent1">
-              <a:lumMod val="75000"/>
+            <a:schemeClr val="accent6">
               <a:alpha val="75000"/>
             </a:schemeClr>
           </a:solidFill>
@@ -3957,8 +3953,7 @@
             <a:avLst/>
           </a:prstGeom>
           <a:solidFill>
-            <a:schemeClr val="accent1">
-              <a:lumMod val="75000"/>
+            <a:schemeClr val="accent6">
               <a:alpha val="60000"/>
             </a:schemeClr>
           </a:solidFill>
@@ -4050,8 +4045,7 @@
             <a:avLst/>
           </a:prstGeom>
           <a:solidFill>
-            <a:schemeClr val="accent1">
-              <a:lumMod val="75000"/>
+            <a:schemeClr val="accent6">
               <a:alpha val="40000"/>
             </a:schemeClr>
           </a:solidFill>
@@ -4143,8 +4137,7 @@
             <a:avLst/>
           </a:prstGeom>
           <a:solidFill>
-            <a:schemeClr val="accent1">
-              <a:lumMod val="75000"/>
+            <a:schemeClr val="accent6">
               <a:alpha val="20000"/>
             </a:schemeClr>
           </a:solidFill>
@@ -4325,10 +4318,10 @@
       </p:grpSpPr>
       <p:sp>
         <p:nvSpPr>
-          <p:cNvPr id="2" name="Rectangle 1">
-            <a:extLst>
-              <a:ext uri="{FF2B5EF4-FFF2-40B4-BE49-F238E27FC236}">
-                <a16:creationId xmlns:a16="http://schemas.microsoft.com/office/drawing/2014/main" id="{C62ED0E5-CFE1-BD8E-BC2D-9EFD1D256BCA}"/>
+          <p:cNvPr id="53" name="Rectangle 1">
+            <a:extLst>
+              <a:ext uri="{FF2B5EF4-FFF2-40B4-BE49-F238E27FC236}">
+                <a16:creationId xmlns:a16="http://schemas.microsoft.com/office/drawing/2014/main" id="{C70BAE44-332A-EF81-C35C-C45E339562E1}"/>
               </a:ext>
             </a:extLst>
           </p:cNvPr>
@@ -4339,7 +4332,7 @@
         </p:nvSpPr>
         <p:spPr>
           <a:xfrm>
-            <a:off x="2578100" y="1930400"/>
+            <a:off x="610120" y="1685073"/>
             <a:ext cx="1800000" cy="1800000"/>
           </a:xfrm>
           <a:prstGeom prst="rect">
@@ -4381,10 +4374,10 @@
       </p:sp>
       <p:sp>
         <p:nvSpPr>
-          <p:cNvPr id="4" name="Rectangle 3">
-            <a:extLst>
-              <a:ext uri="{FF2B5EF4-FFF2-40B4-BE49-F238E27FC236}">
-                <a16:creationId xmlns:a16="http://schemas.microsoft.com/office/drawing/2014/main" id="{106F8172-FD52-B40F-A8A6-C9CE8419AB9E}"/>
+          <p:cNvPr id="54" name="Rectangle 3">
+            <a:extLst>
+              <a:ext uri="{FF2B5EF4-FFF2-40B4-BE49-F238E27FC236}">
+                <a16:creationId xmlns:a16="http://schemas.microsoft.com/office/drawing/2014/main" id="{D6CA3D50-7A0C-539B-2B69-DA3F51F3FB66}"/>
               </a:ext>
             </a:extLst>
           </p:cNvPr>
@@ -4395,7 +4388,7 @@
         </p:nvSpPr>
         <p:spPr>
           <a:xfrm>
-            <a:off x="2578100" y="1930400"/>
+            <a:off x="610120" y="1685073"/>
             <a:ext cx="360000" cy="360000"/>
           </a:xfrm>
           <a:prstGeom prst="rect">
@@ -4439,10 +4432,10 @@
       </p:sp>
       <p:sp>
         <p:nvSpPr>
-          <p:cNvPr id="11" name="Rectangle 10">
-            <a:extLst>
-              <a:ext uri="{FF2B5EF4-FFF2-40B4-BE49-F238E27FC236}">
-                <a16:creationId xmlns:a16="http://schemas.microsoft.com/office/drawing/2014/main" id="{C8B3EE9D-2A37-357F-1671-126F3622A250}"/>
+          <p:cNvPr id="55" name="Rectangle 10">
+            <a:extLst>
+              <a:ext uri="{FF2B5EF4-FFF2-40B4-BE49-F238E27FC236}">
+                <a16:creationId xmlns:a16="http://schemas.microsoft.com/office/drawing/2014/main" id="{856F2DE0-D3C8-857F-4EBE-0E1666C2EEBB}"/>
               </a:ext>
             </a:extLst>
           </p:cNvPr>
@@ -4453,7 +4446,7 @@
         </p:nvSpPr>
         <p:spPr>
           <a:xfrm>
-            <a:off x="2578100" y="2290400"/>
+            <a:off x="610120" y="2045073"/>
             <a:ext cx="360000" cy="360000"/>
           </a:xfrm>
           <a:prstGeom prst="rect">
@@ -4497,10 +4490,10 @@
       </p:sp>
       <p:sp>
         <p:nvSpPr>
-          <p:cNvPr id="12" name="Rectangle 11">
-            <a:extLst>
-              <a:ext uri="{FF2B5EF4-FFF2-40B4-BE49-F238E27FC236}">
-                <a16:creationId xmlns:a16="http://schemas.microsoft.com/office/drawing/2014/main" id="{5D47C5BB-216D-5736-373E-ABB640327678}"/>
+          <p:cNvPr id="56" name="Rectangle 11">
+            <a:extLst>
+              <a:ext uri="{FF2B5EF4-FFF2-40B4-BE49-F238E27FC236}">
+                <a16:creationId xmlns:a16="http://schemas.microsoft.com/office/drawing/2014/main" id="{3991DD22-BE31-34D5-EC5D-01980C73B66D}"/>
               </a:ext>
             </a:extLst>
           </p:cNvPr>
@@ -4511,7 +4504,7 @@
         </p:nvSpPr>
         <p:spPr>
           <a:xfrm>
-            <a:off x="2578100" y="2650400"/>
+            <a:off x="610120" y="2405073"/>
             <a:ext cx="360000" cy="360000"/>
           </a:xfrm>
           <a:prstGeom prst="rect">
@@ -4555,10 +4548,10 @@
       </p:sp>
       <p:sp>
         <p:nvSpPr>
-          <p:cNvPr id="13" name="Rectangle 12">
-            <a:extLst>
-              <a:ext uri="{FF2B5EF4-FFF2-40B4-BE49-F238E27FC236}">
-                <a16:creationId xmlns:a16="http://schemas.microsoft.com/office/drawing/2014/main" id="{C813F7DC-8811-B57F-A554-7C1A6E9BC3B9}"/>
+          <p:cNvPr id="57" name="Rectangle 12">
+            <a:extLst>
+              <a:ext uri="{FF2B5EF4-FFF2-40B4-BE49-F238E27FC236}">
+                <a16:creationId xmlns:a16="http://schemas.microsoft.com/office/drawing/2014/main" id="{3F304470-2EFA-46ED-A26E-EDA279D9CED5}"/>
               </a:ext>
             </a:extLst>
           </p:cNvPr>
@@ -4569,7 +4562,7 @@
         </p:nvSpPr>
         <p:spPr>
           <a:xfrm>
-            <a:off x="2578100" y="3010400"/>
+            <a:off x="610120" y="2765073"/>
             <a:ext cx="360000" cy="360000"/>
           </a:xfrm>
           <a:prstGeom prst="rect">
@@ -4613,10 +4606,10 @@
       </p:sp>
       <p:sp>
         <p:nvSpPr>
-          <p:cNvPr id="14" name="Rectangle 13">
-            <a:extLst>
-              <a:ext uri="{FF2B5EF4-FFF2-40B4-BE49-F238E27FC236}">
-                <a16:creationId xmlns:a16="http://schemas.microsoft.com/office/drawing/2014/main" id="{CF400037-A756-02A8-E7B1-A9CD51A0956E}"/>
+          <p:cNvPr id="58" name="Rectangle 13">
+            <a:extLst>
+              <a:ext uri="{FF2B5EF4-FFF2-40B4-BE49-F238E27FC236}">
+                <a16:creationId xmlns:a16="http://schemas.microsoft.com/office/drawing/2014/main" id="{054BD6D2-536D-7A0E-E682-DDDA89D4874D}"/>
               </a:ext>
             </a:extLst>
           </p:cNvPr>
@@ -4627,7 +4620,7 @@
         </p:nvSpPr>
         <p:spPr>
           <a:xfrm>
-            <a:off x="2578100" y="3370400"/>
+            <a:off x="610120" y="3125073"/>
             <a:ext cx="360000" cy="360000"/>
           </a:xfrm>
           <a:prstGeom prst="rect">
@@ -4671,10 +4664,10 @@
       </p:sp>
       <p:sp>
         <p:nvSpPr>
-          <p:cNvPr id="15" name="Rectangle 14">
-            <a:extLst>
-              <a:ext uri="{FF2B5EF4-FFF2-40B4-BE49-F238E27FC236}">
-                <a16:creationId xmlns:a16="http://schemas.microsoft.com/office/drawing/2014/main" id="{DDCB0C0F-8ACA-0987-C1D6-6CA033B7DAD7}"/>
+          <p:cNvPr id="59" name="Rectangle 14">
+            <a:extLst>
+              <a:ext uri="{FF2B5EF4-FFF2-40B4-BE49-F238E27FC236}">
+                <a16:creationId xmlns:a16="http://schemas.microsoft.com/office/drawing/2014/main" id="{96A3CE63-EE52-5134-E8D5-124BEF8511CA}"/>
               </a:ext>
             </a:extLst>
           </p:cNvPr>
@@ -4685,7 +4678,7 @@
         </p:nvSpPr>
         <p:spPr>
           <a:xfrm>
-            <a:off x="2942500" y="1930400"/>
+            <a:off x="974520" y="1685073"/>
             <a:ext cx="360000" cy="360000"/>
           </a:xfrm>
           <a:prstGeom prst="rect">
@@ -4729,10 +4722,10 @@
       </p:sp>
       <p:sp>
         <p:nvSpPr>
-          <p:cNvPr id="16" name="Rectangle 15">
-            <a:extLst>
-              <a:ext uri="{FF2B5EF4-FFF2-40B4-BE49-F238E27FC236}">
-                <a16:creationId xmlns:a16="http://schemas.microsoft.com/office/drawing/2014/main" id="{9107CDD4-A150-3093-D330-70AA74E1F378}"/>
+          <p:cNvPr id="60" name="Rectangle 15">
+            <a:extLst>
+              <a:ext uri="{FF2B5EF4-FFF2-40B4-BE49-F238E27FC236}">
+                <a16:creationId xmlns:a16="http://schemas.microsoft.com/office/drawing/2014/main" id="{FB9CF588-BAF3-0511-B00B-8C558B1BABAB}"/>
               </a:ext>
             </a:extLst>
           </p:cNvPr>
@@ -4743,7 +4736,7 @@
         </p:nvSpPr>
         <p:spPr>
           <a:xfrm>
-            <a:off x="2942500" y="2289040"/>
+            <a:off x="974520" y="2043713"/>
             <a:ext cx="360000" cy="360000"/>
           </a:xfrm>
           <a:prstGeom prst="rect">
@@ -4787,10 +4780,10 @@
       </p:sp>
       <p:sp>
         <p:nvSpPr>
-          <p:cNvPr id="3" name="Rectangle 10">
-            <a:extLst>
-              <a:ext uri="{FF2B5EF4-FFF2-40B4-BE49-F238E27FC236}">
-                <a16:creationId xmlns:a16="http://schemas.microsoft.com/office/drawing/2014/main" id="{B31C93F1-50AD-A15E-D646-A82120503291}"/>
+          <p:cNvPr id="61" name="Rectangle 10">
+            <a:extLst>
+              <a:ext uri="{FF2B5EF4-FFF2-40B4-BE49-F238E27FC236}">
+                <a16:creationId xmlns:a16="http://schemas.microsoft.com/office/drawing/2014/main" id="{43C7462E-5FAD-C196-5A29-BA7CAD1A4878}"/>
               </a:ext>
             </a:extLst>
           </p:cNvPr>
@@ -4801,7 +4794,7 @@
         </p:nvSpPr>
         <p:spPr>
           <a:xfrm>
-            <a:off x="2942500" y="2647680"/>
+            <a:off x="974520" y="2402353"/>
             <a:ext cx="360000" cy="360000"/>
           </a:xfrm>
           <a:prstGeom prst="rect">
@@ -4809,7 +4802,7 @@
           </a:prstGeom>
           <a:solidFill>
             <a:schemeClr val="accent1">
-              <a:alpha val="60000"/>
+              <a:alpha val="75000"/>
             </a:schemeClr>
           </a:solidFill>
           <a:ln w="19050">
@@ -4845,10 +4838,10 @@
       </p:sp>
       <p:sp>
         <p:nvSpPr>
-          <p:cNvPr id="5" name="Rectangle 11">
-            <a:extLst>
-              <a:ext uri="{FF2B5EF4-FFF2-40B4-BE49-F238E27FC236}">
-                <a16:creationId xmlns:a16="http://schemas.microsoft.com/office/drawing/2014/main" id="{81938A76-7038-DD87-21E5-3BF82FB26CF7}"/>
+          <p:cNvPr id="62" name="Rectangle 11">
+            <a:extLst>
+              <a:ext uri="{FF2B5EF4-FFF2-40B4-BE49-F238E27FC236}">
+                <a16:creationId xmlns:a16="http://schemas.microsoft.com/office/drawing/2014/main" id="{7DF2E758-E2DA-C6D8-10C0-A690B2A5B1F2}"/>
               </a:ext>
             </a:extLst>
           </p:cNvPr>
@@ -4859,7 +4852,7 @@
         </p:nvSpPr>
         <p:spPr>
           <a:xfrm>
-            <a:off x="2942500" y="3007680"/>
+            <a:off x="974520" y="2762353"/>
             <a:ext cx="360000" cy="360000"/>
           </a:xfrm>
           <a:prstGeom prst="rect">
@@ -4903,10 +4896,10 @@
       </p:sp>
       <p:sp>
         <p:nvSpPr>
-          <p:cNvPr id="6" name="Rectangle 12">
-            <a:extLst>
-              <a:ext uri="{FF2B5EF4-FFF2-40B4-BE49-F238E27FC236}">
-                <a16:creationId xmlns:a16="http://schemas.microsoft.com/office/drawing/2014/main" id="{257D6A37-687F-65A0-24E6-AFA8F96B3A15}"/>
+          <p:cNvPr id="63" name="Rectangle 12">
+            <a:extLst>
+              <a:ext uri="{FF2B5EF4-FFF2-40B4-BE49-F238E27FC236}">
+                <a16:creationId xmlns:a16="http://schemas.microsoft.com/office/drawing/2014/main" id="{5E959002-BF7F-BA47-E93C-4E03B0504010}"/>
               </a:ext>
             </a:extLst>
           </p:cNvPr>
@@ -4917,7 +4910,7 @@
         </p:nvSpPr>
         <p:spPr>
           <a:xfrm>
-            <a:off x="2942500" y="3367680"/>
+            <a:off x="974520" y="3122353"/>
             <a:ext cx="360000" cy="360000"/>
           </a:xfrm>
           <a:prstGeom prst="rect">
@@ -4961,10 +4954,10 @@
       </p:sp>
       <p:sp>
         <p:nvSpPr>
-          <p:cNvPr id="10" name="Rectangle 3">
-            <a:extLst>
-              <a:ext uri="{FF2B5EF4-FFF2-40B4-BE49-F238E27FC236}">
-                <a16:creationId xmlns:a16="http://schemas.microsoft.com/office/drawing/2014/main" id="{C09AACC7-DEEA-1213-3FA8-049B4A94DC04}"/>
+          <p:cNvPr id="64" name="Rectangle 3">
+            <a:extLst>
+              <a:ext uri="{FF2B5EF4-FFF2-40B4-BE49-F238E27FC236}">
+                <a16:creationId xmlns:a16="http://schemas.microsoft.com/office/drawing/2014/main" id="{35AD8426-BA3E-8632-978A-D8710FB2067F}"/>
               </a:ext>
             </a:extLst>
           </p:cNvPr>
@@ -4975,7 +4968,7 @@
         </p:nvSpPr>
         <p:spPr>
           <a:xfrm>
-            <a:off x="3302500" y="1929040"/>
+            <a:off x="1334520" y="1683713"/>
             <a:ext cx="360000" cy="360000"/>
           </a:xfrm>
           <a:prstGeom prst="rect">
@@ -5019,10 +5012,10 @@
       </p:sp>
       <p:sp>
         <p:nvSpPr>
-          <p:cNvPr id="17" name="Rectangle 10">
-            <a:extLst>
-              <a:ext uri="{FF2B5EF4-FFF2-40B4-BE49-F238E27FC236}">
-                <a16:creationId xmlns:a16="http://schemas.microsoft.com/office/drawing/2014/main" id="{A1DBB292-168A-8B7D-1263-43F93D8CCAA3}"/>
+          <p:cNvPr id="65" name="Rectangle 10">
+            <a:extLst>
+              <a:ext uri="{FF2B5EF4-FFF2-40B4-BE49-F238E27FC236}">
+                <a16:creationId xmlns:a16="http://schemas.microsoft.com/office/drawing/2014/main" id="{BB080EFC-4773-ECEA-7401-871D6A68F9DE}"/>
               </a:ext>
             </a:extLst>
           </p:cNvPr>
@@ -5033,7 +5026,7 @@
         </p:nvSpPr>
         <p:spPr>
           <a:xfrm>
-            <a:off x="3302500" y="2289040"/>
+            <a:off x="1334520" y="2043713"/>
             <a:ext cx="360000" cy="360000"/>
           </a:xfrm>
           <a:prstGeom prst="rect">
@@ -5041,7 +5034,7 @@
           </a:prstGeom>
           <a:solidFill>
             <a:schemeClr val="accent1">
-              <a:alpha val="60000"/>
+              <a:alpha val="75000"/>
             </a:schemeClr>
           </a:solidFill>
           <a:ln w="19050">
@@ -5077,10 +5070,10 @@
       </p:sp>
       <p:sp>
         <p:nvSpPr>
-          <p:cNvPr id="18" name="Rectangle 11">
-            <a:extLst>
-              <a:ext uri="{FF2B5EF4-FFF2-40B4-BE49-F238E27FC236}">
-                <a16:creationId xmlns:a16="http://schemas.microsoft.com/office/drawing/2014/main" id="{10D3CABE-9F94-B063-4886-E23EE418E8EC}"/>
+          <p:cNvPr id="66" name="Rectangle 11">
+            <a:extLst>
+              <a:ext uri="{FF2B5EF4-FFF2-40B4-BE49-F238E27FC236}">
+                <a16:creationId xmlns:a16="http://schemas.microsoft.com/office/drawing/2014/main" id="{29900959-070B-284A-E842-D12C6BBC2062}"/>
               </a:ext>
             </a:extLst>
           </p:cNvPr>
@@ -5091,17 +5084,14 @@
         </p:nvSpPr>
         <p:spPr>
           <a:xfrm>
-            <a:off x="3302500" y="2650400"/>
+            <a:off x="1334520" y="2405073"/>
             <a:ext cx="360000" cy="360000"/>
           </a:xfrm>
           <a:prstGeom prst="rect">
             <a:avLst/>
           </a:prstGeom>
           <a:solidFill>
-            <a:schemeClr val="accent1">
-              <a:lumMod val="75000"/>
-              <a:alpha val="75000"/>
-            </a:schemeClr>
+            <a:schemeClr val="accent4"/>
           </a:solidFill>
           <a:ln w="19050">
             <a:solidFill>
@@ -5136,10 +5126,10 @@
       </p:sp>
       <p:sp>
         <p:nvSpPr>
-          <p:cNvPr id="19" name="Rectangle 12">
-            <a:extLst>
-              <a:ext uri="{FF2B5EF4-FFF2-40B4-BE49-F238E27FC236}">
-                <a16:creationId xmlns:a16="http://schemas.microsoft.com/office/drawing/2014/main" id="{109BE6C4-A325-9788-34AF-3A2C7759A290}"/>
+          <p:cNvPr id="67" name="Rectangle 12">
+            <a:extLst>
+              <a:ext uri="{FF2B5EF4-FFF2-40B4-BE49-F238E27FC236}">
+                <a16:creationId xmlns:a16="http://schemas.microsoft.com/office/drawing/2014/main" id="{0E5597E9-2E9F-277B-0C80-D7C7812FAB85}"/>
               </a:ext>
             </a:extLst>
           </p:cNvPr>
@@ -5150,15 +5140,15 @@
         </p:nvSpPr>
         <p:spPr>
           <a:xfrm>
-            <a:off x="3302500" y="3009040"/>
+            <a:off x="1334520" y="2763713"/>
             <a:ext cx="360000" cy="360000"/>
           </a:xfrm>
           <a:prstGeom prst="rect">
             <a:avLst/>
           </a:prstGeom>
           <a:solidFill>
-            <a:schemeClr val="accent1">
-              <a:alpha val="60000"/>
+            <a:schemeClr val="accent4">
+              <a:alpha val="75000"/>
             </a:schemeClr>
           </a:solidFill>
           <a:ln w="19050">
@@ -5194,10 +5184,10 @@
       </p:sp>
       <p:sp>
         <p:nvSpPr>
-          <p:cNvPr id="20" name="Rectangle 13">
-            <a:extLst>
-              <a:ext uri="{FF2B5EF4-FFF2-40B4-BE49-F238E27FC236}">
-                <a16:creationId xmlns:a16="http://schemas.microsoft.com/office/drawing/2014/main" id="{B864A49C-1F9E-A7AA-8520-6DBF8919C54A}"/>
+          <p:cNvPr id="68" name="Rectangle 13">
+            <a:extLst>
+              <a:ext uri="{FF2B5EF4-FFF2-40B4-BE49-F238E27FC236}">
+                <a16:creationId xmlns:a16="http://schemas.microsoft.com/office/drawing/2014/main" id="{D4F37B59-A8BD-8E91-BF4A-03E3EB7A5FA1}"/>
               </a:ext>
             </a:extLst>
           </p:cNvPr>
@@ -5208,14 +5198,14 @@
         </p:nvSpPr>
         <p:spPr>
           <a:xfrm>
-            <a:off x="3302500" y="3369040"/>
+            <a:off x="1334520" y="3123713"/>
             <a:ext cx="360000" cy="360000"/>
           </a:xfrm>
           <a:prstGeom prst="rect">
             <a:avLst/>
           </a:prstGeom>
           <a:solidFill>
-            <a:schemeClr val="accent1">
+            <a:schemeClr val="accent4">
               <a:alpha val="40000"/>
             </a:schemeClr>
           </a:solidFill>
@@ -5252,10 +5242,10 @@
       </p:sp>
       <p:sp>
         <p:nvSpPr>
-          <p:cNvPr id="21" name="Rectangle 14">
-            <a:extLst>
-              <a:ext uri="{FF2B5EF4-FFF2-40B4-BE49-F238E27FC236}">
-                <a16:creationId xmlns:a16="http://schemas.microsoft.com/office/drawing/2014/main" id="{7065EF9F-64F9-9AE5-D2DF-E7E49BC4DC2D}"/>
+          <p:cNvPr id="69" name="Rectangle 14">
+            <a:extLst>
+              <a:ext uri="{FF2B5EF4-FFF2-40B4-BE49-F238E27FC236}">
+                <a16:creationId xmlns:a16="http://schemas.microsoft.com/office/drawing/2014/main" id="{D4E0C7E7-9180-7F26-6874-F6DBF914DD9E}"/>
               </a:ext>
             </a:extLst>
           </p:cNvPr>
@@ -5266,7 +5256,7 @@
         </p:nvSpPr>
         <p:spPr>
           <a:xfrm>
-            <a:off x="3666900" y="1929040"/>
+            <a:off x="1698920" y="1683713"/>
             <a:ext cx="360000" cy="360000"/>
           </a:xfrm>
           <a:prstGeom prst="rect">
@@ -5310,10 +5300,10 @@
       </p:sp>
       <p:sp>
         <p:nvSpPr>
-          <p:cNvPr id="22" name="Rectangle 15">
-            <a:extLst>
-              <a:ext uri="{FF2B5EF4-FFF2-40B4-BE49-F238E27FC236}">
-                <a16:creationId xmlns:a16="http://schemas.microsoft.com/office/drawing/2014/main" id="{35851CD8-4CBA-7694-E467-675FB14FC762}"/>
+          <p:cNvPr id="70" name="Rectangle 15">
+            <a:extLst>
+              <a:ext uri="{FF2B5EF4-FFF2-40B4-BE49-F238E27FC236}">
+                <a16:creationId xmlns:a16="http://schemas.microsoft.com/office/drawing/2014/main" id="{CC83B1D0-D2AE-0E0F-F431-3E44F9023124}"/>
               </a:ext>
             </a:extLst>
           </p:cNvPr>
@@ -5324,7 +5314,7 @@
         </p:nvSpPr>
         <p:spPr>
           <a:xfrm>
-            <a:off x="3666900" y="2287680"/>
+            <a:off x="1698920" y="2042353"/>
             <a:ext cx="360000" cy="360000"/>
           </a:xfrm>
           <a:prstGeom prst="rect">
@@ -5368,10 +5358,10 @@
       </p:sp>
       <p:sp>
         <p:nvSpPr>
-          <p:cNvPr id="23" name="Rectangle 10">
-            <a:extLst>
-              <a:ext uri="{FF2B5EF4-FFF2-40B4-BE49-F238E27FC236}">
-                <a16:creationId xmlns:a16="http://schemas.microsoft.com/office/drawing/2014/main" id="{C7000059-7E53-378C-8E66-CE46DFE36006}"/>
+          <p:cNvPr id="71" name="Rectangle 10">
+            <a:extLst>
+              <a:ext uri="{FF2B5EF4-FFF2-40B4-BE49-F238E27FC236}">
+                <a16:creationId xmlns:a16="http://schemas.microsoft.com/office/drawing/2014/main" id="{52ACBA05-8B9B-773A-E228-77A1503097EF}"/>
               </a:ext>
             </a:extLst>
           </p:cNvPr>
@@ -5382,15 +5372,15 @@
         </p:nvSpPr>
         <p:spPr>
           <a:xfrm>
-            <a:off x="3663600" y="2651760"/>
+            <a:off x="1695620" y="2406433"/>
             <a:ext cx="366600" cy="360000"/>
           </a:xfrm>
           <a:prstGeom prst="rect">
             <a:avLst/>
           </a:prstGeom>
           <a:solidFill>
-            <a:schemeClr val="accent1">
-              <a:alpha val="60000"/>
+            <a:schemeClr val="accent4">
+              <a:alpha val="75000"/>
             </a:schemeClr>
           </a:solidFill>
           <a:ln w="19050">
@@ -5426,10 +5416,10 @@
       </p:sp>
       <p:sp>
         <p:nvSpPr>
-          <p:cNvPr id="24" name="Rectangle 11">
-            <a:extLst>
-              <a:ext uri="{FF2B5EF4-FFF2-40B4-BE49-F238E27FC236}">
-                <a16:creationId xmlns:a16="http://schemas.microsoft.com/office/drawing/2014/main" id="{211D2A56-5DEC-4D19-CDEE-ADE4EE4004A5}"/>
+          <p:cNvPr id="72" name="Rectangle 11">
+            <a:extLst>
+              <a:ext uri="{FF2B5EF4-FFF2-40B4-BE49-F238E27FC236}">
+                <a16:creationId xmlns:a16="http://schemas.microsoft.com/office/drawing/2014/main" id="{0991EB5D-7D66-1339-D530-60055751E0FE}"/>
               </a:ext>
             </a:extLst>
           </p:cNvPr>
@@ -5440,14 +5430,14 @@
         </p:nvSpPr>
         <p:spPr>
           <a:xfrm>
-            <a:off x="3666900" y="3006320"/>
+            <a:off x="1698920" y="2760993"/>
             <a:ext cx="360000" cy="360000"/>
           </a:xfrm>
           <a:prstGeom prst="rect">
             <a:avLst/>
           </a:prstGeom>
           <a:solidFill>
-            <a:schemeClr val="accent1">
+            <a:schemeClr val="accent4">
               <a:alpha val="40000"/>
             </a:schemeClr>
           </a:solidFill>
@@ -5484,10 +5474,10 @@
       </p:sp>
       <p:sp>
         <p:nvSpPr>
-          <p:cNvPr id="25" name="Rectangle 12">
-            <a:extLst>
-              <a:ext uri="{FF2B5EF4-FFF2-40B4-BE49-F238E27FC236}">
-                <a16:creationId xmlns:a16="http://schemas.microsoft.com/office/drawing/2014/main" id="{60CCC538-5DFB-D17A-3843-681EB7A72C3D}"/>
+          <p:cNvPr id="73" name="Rectangle 12">
+            <a:extLst>
+              <a:ext uri="{FF2B5EF4-FFF2-40B4-BE49-F238E27FC236}">
+                <a16:creationId xmlns:a16="http://schemas.microsoft.com/office/drawing/2014/main" id="{C1A57512-BD05-CA1B-9949-8FC26D3748FA}"/>
               </a:ext>
             </a:extLst>
           </p:cNvPr>
@@ -5498,14 +5488,14 @@
         </p:nvSpPr>
         <p:spPr>
           <a:xfrm>
-            <a:off x="3666900" y="3366320"/>
+            <a:off x="1698920" y="3120993"/>
             <a:ext cx="360000" cy="360000"/>
           </a:xfrm>
           <a:prstGeom prst="rect">
             <a:avLst/>
           </a:prstGeom>
           <a:solidFill>
-            <a:schemeClr val="accent1">
+            <a:schemeClr val="accent4">
               <a:alpha val="20000"/>
             </a:schemeClr>
           </a:solidFill>
@@ -5542,10 +5532,10 @@
       </p:sp>
       <p:sp>
         <p:nvSpPr>
-          <p:cNvPr id="31" name="Rectangle 14">
-            <a:extLst>
-              <a:ext uri="{FF2B5EF4-FFF2-40B4-BE49-F238E27FC236}">
-                <a16:creationId xmlns:a16="http://schemas.microsoft.com/office/drawing/2014/main" id="{54DF8CC8-9932-2FA7-B39F-B8EBCE20B8D6}"/>
+          <p:cNvPr id="74" name="Rectangle 14">
+            <a:extLst>
+              <a:ext uri="{FF2B5EF4-FFF2-40B4-BE49-F238E27FC236}">
+                <a16:creationId xmlns:a16="http://schemas.microsoft.com/office/drawing/2014/main" id="{3A1BD250-3530-4CBC-0170-5F1FF134A7D8}"/>
               </a:ext>
             </a:extLst>
           </p:cNvPr>
@@ -5556,7 +5546,7 @@
         </p:nvSpPr>
         <p:spPr>
           <a:xfrm>
-            <a:off x="4026900" y="1929040"/>
+            <a:off x="2058920" y="1683713"/>
             <a:ext cx="360000" cy="360000"/>
           </a:xfrm>
           <a:prstGeom prst="rect">
@@ -5600,10 +5590,10 @@
       </p:sp>
       <p:sp>
         <p:nvSpPr>
-          <p:cNvPr id="32" name="Rectangle 15">
-            <a:extLst>
-              <a:ext uri="{FF2B5EF4-FFF2-40B4-BE49-F238E27FC236}">
-                <a16:creationId xmlns:a16="http://schemas.microsoft.com/office/drawing/2014/main" id="{8B828E50-2C53-1CBB-08E3-426DFDA67066}"/>
+          <p:cNvPr id="75" name="Rectangle 15">
+            <a:extLst>
+              <a:ext uri="{FF2B5EF4-FFF2-40B4-BE49-F238E27FC236}">
+                <a16:creationId xmlns:a16="http://schemas.microsoft.com/office/drawing/2014/main" id="{D4CBA051-DF86-68DB-216D-3C90DA5CEBE6}"/>
               </a:ext>
             </a:extLst>
           </p:cNvPr>
@@ -5614,7 +5604,7 @@
         </p:nvSpPr>
         <p:spPr>
           <a:xfrm>
-            <a:off x="4026900" y="2287680"/>
+            <a:off x="2058920" y="2042353"/>
             <a:ext cx="360000" cy="360000"/>
           </a:xfrm>
           <a:prstGeom prst="rect">
@@ -5658,10 +5648,10 @@
       </p:sp>
       <p:sp>
         <p:nvSpPr>
-          <p:cNvPr id="33" name="Rectangle 10">
-            <a:extLst>
-              <a:ext uri="{FF2B5EF4-FFF2-40B4-BE49-F238E27FC236}">
-                <a16:creationId xmlns:a16="http://schemas.microsoft.com/office/drawing/2014/main" id="{0F8ED21C-2B75-EF28-5F0D-404AC7B8D8E9}"/>
+          <p:cNvPr id="76" name="Rectangle 10">
+            <a:extLst>
+              <a:ext uri="{FF2B5EF4-FFF2-40B4-BE49-F238E27FC236}">
+                <a16:creationId xmlns:a16="http://schemas.microsoft.com/office/drawing/2014/main" id="{7AAEFBE6-699D-3E1A-A56F-24EE97919FCF}"/>
               </a:ext>
             </a:extLst>
           </p:cNvPr>
@@ -5672,14 +5662,14 @@
         </p:nvSpPr>
         <p:spPr>
           <a:xfrm>
-            <a:off x="4026900" y="2649040"/>
+            <a:off x="2058920" y="2403713"/>
             <a:ext cx="360000" cy="360000"/>
           </a:xfrm>
           <a:prstGeom prst="rect">
             <a:avLst/>
           </a:prstGeom>
           <a:solidFill>
-            <a:schemeClr val="accent1">
+            <a:schemeClr val="accent4">
               <a:alpha val="40000"/>
             </a:schemeClr>
           </a:solidFill>
@@ -5716,10 +5706,10 @@
       </p:sp>
       <p:sp>
         <p:nvSpPr>
-          <p:cNvPr id="34" name="Rectangle 11">
-            <a:extLst>
-              <a:ext uri="{FF2B5EF4-FFF2-40B4-BE49-F238E27FC236}">
-                <a16:creationId xmlns:a16="http://schemas.microsoft.com/office/drawing/2014/main" id="{7EF22F73-602B-D9F2-FCAB-DE2199AA5560}"/>
+          <p:cNvPr id="77" name="Rectangle 11">
+            <a:extLst>
+              <a:ext uri="{FF2B5EF4-FFF2-40B4-BE49-F238E27FC236}">
+                <a16:creationId xmlns:a16="http://schemas.microsoft.com/office/drawing/2014/main" id="{F5E5BF79-84CA-63B3-3AB5-1D82D8F83DBF}"/>
               </a:ext>
             </a:extLst>
           </p:cNvPr>
@@ -5730,14 +5720,14 @@
         </p:nvSpPr>
         <p:spPr>
           <a:xfrm>
-            <a:off x="4026900" y="3006320"/>
+            <a:off x="2058920" y="2760993"/>
             <a:ext cx="360000" cy="360000"/>
           </a:xfrm>
           <a:prstGeom prst="rect">
             <a:avLst/>
           </a:prstGeom>
           <a:solidFill>
-            <a:schemeClr val="accent1">
+            <a:schemeClr val="accent4">
               <a:alpha val="20000"/>
             </a:schemeClr>
           </a:solidFill>
@@ -5774,10 +5764,10 @@
       </p:sp>
       <p:sp>
         <p:nvSpPr>
-          <p:cNvPr id="35" name="Rectangle 12">
-            <a:extLst>
-              <a:ext uri="{FF2B5EF4-FFF2-40B4-BE49-F238E27FC236}">
-                <a16:creationId xmlns:a16="http://schemas.microsoft.com/office/drawing/2014/main" id="{0FD71D44-0FBA-0CE9-E51A-DF92AFA7E534}"/>
+          <p:cNvPr id="78" name="Rectangle 12">
+            <a:extLst>
+              <a:ext uri="{FF2B5EF4-FFF2-40B4-BE49-F238E27FC236}">
+                <a16:creationId xmlns:a16="http://schemas.microsoft.com/office/drawing/2014/main" id="{0202389F-16E5-122C-3CDB-ABCAA9740574}"/>
               </a:ext>
             </a:extLst>
           </p:cNvPr>
@@ -5788,14 +5778,14 @@
         </p:nvSpPr>
         <p:spPr>
           <a:xfrm>
-            <a:off x="4026900" y="3366320"/>
+            <a:off x="2058920" y="3120993"/>
             <a:ext cx="360000" cy="360000"/>
           </a:xfrm>
           <a:prstGeom prst="rect">
             <a:avLst/>
           </a:prstGeom>
           <a:solidFill>
-            <a:schemeClr val="accent1">
+            <a:schemeClr val="accent4">
               <a:alpha val="10000"/>
             </a:schemeClr>
           </a:solidFill>
@@ -5827,6 +5817,4123 @@
           <a:p>
             <a:pPr algn="ctr"/>
             <a:endParaRPr lang="LID4096" dirty="0"/>
+          </a:p>
+        </p:txBody>
+      </p:sp>
+      <p:sp>
+        <p:nvSpPr>
+          <p:cNvPr id="79" name="TextBox 8">
+            <a:extLst>
+              <a:ext uri="{FF2B5EF4-FFF2-40B4-BE49-F238E27FC236}">
+                <a16:creationId xmlns:a16="http://schemas.microsoft.com/office/drawing/2014/main" id="{769C5556-5AAF-5B3F-CE2A-06F84F968748}"/>
+              </a:ext>
+            </a:extLst>
+          </p:cNvPr>
+          <p:cNvSpPr txBox="1"/>
+          <p:nvPr/>
+        </p:nvSpPr>
+        <p:spPr>
+          <a:xfrm>
+            <a:off x="601320" y="1754631"/>
+            <a:ext cx="368210" cy="200055"/>
+          </a:xfrm>
+          <a:prstGeom prst="rect">
+            <a:avLst/>
+          </a:prstGeom>
+          <a:noFill/>
+        </p:spPr>
+        <p:txBody>
+          <a:bodyPr wrap="square" rtlCol="0">
+            <a:spAutoFit/>
+          </a:bodyPr>
+          <a:lstStyle/>
+          <a:p>
+            <a:r>
+              <a:rPr lang="sl-SI" sz="700" dirty="0"/>
+              <a:t>-</a:t>
+            </a:r>
+            <a:r>
+              <a:rPr lang="en-US" sz="700" dirty="0"/>
+              <a:t>0.</a:t>
+            </a:r>
+            <a:r>
+              <a:rPr lang="sl-SI" sz="700" dirty="0"/>
+              <a:t>13</a:t>
+            </a:r>
+            <a:endParaRPr lang="LID4096" sz="700" dirty="0"/>
+          </a:p>
+        </p:txBody>
+      </p:sp>
+      <p:sp>
+        <p:nvSpPr>
+          <p:cNvPr id="80" name="TextBox 8">
+            <a:extLst>
+              <a:ext uri="{FF2B5EF4-FFF2-40B4-BE49-F238E27FC236}">
+                <a16:creationId xmlns:a16="http://schemas.microsoft.com/office/drawing/2014/main" id="{2DF0D4F6-B45A-8BE5-A6F1-3522DDF4C4B0}"/>
+              </a:ext>
+            </a:extLst>
+          </p:cNvPr>
+          <p:cNvSpPr txBox="1"/>
+          <p:nvPr/>
+        </p:nvSpPr>
+        <p:spPr>
+          <a:xfrm>
+            <a:off x="968215" y="1748287"/>
+            <a:ext cx="368210" cy="200055"/>
+          </a:xfrm>
+          <a:prstGeom prst="rect">
+            <a:avLst/>
+          </a:prstGeom>
+          <a:noFill/>
+        </p:spPr>
+        <p:txBody>
+          <a:bodyPr wrap="square" rtlCol="0">
+            <a:spAutoFit/>
+          </a:bodyPr>
+          <a:lstStyle/>
+          <a:p>
+            <a:r>
+              <a:rPr lang="sl-SI" sz="700" dirty="0"/>
+              <a:t>-</a:t>
+            </a:r>
+            <a:r>
+              <a:rPr lang="en-US" sz="700" dirty="0"/>
+              <a:t>0.25</a:t>
+            </a:r>
+            <a:endParaRPr lang="LID4096" sz="700" dirty="0"/>
+          </a:p>
+        </p:txBody>
+      </p:sp>
+      <p:sp>
+        <p:nvSpPr>
+          <p:cNvPr id="81" name="TextBox 8">
+            <a:extLst>
+              <a:ext uri="{FF2B5EF4-FFF2-40B4-BE49-F238E27FC236}">
+                <a16:creationId xmlns:a16="http://schemas.microsoft.com/office/drawing/2014/main" id="{4A9267F3-4053-FD84-EB27-78141C8B96C8}"/>
+              </a:ext>
+            </a:extLst>
+          </p:cNvPr>
+          <p:cNvSpPr txBox="1"/>
+          <p:nvPr/>
+        </p:nvSpPr>
+        <p:spPr>
+          <a:xfrm>
+            <a:off x="1317805" y="1741943"/>
+            <a:ext cx="368210" cy="200055"/>
+          </a:xfrm>
+          <a:prstGeom prst="rect">
+            <a:avLst/>
+          </a:prstGeom>
+          <a:noFill/>
+        </p:spPr>
+        <p:txBody>
+          <a:bodyPr wrap="square" rtlCol="0">
+            <a:spAutoFit/>
+          </a:bodyPr>
+          <a:lstStyle/>
+          <a:p>
+            <a:r>
+              <a:rPr lang="sl-SI" sz="700" dirty="0"/>
+              <a:t>-</a:t>
+            </a:r>
+            <a:r>
+              <a:rPr lang="en-US" sz="700" dirty="0"/>
+              <a:t>0.</a:t>
+            </a:r>
+            <a:r>
+              <a:rPr lang="sl-SI" sz="700" dirty="0"/>
+              <a:t>50</a:t>
+            </a:r>
+            <a:endParaRPr lang="LID4096" sz="700" dirty="0"/>
+          </a:p>
+        </p:txBody>
+      </p:sp>
+      <p:sp>
+        <p:nvSpPr>
+          <p:cNvPr id="82" name="TextBox 8">
+            <a:extLst>
+              <a:ext uri="{FF2B5EF4-FFF2-40B4-BE49-F238E27FC236}">
+                <a16:creationId xmlns:a16="http://schemas.microsoft.com/office/drawing/2014/main" id="{3F2B09C0-FE10-FEAB-DEB5-1AE86161BA4F}"/>
+              </a:ext>
+            </a:extLst>
+          </p:cNvPr>
+          <p:cNvSpPr txBox="1"/>
+          <p:nvPr/>
+        </p:nvSpPr>
+        <p:spPr>
+          <a:xfrm>
+            <a:off x="1693930" y="1741943"/>
+            <a:ext cx="368210" cy="200055"/>
+          </a:xfrm>
+          <a:prstGeom prst="rect">
+            <a:avLst/>
+          </a:prstGeom>
+          <a:noFill/>
+        </p:spPr>
+        <p:txBody>
+          <a:bodyPr wrap="square" rtlCol="0">
+            <a:spAutoFit/>
+          </a:bodyPr>
+          <a:lstStyle/>
+          <a:p>
+            <a:r>
+              <a:rPr lang="sl-SI" sz="700" dirty="0"/>
+              <a:t>-</a:t>
+            </a:r>
+            <a:r>
+              <a:rPr lang="en-US" sz="700" dirty="0"/>
+              <a:t>0.25</a:t>
+            </a:r>
+            <a:endParaRPr lang="LID4096" sz="700" dirty="0"/>
+          </a:p>
+        </p:txBody>
+      </p:sp>
+      <p:sp>
+        <p:nvSpPr>
+          <p:cNvPr id="83" name="TextBox 8">
+            <a:extLst>
+              <a:ext uri="{FF2B5EF4-FFF2-40B4-BE49-F238E27FC236}">
+                <a16:creationId xmlns:a16="http://schemas.microsoft.com/office/drawing/2014/main" id="{C2470D74-8E1F-F4CB-6CD9-FA86256F3625}"/>
+              </a:ext>
+            </a:extLst>
+          </p:cNvPr>
+          <p:cNvSpPr txBox="1"/>
+          <p:nvPr/>
+        </p:nvSpPr>
+        <p:spPr>
+          <a:xfrm>
+            <a:off x="2053635" y="1738476"/>
+            <a:ext cx="368210" cy="200055"/>
+          </a:xfrm>
+          <a:prstGeom prst="rect">
+            <a:avLst/>
+          </a:prstGeom>
+          <a:noFill/>
+        </p:spPr>
+        <p:txBody>
+          <a:bodyPr wrap="square" rtlCol="0">
+            <a:spAutoFit/>
+          </a:bodyPr>
+          <a:lstStyle/>
+          <a:p>
+            <a:r>
+              <a:rPr lang="sl-SI" sz="700" dirty="0"/>
+              <a:t>-13</a:t>
+            </a:r>
+            <a:endParaRPr lang="LID4096" sz="700" dirty="0"/>
+          </a:p>
+        </p:txBody>
+      </p:sp>
+      <p:sp>
+        <p:nvSpPr>
+          <p:cNvPr id="84" name="TextBox 8">
+            <a:extLst>
+              <a:ext uri="{FF2B5EF4-FFF2-40B4-BE49-F238E27FC236}">
+                <a16:creationId xmlns:a16="http://schemas.microsoft.com/office/drawing/2014/main" id="{16B9F44A-245C-FB1E-D8F1-3BC77792DFE4}"/>
+              </a:ext>
+            </a:extLst>
+          </p:cNvPr>
+          <p:cNvSpPr txBox="1"/>
+          <p:nvPr/>
+        </p:nvSpPr>
+        <p:spPr>
+          <a:xfrm>
+            <a:off x="610120" y="2122341"/>
+            <a:ext cx="368210" cy="200055"/>
+          </a:xfrm>
+          <a:prstGeom prst="rect">
+            <a:avLst/>
+          </a:prstGeom>
+          <a:noFill/>
+        </p:spPr>
+        <p:txBody>
+          <a:bodyPr wrap="square" rtlCol="0">
+            <a:spAutoFit/>
+          </a:bodyPr>
+          <a:lstStyle/>
+          <a:p>
+            <a:r>
+              <a:rPr lang="sl-SI" sz="700" dirty="0"/>
+              <a:t>-</a:t>
+            </a:r>
+            <a:r>
+              <a:rPr lang="en-US" sz="700" dirty="0"/>
+              <a:t>0.25</a:t>
+            </a:r>
+            <a:endParaRPr lang="LID4096" sz="700" dirty="0"/>
+          </a:p>
+        </p:txBody>
+      </p:sp>
+      <p:sp>
+        <p:nvSpPr>
+          <p:cNvPr id="85" name="TextBox 8">
+            <a:extLst>
+              <a:ext uri="{FF2B5EF4-FFF2-40B4-BE49-F238E27FC236}">
+                <a16:creationId xmlns:a16="http://schemas.microsoft.com/office/drawing/2014/main" id="{617FB2BE-7866-0E4A-23E6-C42FDAD15B5F}"/>
+              </a:ext>
+            </a:extLst>
+          </p:cNvPr>
+          <p:cNvSpPr txBox="1"/>
+          <p:nvPr/>
+        </p:nvSpPr>
+        <p:spPr>
+          <a:xfrm>
+            <a:off x="977015" y="2115997"/>
+            <a:ext cx="368210" cy="215444"/>
+          </a:xfrm>
+          <a:prstGeom prst="rect">
+            <a:avLst/>
+          </a:prstGeom>
+          <a:noFill/>
+        </p:spPr>
+        <p:txBody>
+          <a:bodyPr wrap="square" rtlCol="0">
+            <a:spAutoFit/>
+          </a:bodyPr>
+          <a:lstStyle/>
+          <a:p>
+            <a:r>
+              <a:rPr lang="en-US" sz="800" dirty="0"/>
+              <a:t>0.</a:t>
+            </a:r>
+            <a:r>
+              <a:rPr lang="sl-SI" sz="800" dirty="0"/>
+              <a:t>50</a:t>
+            </a:r>
+            <a:endParaRPr lang="LID4096" sz="800" dirty="0"/>
+          </a:p>
+        </p:txBody>
+      </p:sp>
+      <p:sp>
+        <p:nvSpPr>
+          <p:cNvPr id="86" name="TextBox 8">
+            <a:extLst>
+              <a:ext uri="{FF2B5EF4-FFF2-40B4-BE49-F238E27FC236}">
+                <a16:creationId xmlns:a16="http://schemas.microsoft.com/office/drawing/2014/main" id="{86C98FB9-BB2C-BF5C-C992-276576AA1690}"/>
+              </a:ext>
+            </a:extLst>
+          </p:cNvPr>
+          <p:cNvSpPr txBox="1"/>
+          <p:nvPr/>
+        </p:nvSpPr>
+        <p:spPr>
+          <a:xfrm>
+            <a:off x="1326605" y="2109653"/>
+            <a:ext cx="368210" cy="215444"/>
+          </a:xfrm>
+          <a:prstGeom prst="rect">
+            <a:avLst/>
+          </a:prstGeom>
+          <a:noFill/>
+        </p:spPr>
+        <p:txBody>
+          <a:bodyPr wrap="square" rtlCol="0">
+            <a:spAutoFit/>
+          </a:bodyPr>
+          <a:lstStyle/>
+          <a:p>
+            <a:r>
+              <a:rPr lang="en-US" sz="800" dirty="0"/>
+              <a:t>0.</a:t>
+            </a:r>
+            <a:r>
+              <a:rPr lang="sl-SI" sz="800" dirty="0"/>
+              <a:t>75</a:t>
+            </a:r>
+            <a:endParaRPr lang="LID4096" sz="800" dirty="0"/>
+          </a:p>
+        </p:txBody>
+      </p:sp>
+      <p:sp>
+        <p:nvSpPr>
+          <p:cNvPr id="87" name="TextBox 8">
+            <a:extLst>
+              <a:ext uri="{FF2B5EF4-FFF2-40B4-BE49-F238E27FC236}">
+                <a16:creationId xmlns:a16="http://schemas.microsoft.com/office/drawing/2014/main" id="{C36E93DE-E2B5-CDEC-7876-FD6DC4603C2F}"/>
+              </a:ext>
+            </a:extLst>
+          </p:cNvPr>
+          <p:cNvSpPr txBox="1"/>
+          <p:nvPr/>
+        </p:nvSpPr>
+        <p:spPr>
+          <a:xfrm>
+            <a:off x="1702730" y="2109653"/>
+            <a:ext cx="368210" cy="215444"/>
+          </a:xfrm>
+          <a:prstGeom prst="rect">
+            <a:avLst/>
+          </a:prstGeom>
+          <a:noFill/>
+        </p:spPr>
+        <p:txBody>
+          <a:bodyPr wrap="square" rtlCol="0">
+            <a:spAutoFit/>
+          </a:bodyPr>
+          <a:lstStyle/>
+          <a:p>
+            <a:r>
+              <a:rPr lang="en-US" sz="800" dirty="0"/>
+              <a:t>0.5</a:t>
+            </a:r>
+            <a:r>
+              <a:rPr lang="sl-SI" sz="800" dirty="0"/>
+              <a:t>0</a:t>
+            </a:r>
+            <a:endParaRPr lang="LID4096" sz="800" dirty="0"/>
+          </a:p>
+        </p:txBody>
+      </p:sp>
+      <p:sp>
+        <p:nvSpPr>
+          <p:cNvPr id="88" name="TextBox 8">
+            <a:extLst>
+              <a:ext uri="{FF2B5EF4-FFF2-40B4-BE49-F238E27FC236}">
+                <a16:creationId xmlns:a16="http://schemas.microsoft.com/office/drawing/2014/main" id="{3137CC23-FAC9-7C03-892A-2B847DD8065B}"/>
+              </a:ext>
+            </a:extLst>
+          </p:cNvPr>
+          <p:cNvSpPr txBox="1"/>
+          <p:nvPr/>
+        </p:nvSpPr>
+        <p:spPr>
+          <a:xfrm>
+            <a:off x="2062435" y="2106186"/>
+            <a:ext cx="368210" cy="215444"/>
+          </a:xfrm>
+          <a:prstGeom prst="rect">
+            <a:avLst/>
+          </a:prstGeom>
+          <a:noFill/>
+        </p:spPr>
+        <p:txBody>
+          <a:bodyPr wrap="square" rtlCol="0">
+            <a:spAutoFit/>
+          </a:bodyPr>
+          <a:lstStyle/>
+          <a:p>
+            <a:r>
+              <a:rPr lang="en-US" sz="800" dirty="0"/>
+              <a:t>0.25</a:t>
+            </a:r>
+            <a:endParaRPr lang="LID4096" sz="800" dirty="0"/>
+          </a:p>
+        </p:txBody>
+      </p:sp>
+      <p:sp>
+        <p:nvSpPr>
+          <p:cNvPr id="89" name="TextBox 8">
+            <a:extLst>
+              <a:ext uri="{FF2B5EF4-FFF2-40B4-BE49-F238E27FC236}">
+                <a16:creationId xmlns:a16="http://schemas.microsoft.com/office/drawing/2014/main" id="{2E954B9E-65C4-62EF-7D12-C0AD4A9F129E}"/>
+              </a:ext>
+            </a:extLst>
+          </p:cNvPr>
+          <p:cNvSpPr txBox="1"/>
+          <p:nvPr/>
+        </p:nvSpPr>
+        <p:spPr>
+          <a:xfrm>
+            <a:off x="598395" y="2484811"/>
+            <a:ext cx="368210" cy="200055"/>
+          </a:xfrm>
+          <a:prstGeom prst="rect">
+            <a:avLst/>
+          </a:prstGeom>
+          <a:noFill/>
+        </p:spPr>
+        <p:txBody>
+          <a:bodyPr wrap="square" rtlCol="0">
+            <a:spAutoFit/>
+          </a:bodyPr>
+          <a:lstStyle/>
+          <a:p>
+            <a:r>
+              <a:rPr lang="sl-SI" sz="700" dirty="0"/>
+              <a:t>-</a:t>
+            </a:r>
+            <a:r>
+              <a:rPr lang="en-US" sz="700" dirty="0"/>
+              <a:t>0.5</a:t>
+            </a:r>
+            <a:r>
+              <a:rPr lang="sl-SI" sz="700" dirty="0"/>
+              <a:t>0</a:t>
+            </a:r>
+            <a:endParaRPr lang="LID4096" sz="700" dirty="0"/>
+          </a:p>
+        </p:txBody>
+      </p:sp>
+      <p:sp>
+        <p:nvSpPr>
+          <p:cNvPr id="90" name="TextBox 8">
+            <a:extLst>
+              <a:ext uri="{FF2B5EF4-FFF2-40B4-BE49-F238E27FC236}">
+                <a16:creationId xmlns:a16="http://schemas.microsoft.com/office/drawing/2014/main" id="{E6300397-606C-C9E4-808C-6FE5A1FD9E14}"/>
+              </a:ext>
+            </a:extLst>
+          </p:cNvPr>
+          <p:cNvSpPr txBox="1"/>
+          <p:nvPr/>
+        </p:nvSpPr>
+        <p:spPr>
+          <a:xfrm>
+            <a:off x="965290" y="2478467"/>
+            <a:ext cx="368210" cy="215444"/>
+          </a:xfrm>
+          <a:prstGeom prst="rect">
+            <a:avLst/>
+          </a:prstGeom>
+          <a:noFill/>
+        </p:spPr>
+        <p:txBody>
+          <a:bodyPr wrap="square" rtlCol="0">
+            <a:spAutoFit/>
+          </a:bodyPr>
+          <a:lstStyle/>
+          <a:p>
+            <a:r>
+              <a:rPr lang="en-US" sz="800" dirty="0"/>
+              <a:t>0.</a:t>
+            </a:r>
+            <a:r>
+              <a:rPr lang="sl-SI" sz="800" dirty="0"/>
+              <a:t>75</a:t>
+            </a:r>
+            <a:endParaRPr lang="LID4096" sz="800" dirty="0"/>
+          </a:p>
+        </p:txBody>
+      </p:sp>
+      <p:sp>
+        <p:nvSpPr>
+          <p:cNvPr id="91" name="TextBox 8">
+            <a:extLst>
+              <a:ext uri="{FF2B5EF4-FFF2-40B4-BE49-F238E27FC236}">
+                <a16:creationId xmlns:a16="http://schemas.microsoft.com/office/drawing/2014/main" id="{0F97A3E1-A357-F704-649A-5A4B42041878}"/>
+              </a:ext>
+            </a:extLst>
+          </p:cNvPr>
+          <p:cNvSpPr txBox="1"/>
+          <p:nvPr/>
+        </p:nvSpPr>
+        <p:spPr>
+          <a:xfrm>
+            <a:off x="1314880" y="2472123"/>
+            <a:ext cx="368210" cy="215444"/>
+          </a:xfrm>
+          <a:prstGeom prst="rect">
+            <a:avLst/>
+          </a:prstGeom>
+          <a:noFill/>
+        </p:spPr>
+        <p:txBody>
+          <a:bodyPr wrap="square" rtlCol="0">
+            <a:spAutoFit/>
+          </a:bodyPr>
+          <a:lstStyle/>
+          <a:p>
+            <a:r>
+              <a:rPr lang="sl-SI" sz="800" dirty="0"/>
+              <a:t>1.00</a:t>
+            </a:r>
+            <a:endParaRPr lang="LID4096" sz="800" dirty="0"/>
+          </a:p>
+        </p:txBody>
+      </p:sp>
+      <p:sp>
+        <p:nvSpPr>
+          <p:cNvPr id="92" name="TextBox 8">
+            <a:extLst>
+              <a:ext uri="{FF2B5EF4-FFF2-40B4-BE49-F238E27FC236}">
+                <a16:creationId xmlns:a16="http://schemas.microsoft.com/office/drawing/2014/main" id="{A3FE3F25-409C-F4E4-4680-A1774DBF0BAE}"/>
+              </a:ext>
+            </a:extLst>
+          </p:cNvPr>
+          <p:cNvSpPr txBox="1"/>
+          <p:nvPr/>
+        </p:nvSpPr>
+        <p:spPr>
+          <a:xfrm>
+            <a:off x="1691005" y="2472123"/>
+            <a:ext cx="368210" cy="215444"/>
+          </a:xfrm>
+          <a:prstGeom prst="rect">
+            <a:avLst/>
+          </a:prstGeom>
+          <a:noFill/>
+        </p:spPr>
+        <p:txBody>
+          <a:bodyPr wrap="square" rtlCol="0">
+            <a:spAutoFit/>
+          </a:bodyPr>
+          <a:lstStyle/>
+          <a:p>
+            <a:r>
+              <a:rPr lang="sl-SI" sz="800" dirty="0"/>
+              <a:t>0.75</a:t>
+            </a:r>
+            <a:endParaRPr lang="LID4096" sz="800" dirty="0"/>
+          </a:p>
+        </p:txBody>
+      </p:sp>
+      <p:sp>
+        <p:nvSpPr>
+          <p:cNvPr id="93" name="TextBox 8">
+            <a:extLst>
+              <a:ext uri="{FF2B5EF4-FFF2-40B4-BE49-F238E27FC236}">
+                <a16:creationId xmlns:a16="http://schemas.microsoft.com/office/drawing/2014/main" id="{71BF4475-1823-3E7F-49E7-E2AECB3276D7}"/>
+              </a:ext>
+            </a:extLst>
+          </p:cNvPr>
+          <p:cNvSpPr txBox="1"/>
+          <p:nvPr/>
+        </p:nvSpPr>
+        <p:spPr>
+          <a:xfrm>
+            <a:off x="2050710" y="2468656"/>
+            <a:ext cx="368210" cy="215444"/>
+          </a:xfrm>
+          <a:prstGeom prst="rect">
+            <a:avLst/>
+          </a:prstGeom>
+          <a:noFill/>
+        </p:spPr>
+        <p:txBody>
+          <a:bodyPr wrap="square" rtlCol="0">
+            <a:spAutoFit/>
+          </a:bodyPr>
+          <a:lstStyle/>
+          <a:p>
+            <a:r>
+              <a:rPr lang="sl-SI" sz="800" dirty="0"/>
+              <a:t>0.50</a:t>
+            </a:r>
+            <a:endParaRPr lang="LID4096" sz="800" dirty="0"/>
+          </a:p>
+        </p:txBody>
+      </p:sp>
+      <p:sp>
+        <p:nvSpPr>
+          <p:cNvPr id="94" name="TextBox 8">
+            <a:extLst>
+              <a:ext uri="{FF2B5EF4-FFF2-40B4-BE49-F238E27FC236}">
+                <a16:creationId xmlns:a16="http://schemas.microsoft.com/office/drawing/2014/main" id="{94BA381C-4FB8-1E2C-8B0C-05CCF1961829}"/>
+              </a:ext>
+            </a:extLst>
+          </p:cNvPr>
+          <p:cNvSpPr txBox="1"/>
+          <p:nvPr/>
+        </p:nvSpPr>
+        <p:spPr>
+          <a:xfrm>
+            <a:off x="610120" y="2856377"/>
+            <a:ext cx="368210" cy="200055"/>
+          </a:xfrm>
+          <a:prstGeom prst="rect">
+            <a:avLst/>
+          </a:prstGeom>
+          <a:noFill/>
+        </p:spPr>
+        <p:txBody>
+          <a:bodyPr wrap="square" rtlCol="0">
+            <a:spAutoFit/>
+          </a:bodyPr>
+          <a:lstStyle/>
+          <a:p>
+            <a:r>
+              <a:rPr lang="sl-SI" sz="700" dirty="0"/>
+              <a:t>-</a:t>
+            </a:r>
+            <a:r>
+              <a:rPr lang="en-US" sz="700" dirty="0"/>
+              <a:t>0.25</a:t>
+            </a:r>
+            <a:endParaRPr lang="LID4096" sz="700" dirty="0"/>
+          </a:p>
+        </p:txBody>
+      </p:sp>
+      <p:sp>
+        <p:nvSpPr>
+          <p:cNvPr id="95" name="TextBox 8">
+            <a:extLst>
+              <a:ext uri="{FF2B5EF4-FFF2-40B4-BE49-F238E27FC236}">
+                <a16:creationId xmlns:a16="http://schemas.microsoft.com/office/drawing/2014/main" id="{55F8F160-4035-2EFF-F7D7-D2A49A5AF428}"/>
+              </a:ext>
+            </a:extLst>
+          </p:cNvPr>
+          <p:cNvSpPr txBox="1"/>
+          <p:nvPr/>
+        </p:nvSpPr>
+        <p:spPr>
+          <a:xfrm>
+            <a:off x="977015" y="2850033"/>
+            <a:ext cx="368210" cy="215444"/>
+          </a:xfrm>
+          <a:prstGeom prst="rect">
+            <a:avLst/>
+          </a:prstGeom>
+          <a:noFill/>
+        </p:spPr>
+        <p:txBody>
+          <a:bodyPr wrap="square" rtlCol="0">
+            <a:spAutoFit/>
+          </a:bodyPr>
+          <a:lstStyle/>
+          <a:p>
+            <a:r>
+              <a:rPr lang="en-US" sz="800" dirty="0"/>
+              <a:t>0.</a:t>
+            </a:r>
+            <a:r>
+              <a:rPr lang="sl-SI" sz="800" dirty="0"/>
+              <a:t>50</a:t>
+            </a:r>
+            <a:endParaRPr lang="LID4096" sz="800" dirty="0"/>
+          </a:p>
+        </p:txBody>
+      </p:sp>
+      <p:sp>
+        <p:nvSpPr>
+          <p:cNvPr id="96" name="TextBox 8">
+            <a:extLst>
+              <a:ext uri="{FF2B5EF4-FFF2-40B4-BE49-F238E27FC236}">
+                <a16:creationId xmlns:a16="http://schemas.microsoft.com/office/drawing/2014/main" id="{4A8D1249-B042-9AC0-D744-5B703F0E85B0}"/>
+              </a:ext>
+            </a:extLst>
+          </p:cNvPr>
+          <p:cNvSpPr txBox="1"/>
+          <p:nvPr/>
+        </p:nvSpPr>
+        <p:spPr>
+          <a:xfrm>
+            <a:off x="1326605" y="2843689"/>
+            <a:ext cx="368210" cy="215444"/>
+          </a:xfrm>
+          <a:prstGeom prst="rect">
+            <a:avLst/>
+          </a:prstGeom>
+          <a:noFill/>
+        </p:spPr>
+        <p:txBody>
+          <a:bodyPr wrap="square" rtlCol="0">
+            <a:spAutoFit/>
+          </a:bodyPr>
+          <a:lstStyle/>
+          <a:p>
+            <a:r>
+              <a:rPr lang="sl-SI" sz="800" dirty="0"/>
+              <a:t>0.75</a:t>
+            </a:r>
+            <a:endParaRPr lang="LID4096" sz="800" dirty="0"/>
+          </a:p>
+        </p:txBody>
+      </p:sp>
+      <p:sp>
+        <p:nvSpPr>
+          <p:cNvPr id="97" name="TextBox 8">
+            <a:extLst>
+              <a:ext uri="{FF2B5EF4-FFF2-40B4-BE49-F238E27FC236}">
+                <a16:creationId xmlns:a16="http://schemas.microsoft.com/office/drawing/2014/main" id="{C7479EEB-8B13-13E7-6C09-C7F004B4BE87}"/>
+              </a:ext>
+            </a:extLst>
+          </p:cNvPr>
+          <p:cNvSpPr txBox="1"/>
+          <p:nvPr/>
+        </p:nvSpPr>
+        <p:spPr>
+          <a:xfrm>
+            <a:off x="1702730" y="2843689"/>
+            <a:ext cx="368210" cy="215444"/>
+          </a:xfrm>
+          <a:prstGeom prst="rect">
+            <a:avLst/>
+          </a:prstGeom>
+          <a:noFill/>
+        </p:spPr>
+        <p:txBody>
+          <a:bodyPr wrap="square" rtlCol="0">
+            <a:spAutoFit/>
+          </a:bodyPr>
+          <a:lstStyle/>
+          <a:p>
+            <a:r>
+              <a:rPr lang="en-US" sz="800" dirty="0"/>
+              <a:t>0.</a:t>
+            </a:r>
+            <a:r>
+              <a:rPr lang="sl-SI" sz="800" dirty="0"/>
+              <a:t>50</a:t>
+            </a:r>
+            <a:endParaRPr lang="LID4096" sz="800" dirty="0"/>
+          </a:p>
+        </p:txBody>
+      </p:sp>
+      <p:sp>
+        <p:nvSpPr>
+          <p:cNvPr id="98" name="TextBox 8">
+            <a:extLst>
+              <a:ext uri="{FF2B5EF4-FFF2-40B4-BE49-F238E27FC236}">
+                <a16:creationId xmlns:a16="http://schemas.microsoft.com/office/drawing/2014/main" id="{A56C8A8C-1ADE-B46F-7597-4C8CF6F2E205}"/>
+              </a:ext>
+            </a:extLst>
+          </p:cNvPr>
+          <p:cNvSpPr txBox="1"/>
+          <p:nvPr/>
+        </p:nvSpPr>
+        <p:spPr>
+          <a:xfrm>
+            <a:off x="2062435" y="2840222"/>
+            <a:ext cx="368210" cy="215444"/>
+          </a:xfrm>
+          <a:prstGeom prst="rect">
+            <a:avLst/>
+          </a:prstGeom>
+          <a:noFill/>
+        </p:spPr>
+        <p:txBody>
+          <a:bodyPr wrap="square" rtlCol="0">
+            <a:spAutoFit/>
+          </a:bodyPr>
+          <a:lstStyle/>
+          <a:p>
+            <a:r>
+              <a:rPr lang="en-US" sz="800" dirty="0"/>
+              <a:t>0.25</a:t>
+            </a:r>
+            <a:endParaRPr lang="LID4096" sz="800" dirty="0"/>
+          </a:p>
+        </p:txBody>
+      </p:sp>
+      <p:sp>
+        <p:nvSpPr>
+          <p:cNvPr id="99" name="TextBox 8">
+            <a:extLst>
+              <a:ext uri="{FF2B5EF4-FFF2-40B4-BE49-F238E27FC236}">
+                <a16:creationId xmlns:a16="http://schemas.microsoft.com/office/drawing/2014/main" id="{181D5E47-F576-EE9D-0227-5CAD3D5379C4}"/>
+              </a:ext>
+            </a:extLst>
+          </p:cNvPr>
+          <p:cNvSpPr txBox="1"/>
+          <p:nvPr/>
+        </p:nvSpPr>
+        <p:spPr>
+          <a:xfrm>
+            <a:off x="598100" y="3205152"/>
+            <a:ext cx="368210" cy="200055"/>
+          </a:xfrm>
+          <a:prstGeom prst="rect">
+            <a:avLst/>
+          </a:prstGeom>
+          <a:noFill/>
+        </p:spPr>
+        <p:txBody>
+          <a:bodyPr wrap="square" rtlCol="0">
+            <a:spAutoFit/>
+          </a:bodyPr>
+          <a:lstStyle/>
+          <a:p>
+            <a:r>
+              <a:rPr lang="sl-SI" sz="700" dirty="0"/>
+              <a:t>-</a:t>
+            </a:r>
+            <a:r>
+              <a:rPr lang="en-US" sz="700" dirty="0"/>
+              <a:t>0.</a:t>
+            </a:r>
+            <a:r>
+              <a:rPr lang="sl-SI" sz="700" dirty="0"/>
+              <a:t>13</a:t>
+            </a:r>
+            <a:endParaRPr lang="LID4096" sz="700" dirty="0"/>
+          </a:p>
+        </p:txBody>
+      </p:sp>
+      <p:sp>
+        <p:nvSpPr>
+          <p:cNvPr id="100" name="TextBox 8">
+            <a:extLst>
+              <a:ext uri="{FF2B5EF4-FFF2-40B4-BE49-F238E27FC236}">
+                <a16:creationId xmlns:a16="http://schemas.microsoft.com/office/drawing/2014/main" id="{017F1465-C358-3AE6-997F-B96F4AEFCF77}"/>
+              </a:ext>
+            </a:extLst>
+          </p:cNvPr>
+          <p:cNvSpPr txBox="1"/>
+          <p:nvPr/>
+        </p:nvSpPr>
+        <p:spPr>
+          <a:xfrm>
+            <a:off x="964995" y="3198808"/>
+            <a:ext cx="368210" cy="215444"/>
+          </a:xfrm>
+          <a:prstGeom prst="rect">
+            <a:avLst/>
+          </a:prstGeom>
+          <a:noFill/>
+        </p:spPr>
+        <p:txBody>
+          <a:bodyPr wrap="square" rtlCol="0">
+            <a:spAutoFit/>
+          </a:bodyPr>
+          <a:lstStyle/>
+          <a:p>
+            <a:r>
+              <a:rPr lang="en-US" sz="800" dirty="0"/>
+              <a:t>0.25</a:t>
+            </a:r>
+            <a:endParaRPr lang="LID4096" sz="800" dirty="0"/>
+          </a:p>
+        </p:txBody>
+      </p:sp>
+      <p:sp>
+        <p:nvSpPr>
+          <p:cNvPr id="101" name="TextBox 8">
+            <a:extLst>
+              <a:ext uri="{FF2B5EF4-FFF2-40B4-BE49-F238E27FC236}">
+                <a16:creationId xmlns:a16="http://schemas.microsoft.com/office/drawing/2014/main" id="{A126DAA1-D045-80B3-5327-6D5D4508AF48}"/>
+              </a:ext>
+            </a:extLst>
+          </p:cNvPr>
+          <p:cNvSpPr txBox="1"/>
+          <p:nvPr/>
+        </p:nvSpPr>
+        <p:spPr>
+          <a:xfrm>
+            <a:off x="1314585" y="3192464"/>
+            <a:ext cx="368210" cy="215444"/>
+          </a:xfrm>
+          <a:prstGeom prst="rect">
+            <a:avLst/>
+          </a:prstGeom>
+          <a:noFill/>
+        </p:spPr>
+        <p:txBody>
+          <a:bodyPr wrap="square" rtlCol="0">
+            <a:spAutoFit/>
+          </a:bodyPr>
+          <a:lstStyle/>
+          <a:p>
+            <a:r>
+              <a:rPr lang="en-US" sz="800" dirty="0"/>
+              <a:t>0.</a:t>
+            </a:r>
+            <a:r>
+              <a:rPr lang="sl-SI" sz="800" dirty="0"/>
+              <a:t>50</a:t>
+            </a:r>
+            <a:endParaRPr lang="LID4096" sz="800" dirty="0"/>
+          </a:p>
+        </p:txBody>
+      </p:sp>
+      <p:sp>
+        <p:nvSpPr>
+          <p:cNvPr id="102" name="TextBox 8">
+            <a:extLst>
+              <a:ext uri="{FF2B5EF4-FFF2-40B4-BE49-F238E27FC236}">
+                <a16:creationId xmlns:a16="http://schemas.microsoft.com/office/drawing/2014/main" id="{25CB8AA6-B68B-5717-F828-38E037D11A9E}"/>
+              </a:ext>
+            </a:extLst>
+          </p:cNvPr>
+          <p:cNvSpPr txBox="1"/>
+          <p:nvPr/>
+        </p:nvSpPr>
+        <p:spPr>
+          <a:xfrm>
+            <a:off x="1690710" y="3192464"/>
+            <a:ext cx="368210" cy="215444"/>
+          </a:xfrm>
+          <a:prstGeom prst="rect">
+            <a:avLst/>
+          </a:prstGeom>
+          <a:noFill/>
+        </p:spPr>
+        <p:txBody>
+          <a:bodyPr wrap="square" rtlCol="0">
+            <a:spAutoFit/>
+          </a:bodyPr>
+          <a:lstStyle/>
+          <a:p>
+            <a:r>
+              <a:rPr lang="en-US" sz="800" dirty="0"/>
+              <a:t>0.25</a:t>
+            </a:r>
+            <a:endParaRPr lang="LID4096" sz="800" dirty="0"/>
+          </a:p>
+        </p:txBody>
+      </p:sp>
+      <p:sp>
+        <p:nvSpPr>
+          <p:cNvPr id="103" name="TextBox 8">
+            <a:extLst>
+              <a:ext uri="{FF2B5EF4-FFF2-40B4-BE49-F238E27FC236}">
+                <a16:creationId xmlns:a16="http://schemas.microsoft.com/office/drawing/2014/main" id="{381FA443-018C-CDAD-3274-ABFFA9787FDA}"/>
+              </a:ext>
+            </a:extLst>
+          </p:cNvPr>
+          <p:cNvSpPr txBox="1"/>
+          <p:nvPr/>
+        </p:nvSpPr>
+        <p:spPr>
+          <a:xfrm>
+            <a:off x="2050415" y="3188997"/>
+            <a:ext cx="368210" cy="215444"/>
+          </a:xfrm>
+          <a:prstGeom prst="rect">
+            <a:avLst/>
+          </a:prstGeom>
+          <a:noFill/>
+        </p:spPr>
+        <p:txBody>
+          <a:bodyPr wrap="square" rtlCol="0">
+            <a:spAutoFit/>
+          </a:bodyPr>
+          <a:lstStyle/>
+          <a:p>
+            <a:r>
+              <a:rPr lang="en-US" sz="800" dirty="0"/>
+              <a:t>0.</a:t>
+            </a:r>
+            <a:r>
+              <a:rPr lang="sl-SI" sz="800" dirty="0"/>
+              <a:t>13</a:t>
+            </a:r>
+            <a:endParaRPr lang="LID4096" sz="800" dirty="0"/>
+          </a:p>
+        </p:txBody>
+      </p:sp>
+      <p:sp>
+        <p:nvSpPr>
+          <p:cNvPr id="104" name="Rectangle 1">
+            <a:extLst>
+              <a:ext uri="{FF2B5EF4-FFF2-40B4-BE49-F238E27FC236}">
+                <a16:creationId xmlns:a16="http://schemas.microsoft.com/office/drawing/2014/main" id="{EE524C5F-AA56-A05A-7857-84B26FA44852}"/>
+              </a:ext>
+            </a:extLst>
+          </p:cNvPr>
+          <p:cNvSpPr>
+            <a:spLocks noChangeAspect="1"/>
+          </p:cNvSpPr>
+          <p:nvPr/>
+        </p:nvSpPr>
+        <p:spPr>
+          <a:xfrm>
+            <a:off x="1042238" y="2112419"/>
+            <a:ext cx="1800000" cy="1800000"/>
+          </a:xfrm>
+          <a:prstGeom prst="rect">
+            <a:avLst/>
+          </a:prstGeom>
+          <a:solidFill>
+            <a:schemeClr val="accent1"/>
+          </a:solidFill>
+          <a:ln w="19050">
+            <a:solidFill>
+              <a:schemeClr val="tx1"/>
+            </a:solidFill>
+          </a:ln>
+        </p:spPr>
+        <p:style>
+          <a:lnRef idx="2">
+            <a:schemeClr val="accent1">
+              <a:shade val="15000"/>
+            </a:schemeClr>
+          </a:lnRef>
+          <a:fillRef idx="1">
+            <a:schemeClr val="accent1"/>
+          </a:fillRef>
+          <a:effectRef idx="0">
+            <a:schemeClr val="accent1"/>
+          </a:effectRef>
+          <a:fontRef idx="minor">
+            <a:schemeClr val="lt1"/>
+          </a:fontRef>
+        </p:style>
+        <p:txBody>
+          <a:bodyPr rtlCol="0" anchor="ctr"/>
+          <a:lstStyle/>
+          <a:p>
+            <a:pPr algn="ctr"/>
+            <a:endParaRPr lang="LID4096" dirty="0"/>
+          </a:p>
+        </p:txBody>
+      </p:sp>
+      <p:sp>
+        <p:nvSpPr>
+          <p:cNvPr id="157" name="Rectangle 1">
+            <a:extLst>
+              <a:ext uri="{FF2B5EF4-FFF2-40B4-BE49-F238E27FC236}">
+                <a16:creationId xmlns:a16="http://schemas.microsoft.com/office/drawing/2014/main" id="{9584582B-8B6D-50DB-2111-A6CD29F44682}"/>
+              </a:ext>
+            </a:extLst>
+          </p:cNvPr>
+          <p:cNvSpPr>
+            <a:spLocks noChangeAspect="1"/>
+          </p:cNvSpPr>
+          <p:nvPr/>
+        </p:nvSpPr>
+        <p:spPr>
+          <a:xfrm>
+            <a:off x="1194638" y="2264819"/>
+            <a:ext cx="1800000" cy="1800000"/>
+          </a:xfrm>
+          <a:prstGeom prst="rect">
+            <a:avLst/>
+          </a:prstGeom>
+          <a:solidFill>
+            <a:srgbClr val="235888"/>
+          </a:solidFill>
+          <a:ln w="19050">
+            <a:solidFill>
+              <a:schemeClr val="tx1"/>
+            </a:solidFill>
+          </a:ln>
+        </p:spPr>
+        <p:style>
+          <a:lnRef idx="2">
+            <a:schemeClr val="accent1">
+              <a:shade val="15000"/>
+            </a:schemeClr>
+          </a:lnRef>
+          <a:fillRef idx="1">
+            <a:schemeClr val="accent1"/>
+          </a:fillRef>
+          <a:effectRef idx="0">
+            <a:schemeClr val="accent1"/>
+          </a:effectRef>
+          <a:fontRef idx="minor">
+            <a:schemeClr val="lt1"/>
+          </a:fontRef>
+        </p:style>
+        <p:txBody>
+          <a:bodyPr rtlCol="0" anchor="ctr"/>
+          <a:lstStyle/>
+          <a:p>
+            <a:pPr algn="ctr"/>
+            <a:endParaRPr lang="LID4096" dirty="0"/>
+          </a:p>
+        </p:txBody>
+      </p:sp>
+      <p:sp>
+        <p:nvSpPr>
+          <p:cNvPr id="158" name="Rectangle 1">
+            <a:extLst>
+              <a:ext uri="{FF2B5EF4-FFF2-40B4-BE49-F238E27FC236}">
+                <a16:creationId xmlns:a16="http://schemas.microsoft.com/office/drawing/2014/main" id="{62A60A84-5672-6842-431C-43658443084E}"/>
+              </a:ext>
+            </a:extLst>
+          </p:cNvPr>
+          <p:cNvSpPr>
+            <a:spLocks noChangeAspect="1"/>
+          </p:cNvSpPr>
+          <p:nvPr/>
+        </p:nvSpPr>
+        <p:spPr>
+          <a:xfrm>
+            <a:off x="1347038" y="2417219"/>
+            <a:ext cx="1800000" cy="1800000"/>
+          </a:xfrm>
+          <a:prstGeom prst="rect">
+            <a:avLst/>
+          </a:prstGeom>
+          <a:solidFill>
+            <a:srgbClr val="2C70AE"/>
+          </a:solidFill>
+          <a:ln w="19050">
+            <a:solidFill>
+              <a:schemeClr val="tx1"/>
+            </a:solidFill>
+          </a:ln>
+        </p:spPr>
+        <p:style>
+          <a:lnRef idx="2">
+            <a:schemeClr val="accent1">
+              <a:shade val="15000"/>
+            </a:schemeClr>
+          </a:lnRef>
+          <a:fillRef idx="1">
+            <a:schemeClr val="accent1"/>
+          </a:fillRef>
+          <a:effectRef idx="0">
+            <a:schemeClr val="accent1"/>
+          </a:effectRef>
+          <a:fontRef idx="minor">
+            <a:schemeClr val="lt1"/>
+          </a:fontRef>
+        </p:style>
+        <p:txBody>
+          <a:bodyPr rtlCol="0" anchor="ctr"/>
+          <a:lstStyle/>
+          <a:p>
+            <a:pPr algn="ctr"/>
+            <a:endParaRPr lang="LID4096" dirty="0"/>
+          </a:p>
+        </p:txBody>
+      </p:sp>
+      <p:sp>
+        <p:nvSpPr>
+          <p:cNvPr id="159" name="Rectangle 1">
+            <a:extLst>
+              <a:ext uri="{FF2B5EF4-FFF2-40B4-BE49-F238E27FC236}">
+                <a16:creationId xmlns:a16="http://schemas.microsoft.com/office/drawing/2014/main" id="{ADB0548D-16B3-7E33-7351-53D14EC6D8C4}"/>
+              </a:ext>
+            </a:extLst>
+          </p:cNvPr>
+          <p:cNvSpPr>
+            <a:spLocks noChangeAspect="1"/>
+          </p:cNvSpPr>
+          <p:nvPr/>
+        </p:nvSpPr>
+        <p:spPr>
+          <a:xfrm>
+            <a:off x="1499438" y="2569619"/>
+            <a:ext cx="1800000" cy="1800000"/>
+          </a:xfrm>
+          <a:prstGeom prst="rect">
+            <a:avLst/>
+          </a:prstGeom>
+          <a:solidFill>
+            <a:srgbClr val="BA7741"/>
+          </a:solidFill>
+          <a:ln w="19050">
+            <a:solidFill>
+              <a:schemeClr val="tx1"/>
+            </a:solidFill>
+          </a:ln>
+        </p:spPr>
+        <p:style>
+          <a:lnRef idx="2">
+            <a:schemeClr val="accent1">
+              <a:shade val="15000"/>
+            </a:schemeClr>
+          </a:lnRef>
+          <a:fillRef idx="1">
+            <a:schemeClr val="accent1"/>
+          </a:fillRef>
+          <a:effectRef idx="0">
+            <a:schemeClr val="accent1"/>
+          </a:effectRef>
+          <a:fontRef idx="minor">
+            <a:schemeClr val="lt1"/>
+          </a:fontRef>
+        </p:style>
+        <p:txBody>
+          <a:bodyPr rtlCol="0" anchor="ctr"/>
+          <a:lstStyle/>
+          <a:p>
+            <a:pPr algn="ctr"/>
+            <a:endParaRPr lang="LID4096" dirty="0"/>
+          </a:p>
+        </p:txBody>
+      </p:sp>
+      <p:sp>
+        <p:nvSpPr>
+          <p:cNvPr id="160" name="Rectangle 1">
+            <a:extLst>
+              <a:ext uri="{FF2B5EF4-FFF2-40B4-BE49-F238E27FC236}">
+                <a16:creationId xmlns:a16="http://schemas.microsoft.com/office/drawing/2014/main" id="{67FABC69-B90B-263D-FD54-EDE6ED24887F}"/>
+              </a:ext>
+            </a:extLst>
+          </p:cNvPr>
+          <p:cNvSpPr>
+            <a:spLocks noChangeAspect="1"/>
+          </p:cNvSpPr>
+          <p:nvPr/>
+        </p:nvSpPr>
+        <p:spPr>
+          <a:xfrm>
+            <a:off x="1651838" y="2722019"/>
+            <a:ext cx="1800000" cy="1800000"/>
+          </a:xfrm>
+          <a:prstGeom prst="rect">
+            <a:avLst/>
+          </a:prstGeom>
+          <a:solidFill>
+            <a:srgbClr val="E08F4E"/>
+          </a:solidFill>
+          <a:ln w="19050">
+            <a:solidFill>
+              <a:schemeClr val="tx1"/>
+            </a:solidFill>
+          </a:ln>
+        </p:spPr>
+        <p:style>
+          <a:lnRef idx="2">
+            <a:schemeClr val="accent1">
+              <a:shade val="15000"/>
+            </a:schemeClr>
+          </a:lnRef>
+          <a:fillRef idx="1">
+            <a:schemeClr val="accent1"/>
+          </a:fillRef>
+          <a:effectRef idx="0">
+            <a:schemeClr val="accent1"/>
+          </a:effectRef>
+          <a:fontRef idx="minor">
+            <a:schemeClr val="lt1"/>
+          </a:fontRef>
+        </p:style>
+        <p:txBody>
+          <a:bodyPr rtlCol="0" anchor="ctr"/>
+          <a:lstStyle/>
+          <a:p>
+            <a:pPr algn="ctr"/>
+            <a:endParaRPr lang="LID4096" dirty="0"/>
+          </a:p>
+        </p:txBody>
+      </p:sp>
+      <p:sp>
+        <p:nvSpPr>
+          <p:cNvPr id="161" name="Rectangle 1">
+            <a:extLst>
+              <a:ext uri="{FF2B5EF4-FFF2-40B4-BE49-F238E27FC236}">
+                <a16:creationId xmlns:a16="http://schemas.microsoft.com/office/drawing/2014/main" id="{ADFFA5DC-5514-977C-D14C-D6386F1ED568}"/>
+              </a:ext>
+            </a:extLst>
+          </p:cNvPr>
+          <p:cNvSpPr>
+            <a:spLocks noChangeAspect="1"/>
+          </p:cNvSpPr>
+          <p:nvPr/>
+        </p:nvSpPr>
+        <p:spPr>
+          <a:xfrm>
+            <a:off x="1804238" y="2874419"/>
+            <a:ext cx="1800000" cy="1800000"/>
+          </a:xfrm>
+          <a:prstGeom prst="rect">
+            <a:avLst/>
+          </a:prstGeom>
+          <a:solidFill>
+            <a:srgbClr val="FFB858"/>
+          </a:solidFill>
+          <a:ln w="19050">
+            <a:solidFill>
+              <a:schemeClr val="tx1"/>
+            </a:solidFill>
+          </a:ln>
+        </p:spPr>
+        <p:style>
+          <a:lnRef idx="2">
+            <a:schemeClr val="accent1">
+              <a:shade val="15000"/>
+            </a:schemeClr>
+          </a:lnRef>
+          <a:fillRef idx="1">
+            <a:schemeClr val="accent1"/>
+          </a:fillRef>
+          <a:effectRef idx="0">
+            <a:schemeClr val="accent1"/>
+          </a:effectRef>
+          <a:fontRef idx="minor">
+            <a:schemeClr val="lt1"/>
+          </a:fontRef>
+        </p:style>
+        <p:txBody>
+          <a:bodyPr rtlCol="0" anchor="ctr"/>
+          <a:lstStyle/>
+          <a:p>
+            <a:pPr algn="ctr"/>
+            <a:endParaRPr lang="LID4096" dirty="0"/>
+          </a:p>
+        </p:txBody>
+      </p:sp>
+      <p:sp>
+        <p:nvSpPr>
+          <p:cNvPr id="162" name="Rectangle 1">
+            <a:extLst>
+              <a:ext uri="{FF2B5EF4-FFF2-40B4-BE49-F238E27FC236}">
+                <a16:creationId xmlns:a16="http://schemas.microsoft.com/office/drawing/2014/main" id="{089EEC97-3152-2575-597C-B6271E89E45D}"/>
+              </a:ext>
+            </a:extLst>
+          </p:cNvPr>
+          <p:cNvSpPr>
+            <a:spLocks noChangeAspect="1"/>
+          </p:cNvSpPr>
+          <p:nvPr/>
+        </p:nvSpPr>
+        <p:spPr>
+          <a:xfrm>
+            <a:off x="1956638" y="3026819"/>
+            <a:ext cx="1800000" cy="1800000"/>
+          </a:xfrm>
+          <a:prstGeom prst="rect">
+            <a:avLst/>
+          </a:prstGeom>
+          <a:solidFill>
+            <a:srgbClr val="FFC700"/>
+          </a:solidFill>
+          <a:ln w="19050">
+            <a:solidFill>
+              <a:schemeClr val="tx1"/>
+            </a:solidFill>
+          </a:ln>
+        </p:spPr>
+        <p:style>
+          <a:lnRef idx="2">
+            <a:schemeClr val="accent1">
+              <a:shade val="15000"/>
+            </a:schemeClr>
+          </a:lnRef>
+          <a:fillRef idx="1">
+            <a:schemeClr val="accent1"/>
+          </a:fillRef>
+          <a:effectRef idx="0">
+            <a:schemeClr val="accent1"/>
+          </a:effectRef>
+          <a:fontRef idx="minor">
+            <a:schemeClr val="lt1"/>
+          </a:fontRef>
+        </p:style>
+        <p:txBody>
+          <a:bodyPr rtlCol="0" anchor="ctr"/>
+          <a:lstStyle/>
+          <a:p>
+            <a:pPr algn="ctr"/>
+            <a:endParaRPr lang="LID4096" dirty="0"/>
+          </a:p>
+        </p:txBody>
+      </p:sp>
+      <p:sp>
+        <p:nvSpPr>
+          <p:cNvPr id="163" name="Rectangle 1">
+            <a:extLst>
+              <a:ext uri="{FF2B5EF4-FFF2-40B4-BE49-F238E27FC236}">
+                <a16:creationId xmlns:a16="http://schemas.microsoft.com/office/drawing/2014/main" id="{0DB87F98-6711-F8E6-B1BC-C62123CB52F2}"/>
+              </a:ext>
+            </a:extLst>
+          </p:cNvPr>
+          <p:cNvSpPr>
+            <a:spLocks noChangeAspect="1"/>
+          </p:cNvSpPr>
+          <p:nvPr/>
+        </p:nvSpPr>
+        <p:spPr>
+          <a:xfrm>
+            <a:off x="2109038" y="3179219"/>
+            <a:ext cx="1800000" cy="1800000"/>
+          </a:xfrm>
+          <a:prstGeom prst="rect">
+            <a:avLst/>
+          </a:prstGeom>
+          <a:solidFill>
+            <a:schemeClr val="bg1"/>
+          </a:solidFill>
+          <a:ln w="19050">
+            <a:solidFill>
+              <a:schemeClr val="tx1"/>
+            </a:solidFill>
+          </a:ln>
+        </p:spPr>
+        <p:style>
+          <a:lnRef idx="2">
+            <a:schemeClr val="accent1">
+              <a:shade val="15000"/>
+            </a:schemeClr>
+          </a:lnRef>
+          <a:fillRef idx="1">
+            <a:schemeClr val="accent1"/>
+          </a:fillRef>
+          <a:effectRef idx="0">
+            <a:schemeClr val="accent1"/>
+          </a:effectRef>
+          <a:fontRef idx="minor">
+            <a:schemeClr val="lt1"/>
+          </a:fontRef>
+        </p:style>
+        <p:txBody>
+          <a:bodyPr rtlCol="0" anchor="ctr"/>
+          <a:lstStyle/>
+          <a:p>
+            <a:pPr algn="ctr"/>
+            <a:endParaRPr lang="LID4096" dirty="0"/>
+          </a:p>
+        </p:txBody>
+      </p:sp>
+      <p:sp>
+        <p:nvSpPr>
+          <p:cNvPr id="2" name="Rectangle 1">
+            <a:extLst>
+              <a:ext uri="{FF2B5EF4-FFF2-40B4-BE49-F238E27FC236}">
+                <a16:creationId xmlns:a16="http://schemas.microsoft.com/office/drawing/2014/main" id="{C62ED0E5-CFE1-BD8E-BC2D-9EFD1D256BCA}"/>
+              </a:ext>
+            </a:extLst>
+          </p:cNvPr>
+          <p:cNvSpPr>
+            <a:spLocks noChangeAspect="1"/>
+          </p:cNvSpPr>
+          <p:nvPr/>
+        </p:nvSpPr>
+        <p:spPr>
+          <a:xfrm>
+            <a:off x="2111734" y="3174462"/>
+            <a:ext cx="1800000" cy="1800000"/>
+          </a:xfrm>
+          <a:prstGeom prst="rect">
+            <a:avLst/>
+          </a:prstGeom>
+          <a:solidFill>
+            <a:schemeClr val="bg1"/>
+          </a:solidFill>
+          <a:ln w="19050">
+            <a:solidFill>
+              <a:schemeClr val="tx1"/>
+            </a:solidFill>
+          </a:ln>
+        </p:spPr>
+        <p:style>
+          <a:lnRef idx="2">
+            <a:schemeClr val="accent1">
+              <a:shade val="15000"/>
+            </a:schemeClr>
+          </a:lnRef>
+          <a:fillRef idx="1">
+            <a:schemeClr val="accent1"/>
+          </a:fillRef>
+          <a:effectRef idx="0">
+            <a:schemeClr val="accent1"/>
+          </a:effectRef>
+          <a:fontRef idx="minor">
+            <a:schemeClr val="lt1"/>
+          </a:fontRef>
+        </p:style>
+        <p:txBody>
+          <a:bodyPr rtlCol="0" anchor="ctr"/>
+          <a:lstStyle/>
+          <a:p>
+            <a:pPr algn="ctr"/>
+            <a:endParaRPr lang="LID4096" dirty="0"/>
+          </a:p>
+        </p:txBody>
+      </p:sp>
+      <p:sp>
+        <p:nvSpPr>
+          <p:cNvPr id="4" name="Rectangle 3">
+            <a:extLst>
+              <a:ext uri="{FF2B5EF4-FFF2-40B4-BE49-F238E27FC236}">
+                <a16:creationId xmlns:a16="http://schemas.microsoft.com/office/drawing/2014/main" id="{106F8172-FD52-B40F-A8A6-C9CE8419AB9E}"/>
+              </a:ext>
+            </a:extLst>
+          </p:cNvPr>
+          <p:cNvSpPr>
+            <a:spLocks/>
+          </p:cNvSpPr>
+          <p:nvPr/>
+        </p:nvSpPr>
+        <p:spPr>
+          <a:xfrm>
+            <a:off x="2111734" y="3174462"/>
+            <a:ext cx="360000" cy="360000"/>
+          </a:xfrm>
+          <a:prstGeom prst="rect">
+            <a:avLst/>
+          </a:prstGeom>
+          <a:solidFill>
+            <a:schemeClr val="accent4">
+              <a:alpha val="10000"/>
+            </a:schemeClr>
+          </a:solidFill>
+          <a:ln w="19050">
+            <a:solidFill>
+              <a:schemeClr val="tx1"/>
+            </a:solidFill>
+          </a:ln>
+        </p:spPr>
+        <p:style>
+          <a:lnRef idx="2">
+            <a:schemeClr val="accent1">
+              <a:shade val="15000"/>
+            </a:schemeClr>
+          </a:lnRef>
+          <a:fillRef idx="1">
+            <a:schemeClr val="accent1"/>
+          </a:fillRef>
+          <a:effectRef idx="0">
+            <a:schemeClr val="accent1"/>
+          </a:effectRef>
+          <a:fontRef idx="minor">
+            <a:schemeClr val="lt1"/>
+          </a:fontRef>
+        </p:style>
+        <p:txBody>
+          <a:bodyPr rtlCol="0" anchor="ctr"/>
+          <a:lstStyle/>
+          <a:p>
+            <a:pPr algn="ctr"/>
+            <a:endParaRPr lang="LID4096" dirty="0"/>
+          </a:p>
+        </p:txBody>
+      </p:sp>
+      <p:sp>
+        <p:nvSpPr>
+          <p:cNvPr id="11" name="Rectangle 10">
+            <a:extLst>
+              <a:ext uri="{FF2B5EF4-FFF2-40B4-BE49-F238E27FC236}">
+                <a16:creationId xmlns:a16="http://schemas.microsoft.com/office/drawing/2014/main" id="{C8B3EE9D-2A37-357F-1671-126F3622A250}"/>
+              </a:ext>
+            </a:extLst>
+          </p:cNvPr>
+          <p:cNvSpPr>
+            <a:spLocks/>
+          </p:cNvSpPr>
+          <p:nvPr/>
+        </p:nvSpPr>
+        <p:spPr>
+          <a:xfrm>
+            <a:off x="2111734" y="3534462"/>
+            <a:ext cx="360000" cy="360000"/>
+          </a:xfrm>
+          <a:prstGeom prst="rect">
+            <a:avLst/>
+          </a:prstGeom>
+          <a:solidFill>
+            <a:schemeClr val="accent4">
+              <a:alpha val="20000"/>
+            </a:schemeClr>
+          </a:solidFill>
+          <a:ln w="19050">
+            <a:solidFill>
+              <a:schemeClr val="tx1"/>
+            </a:solidFill>
+          </a:ln>
+        </p:spPr>
+        <p:style>
+          <a:lnRef idx="2">
+            <a:schemeClr val="accent1">
+              <a:shade val="15000"/>
+            </a:schemeClr>
+          </a:lnRef>
+          <a:fillRef idx="1">
+            <a:schemeClr val="accent1"/>
+          </a:fillRef>
+          <a:effectRef idx="0">
+            <a:schemeClr val="accent1"/>
+          </a:effectRef>
+          <a:fontRef idx="minor">
+            <a:schemeClr val="lt1"/>
+          </a:fontRef>
+        </p:style>
+        <p:txBody>
+          <a:bodyPr rtlCol="0" anchor="ctr"/>
+          <a:lstStyle/>
+          <a:p>
+            <a:pPr algn="ctr"/>
+            <a:endParaRPr lang="LID4096" dirty="0"/>
+          </a:p>
+        </p:txBody>
+      </p:sp>
+      <p:sp>
+        <p:nvSpPr>
+          <p:cNvPr id="12" name="Rectangle 11">
+            <a:extLst>
+              <a:ext uri="{FF2B5EF4-FFF2-40B4-BE49-F238E27FC236}">
+                <a16:creationId xmlns:a16="http://schemas.microsoft.com/office/drawing/2014/main" id="{5D47C5BB-216D-5736-373E-ABB640327678}"/>
+              </a:ext>
+            </a:extLst>
+          </p:cNvPr>
+          <p:cNvSpPr>
+            <a:spLocks/>
+          </p:cNvSpPr>
+          <p:nvPr/>
+        </p:nvSpPr>
+        <p:spPr>
+          <a:xfrm>
+            <a:off x="2111734" y="3894462"/>
+            <a:ext cx="360000" cy="360000"/>
+          </a:xfrm>
+          <a:prstGeom prst="rect">
+            <a:avLst/>
+          </a:prstGeom>
+          <a:solidFill>
+            <a:schemeClr val="accent4">
+              <a:alpha val="40000"/>
+            </a:schemeClr>
+          </a:solidFill>
+          <a:ln w="19050">
+            <a:solidFill>
+              <a:schemeClr val="tx1"/>
+            </a:solidFill>
+          </a:ln>
+        </p:spPr>
+        <p:style>
+          <a:lnRef idx="2">
+            <a:schemeClr val="accent1">
+              <a:shade val="15000"/>
+            </a:schemeClr>
+          </a:lnRef>
+          <a:fillRef idx="1">
+            <a:schemeClr val="accent1"/>
+          </a:fillRef>
+          <a:effectRef idx="0">
+            <a:schemeClr val="accent1"/>
+          </a:effectRef>
+          <a:fontRef idx="minor">
+            <a:schemeClr val="lt1"/>
+          </a:fontRef>
+        </p:style>
+        <p:txBody>
+          <a:bodyPr rtlCol="0" anchor="ctr"/>
+          <a:lstStyle/>
+          <a:p>
+            <a:pPr algn="ctr"/>
+            <a:endParaRPr lang="LID4096" dirty="0"/>
+          </a:p>
+        </p:txBody>
+      </p:sp>
+      <p:sp>
+        <p:nvSpPr>
+          <p:cNvPr id="13" name="Rectangle 12">
+            <a:extLst>
+              <a:ext uri="{FF2B5EF4-FFF2-40B4-BE49-F238E27FC236}">
+                <a16:creationId xmlns:a16="http://schemas.microsoft.com/office/drawing/2014/main" id="{C813F7DC-8811-B57F-A554-7C1A6E9BC3B9}"/>
+              </a:ext>
+            </a:extLst>
+          </p:cNvPr>
+          <p:cNvSpPr>
+            <a:spLocks/>
+          </p:cNvSpPr>
+          <p:nvPr/>
+        </p:nvSpPr>
+        <p:spPr>
+          <a:xfrm>
+            <a:off x="2111734" y="4254462"/>
+            <a:ext cx="360000" cy="360000"/>
+          </a:xfrm>
+          <a:prstGeom prst="rect">
+            <a:avLst/>
+          </a:prstGeom>
+          <a:solidFill>
+            <a:schemeClr val="accent4">
+              <a:alpha val="20000"/>
+            </a:schemeClr>
+          </a:solidFill>
+          <a:ln w="19050">
+            <a:solidFill>
+              <a:schemeClr val="tx1"/>
+            </a:solidFill>
+          </a:ln>
+        </p:spPr>
+        <p:style>
+          <a:lnRef idx="2">
+            <a:schemeClr val="accent1">
+              <a:shade val="15000"/>
+            </a:schemeClr>
+          </a:lnRef>
+          <a:fillRef idx="1">
+            <a:schemeClr val="accent1"/>
+          </a:fillRef>
+          <a:effectRef idx="0">
+            <a:schemeClr val="accent1"/>
+          </a:effectRef>
+          <a:fontRef idx="minor">
+            <a:schemeClr val="lt1"/>
+          </a:fontRef>
+        </p:style>
+        <p:txBody>
+          <a:bodyPr rtlCol="0" anchor="ctr"/>
+          <a:lstStyle/>
+          <a:p>
+            <a:pPr algn="ctr"/>
+            <a:endParaRPr lang="LID4096" dirty="0"/>
+          </a:p>
+        </p:txBody>
+      </p:sp>
+      <p:sp>
+        <p:nvSpPr>
+          <p:cNvPr id="14" name="Rectangle 13">
+            <a:extLst>
+              <a:ext uri="{FF2B5EF4-FFF2-40B4-BE49-F238E27FC236}">
+                <a16:creationId xmlns:a16="http://schemas.microsoft.com/office/drawing/2014/main" id="{CF400037-A756-02A8-E7B1-A9CD51A0956E}"/>
+              </a:ext>
+            </a:extLst>
+          </p:cNvPr>
+          <p:cNvSpPr>
+            <a:spLocks/>
+          </p:cNvSpPr>
+          <p:nvPr/>
+        </p:nvSpPr>
+        <p:spPr>
+          <a:xfrm>
+            <a:off x="2111734" y="4614462"/>
+            <a:ext cx="360000" cy="360000"/>
+          </a:xfrm>
+          <a:prstGeom prst="rect">
+            <a:avLst/>
+          </a:prstGeom>
+          <a:solidFill>
+            <a:schemeClr val="accent4">
+              <a:alpha val="10000"/>
+            </a:schemeClr>
+          </a:solidFill>
+          <a:ln w="19050">
+            <a:solidFill>
+              <a:schemeClr val="tx1"/>
+            </a:solidFill>
+          </a:ln>
+        </p:spPr>
+        <p:style>
+          <a:lnRef idx="2">
+            <a:schemeClr val="accent1">
+              <a:shade val="15000"/>
+            </a:schemeClr>
+          </a:lnRef>
+          <a:fillRef idx="1">
+            <a:schemeClr val="accent1"/>
+          </a:fillRef>
+          <a:effectRef idx="0">
+            <a:schemeClr val="accent1"/>
+          </a:effectRef>
+          <a:fontRef idx="minor">
+            <a:schemeClr val="lt1"/>
+          </a:fontRef>
+        </p:style>
+        <p:txBody>
+          <a:bodyPr rtlCol="0" anchor="ctr"/>
+          <a:lstStyle/>
+          <a:p>
+            <a:pPr algn="ctr"/>
+            <a:endParaRPr lang="LID4096" dirty="0"/>
+          </a:p>
+        </p:txBody>
+      </p:sp>
+      <p:sp>
+        <p:nvSpPr>
+          <p:cNvPr id="15" name="Rectangle 14">
+            <a:extLst>
+              <a:ext uri="{FF2B5EF4-FFF2-40B4-BE49-F238E27FC236}">
+                <a16:creationId xmlns:a16="http://schemas.microsoft.com/office/drawing/2014/main" id="{DDCB0C0F-8ACA-0987-C1D6-6CA033B7DAD7}"/>
+              </a:ext>
+            </a:extLst>
+          </p:cNvPr>
+          <p:cNvSpPr>
+            <a:spLocks/>
+          </p:cNvSpPr>
+          <p:nvPr/>
+        </p:nvSpPr>
+        <p:spPr>
+          <a:xfrm>
+            <a:off x="2476134" y="3174462"/>
+            <a:ext cx="360000" cy="360000"/>
+          </a:xfrm>
+          <a:prstGeom prst="rect">
+            <a:avLst/>
+          </a:prstGeom>
+          <a:solidFill>
+            <a:schemeClr val="accent4">
+              <a:alpha val="20000"/>
+            </a:schemeClr>
+          </a:solidFill>
+          <a:ln w="19050">
+            <a:solidFill>
+              <a:schemeClr val="tx1"/>
+            </a:solidFill>
+          </a:ln>
+        </p:spPr>
+        <p:style>
+          <a:lnRef idx="2">
+            <a:schemeClr val="accent1">
+              <a:shade val="15000"/>
+            </a:schemeClr>
+          </a:lnRef>
+          <a:fillRef idx="1">
+            <a:schemeClr val="accent1"/>
+          </a:fillRef>
+          <a:effectRef idx="0">
+            <a:schemeClr val="accent1"/>
+          </a:effectRef>
+          <a:fontRef idx="minor">
+            <a:schemeClr val="lt1"/>
+          </a:fontRef>
+        </p:style>
+        <p:txBody>
+          <a:bodyPr rtlCol="0" anchor="ctr"/>
+          <a:lstStyle/>
+          <a:p>
+            <a:pPr algn="ctr"/>
+            <a:endParaRPr lang="LID4096" dirty="0"/>
+          </a:p>
+        </p:txBody>
+      </p:sp>
+      <p:sp>
+        <p:nvSpPr>
+          <p:cNvPr id="16" name="Rectangle 15">
+            <a:extLst>
+              <a:ext uri="{FF2B5EF4-FFF2-40B4-BE49-F238E27FC236}">
+                <a16:creationId xmlns:a16="http://schemas.microsoft.com/office/drawing/2014/main" id="{9107CDD4-A150-3093-D330-70AA74E1F378}"/>
+              </a:ext>
+            </a:extLst>
+          </p:cNvPr>
+          <p:cNvSpPr>
+            <a:spLocks/>
+          </p:cNvSpPr>
+          <p:nvPr/>
+        </p:nvSpPr>
+        <p:spPr>
+          <a:xfrm>
+            <a:off x="2476134" y="3533102"/>
+            <a:ext cx="360000" cy="360000"/>
+          </a:xfrm>
+          <a:prstGeom prst="rect">
+            <a:avLst/>
+          </a:prstGeom>
+          <a:solidFill>
+            <a:schemeClr val="accent4">
+              <a:alpha val="40000"/>
+            </a:schemeClr>
+          </a:solidFill>
+          <a:ln w="19050">
+            <a:solidFill>
+              <a:schemeClr val="tx1"/>
+            </a:solidFill>
+          </a:ln>
+        </p:spPr>
+        <p:style>
+          <a:lnRef idx="2">
+            <a:schemeClr val="accent1">
+              <a:shade val="15000"/>
+            </a:schemeClr>
+          </a:lnRef>
+          <a:fillRef idx="1">
+            <a:schemeClr val="accent1"/>
+          </a:fillRef>
+          <a:effectRef idx="0">
+            <a:schemeClr val="accent1"/>
+          </a:effectRef>
+          <a:fontRef idx="minor">
+            <a:schemeClr val="lt1"/>
+          </a:fontRef>
+        </p:style>
+        <p:txBody>
+          <a:bodyPr rtlCol="0" anchor="ctr"/>
+          <a:lstStyle/>
+          <a:p>
+            <a:pPr algn="ctr"/>
+            <a:endParaRPr lang="LID4096" dirty="0"/>
+          </a:p>
+        </p:txBody>
+      </p:sp>
+      <p:sp>
+        <p:nvSpPr>
+          <p:cNvPr id="3" name="Rectangle 10">
+            <a:extLst>
+              <a:ext uri="{FF2B5EF4-FFF2-40B4-BE49-F238E27FC236}">
+                <a16:creationId xmlns:a16="http://schemas.microsoft.com/office/drawing/2014/main" id="{B31C93F1-50AD-A15E-D646-A82120503291}"/>
+              </a:ext>
+            </a:extLst>
+          </p:cNvPr>
+          <p:cNvSpPr>
+            <a:spLocks/>
+          </p:cNvSpPr>
+          <p:nvPr/>
+        </p:nvSpPr>
+        <p:spPr>
+          <a:xfrm>
+            <a:off x="2476134" y="3891742"/>
+            <a:ext cx="360000" cy="360000"/>
+          </a:xfrm>
+          <a:prstGeom prst="rect">
+            <a:avLst/>
+          </a:prstGeom>
+          <a:solidFill>
+            <a:schemeClr val="accent4">
+              <a:alpha val="75000"/>
+            </a:schemeClr>
+          </a:solidFill>
+          <a:ln w="19050">
+            <a:solidFill>
+              <a:schemeClr val="tx1"/>
+            </a:solidFill>
+          </a:ln>
+        </p:spPr>
+        <p:style>
+          <a:lnRef idx="2">
+            <a:schemeClr val="accent1">
+              <a:shade val="15000"/>
+            </a:schemeClr>
+          </a:lnRef>
+          <a:fillRef idx="1">
+            <a:schemeClr val="accent1"/>
+          </a:fillRef>
+          <a:effectRef idx="0">
+            <a:schemeClr val="accent1"/>
+          </a:effectRef>
+          <a:fontRef idx="minor">
+            <a:schemeClr val="lt1"/>
+          </a:fontRef>
+        </p:style>
+        <p:txBody>
+          <a:bodyPr rtlCol="0" anchor="ctr"/>
+          <a:lstStyle/>
+          <a:p>
+            <a:pPr algn="ctr"/>
+            <a:endParaRPr lang="LID4096" dirty="0"/>
+          </a:p>
+        </p:txBody>
+      </p:sp>
+      <p:sp>
+        <p:nvSpPr>
+          <p:cNvPr id="5" name="Rectangle 11">
+            <a:extLst>
+              <a:ext uri="{FF2B5EF4-FFF2-40B4-BE49-F238E27FC236}">
+                <a16:creationId xmlns:a16="http://schemas.microsoft.com/office/drawing/2014/main" id="{81938A76-7038-DD87-21E5-3BF82FB26CF7}"/>
+              </a:ext>
+            </a:extLst>
+          </p:cNvPr>
+          <p:cNvSpPr>
+            <a:spLocks/>
+          </p:cNvSpPr>
+          <p:nvPr/>
+        </p:nvSpPr>
+        <p:spPr>
+          <a:xfrm>
+            <a:off x="2476134" y="4251742"/>
+            <a:ext cx="360000" cy="360000"/>
+          </a:xfrm>
+          <a:prstGeom prst="rect">
+            <a:avLst/>
+          </a:prstGeom>
+          <a:solidFill>
+            <a:schemeClr val="accent4">
+              <a:alpha val="40000"/>
+            </a:schemeClr>
+          </a:solidFill>
+          <a:ln w="19050">
+            <a:solidFill>
+              <a:schemeClr val="tx1"/>
+            </a:solidFill>
+          </a:ln>
+        </p:spPr>
+        <p:style>
+          <a:lnRef idx="2">
+            <a:schemeClr val="accent1">
+              <a:shade val="15000"/>
+            </a:schemeClr>
+          </a:lnRef>
+          <a:fillRef idx="1">
+            <a:schemeClr val="accent1"/>
+          </a:fillRef>
+          <a:effectRef idx="0">
+            <a:schemeClr val="accent1"/>
+          </a:effectRef>
+          <a:fontRef idx="minor">
+            <a:schemeClr val="lt1"/>
+          </a:fontRef>
+        </p:style>
+        <p:txBody>
+          <a:bodyPr rtlCol="0" anchor="ctr"/>
+          <a:lstStyle/>
+          <a:p>
+            <a:pPr algn="ctr"/>
+            <a:endParaRPr lang="LID4096" dirty="0"/>
+          </a:p>
+        </p:txBody>
+      </p:sp>
+      <p:sp>
+        <p:nvSpPr>
+          <p:cNvPr id="6" name="Rectangle 12">
+            <a:extLst>
+              <a:ext uri="{FF2B5EF4-FFF2-40B4-BE49-F238E27FC236}">
+                <a16:creationId xmlns:a16="http://schemas.microsoft.com/office/drawing/2014/main" id="{257D6A37-687F-65A0-24E6-AFA8F96B3A15}"/>
+              </a:ext>
+            </a:extLst>
+          </p:cNvPr>
+          <p:cNvSpPr>
+            <a:spLocks/>
+          </p:cNvSpPr>
+          <p:nvPr/>
+        </p:nvSpPr>
+        <p:spPr>
+          <a:xfrm>
+            <a:off x="2476134" y="4611742"/>
+            <a:ext cx="360000" cy="360000"/>
+          </a:xfrm>
+          <a:prstGeom prst="rect">
+            <a:avLst/>
+          </a:prstGeom>
+          <a:solidFill>
+            <a:schemeClr val="accent4">
+              <a:alpha val="20000"/>
+            </a:schemeClr>
+          </a:solidFill>
+          <a:ln w="19050">
+            <a:solidFill>
+              <a:schemeClr val="tx1"/>
+            </a:solidFill>
+          </a:ln>
+        </p:spPr>
+        <p:style>
+          <a:lnRef idx="2">
+            <a:schemeClr val="accent1">
+              <a:shade val="15000"/>
+            </a:schemeClr>
+          </a:lnRef>
+          <a:fillRef idx="1">
+            <a:schemeClr val="accent1"/>
+          </a:fillRef>
+          <a:effectRef idx="0">
+            <a:schemeClr val="accent1"/>
+          </a:effectRef>
+          <a:fontRef idx="minor">
+            <a:schemeClr val="lt1"/>
+          </a:fontRef>
+        </p:style>
+        <p:txBody>
+          <a:bodyPr rtlCol="0" anchor="ctr"/>
+          <a:lstStyle/>
+          <a:p>
+            <a:pPr algn="ctr"/>
+            <a:endParaRPr lang="LID4096" dirty="0"/>
+          </a:p>
+        </p:txBody>
+      </p:sp>
+      <p:sp>
+        <p:nvSpPr>
+          <p:cNvPr id="10" name="Rectangle 3">
+            <a:extLst>
+              <a:ext uri="{FF2B5EF4-FFF2-40B4-BE49-F238E27FC236}">
+                <a16:creationId xmlns:a16="http://schemas.microsoft.com/office/drawing/2014/main" id="{C09AACC7-DEEA-1213-3FA8-049B4A94DC04}"/>
+              </a:ext>
+            </a:extLst>
+          </p:cNvPr>
+          <p:cNvSpPr>
+            <a:spLocks/>
+          </p:cNvSpPr>
+          <p:nvPr/>
+        </p:nvSpPr>
+        <p:spPr>
+          <a:xfrm>
+            <a:off x="2836134" y="3173102"/>
+            <a:ext cx="360000" cy="360000"/>
+          </a:xfrm>
+          <a:prstGeom prst="rect">
+            <a:avLst/>
+          </a:prstGeom>
+          <a:solidFill>
+            <a:schemeClr val="accent4">
+              <a:alpha val="40000"/>
+            </a:schemeClr>
+          </a:solidFill>
+          <a:ln w="19050">
+            <a:solidFill>
+              <a:schemeClr val="tx1"/>
+            </a:solidFill>
+          </a:ln>
+        </p:spPr>
+        <p:style>
+          <a:lnRef idx="2">
+            <a:schemeClr val="accent1">
+              <a:shade val="15000"/>
+            </a:schemeClr>
+          </a:lnRef>
+          <a:fillRef idx="1">
+            <a:schemeClr val="accent1"/>
+          </a:fillRef>
+          <a:effectRef idx="0">
+            <a:schemeClr val="accent1"/>
+          </a:effectRef>
+          <a:fontRef idx="minor">
+            <a:schemeClr val="lt1"/>
+          </a:fontRef>
+        </p:style>
+        <p:txBody>
+          <a:bodyPr rtlCol="0" anchor="ctr"/>
+          <a:lstStyle/>
+          <a:p>
+            <a:pPr algn="ctr"/>
+            <a:endParaRPr lang="LID4096" dirty="0"/>
+          </a:p>
+        </p:txBody>
+      </p:sp>
+      <p:sp>
+        <p:nvSpPr>
+          <p:cNvPr id="17" name="Rectangle 10">
+            <a:extLst>
+              <a:ext uri="{FF2B5EF4-FFF2-40B4-BE49-F238E27FC236}">
+                <a16:creationId xmlns:a16="http://schemas.microsoft.com/office/drawing/2014/main" id="{A1DBB292-168A-8B7D-1263-43F93D8CCAA3}"/>
+              </a:ext>
+            </a:extLst>
+          </p:cNvPr>
+          <p:cNvSpPr>
+            <a:spLocks/>
+          </p:cNvSpPr>
+          <p:nvPr/>
+        </p:nvSpPr>
+        <p:spPr>
+          <a:xfrm>
+            <a:off x="2836134" y="3533102"/>
+            <a:ext cx="360000" cy="360000"/>
+          </a:xfrm>
+          <a:prstGeom prst="rect">
+            <a:avLst/>
+          </a:prstGeom>
+          <a:solidFill>
+            <a:schemeClr val="accent4">
+              <a:alpha val="75000"/>
+            </a:schemeClr>
+          </a:solidFill>
+          <a:ln w="19050">
+            <a:solidFill>
+              <a:schemeClr val="tx1"/>
+            </a:solidFill>
+          </a:ln>
+        </p:spPr>
+        <p:style>
+          <a:lnRef idx="2">
+            <a:schemeClr val="accent1">
+              <a:shade val="15000"/>
+            </a:schemeClr>
+          </a:lnRef>
+          <a:fillRef idx="1">
+            <a:schemeClr val="accent1"/>
+          </a:fillRef>
+          <a:effectRef idx="0">
+            <a:schemeClr val="accent1"/>
+          </a:effectRef>
+          <a:fontRef idx="minor">
+            <a:schemeClr val="lt1"/>
+          </a:fontRef>
+        </p:style>
+        <p:txBody>
+          <a:bodyPr rtlCol="0" anchor="ctr"/>
+          <a:lstStyle/>
+          <a:p>
+            <a:pPr algn="ctr"/>
+            <a:endParaRPr lang="LID4096" dirty="0"/>
+          </a:p>
+        </p:txBody>
+      </p:sp>
+      <p:sp>
+        <p:nvSpPr>
+          <p:cNvPr id="18" name="Rectangle 11">
+            <a:extLst>
+              <a:ext uri="{FF2B5EF4-FFF2-40B4-BE49-F238E27FC236}">
+                <a16:creationId xmlns:a16="http://schemas.microsoft.com/office/drawing/2014/main" id="{10D3CABE-9F94-B063-4886-E23EE418E8EC}"/>
+              </a:ext>
+            </a:extLst>
+          </p:cNvPr>
+          <p:cNvSpPr>
+            <a:spLocks/>
+          </p:cNvSpPr>
+          <p:nvPr/>
+        </p:nvSpPr>
+        <p:spPr>
+          <a:xfrm>
+            <a:off x="2836134" y="3894462"/>
+            <a:ext cx="360000" cy="360000"/>
+          </a:xfrm>
+          <a:prstGeom prst="rect">
+            <a:avLst/>
+          </a:prstGeom>
+          <a:solidFill>
+            <a:schemeClr val="accent4"/>
+          </a:solidFill>
+          <a:ln w="19050">
+            <a:solidFill>
+              <a:schemeClr val="tx1"/>
+            </a:solidFill>
+          </a:ln>
+        </p:spPr>
+        <p:style>
+          <a:lnRef idx="2">
+            <a:schemeClr val="accent1">
+              <a:shade val="15000"/>
+            </a:schemeClr>
+          </a:lnRef>
+          <a:fillRef idx="1">
+            <a:schemeClr val="accent1"/>
+          </a:fillRef>
+          <a:effectRef idx="0">
+            <a:schemeClr val="accent1"/>
+          </a:effectRef>
+          <a:fontRef idx="minor">
+            <a:schemeClr val="lt1"/>
+          </a:fontRef>
+        </p:style>
+        <p:txBody>
+          <a:bodyPr rtlCol="0" anchor="ctr"/>
+          <a:lstStyle/>
+          <a:p>
+            <a:pPr algn="ctr"/>
+            <a:endParaRPr lang="LID4096" dirty="0"/>
+          </a:p>
+        </p:txBody>
+      </p:sp>
+      <p:sp>
+        <p:nvSpPr>
+          <p:cNvPr id="19" name="Rectangle 12">
+            <a:extLst>
+              <a:ext uri="{FF2B5EF4-FFF2-40B4-BE49-F238E27FC236}">
+                <a16:creationId xmlns:a16="http://schemas.microsoft.com/office/drawing/2014/main" id="{109BE6C4-A325-9788-34AF-3A2C7759A290}"/>
+              </a:ext>
+            </a:extLst>
+          </p:cNvPr>
+          <p:cNvSpPr>
+            <a:spLocks/>
+          </p:cNvSpPr>
+          <p:nvPr/>
+        </p:nvSpPr>
+        <p:spPr>
+          <a:xfrm>
+            <a:off x="2836134" y="4253102"/>
+            <a:ext cx="360000" cy="360000"/>
+          </a:xfrm>
+          <a:prstGeom prst="rect">
+            <a:avLst/>
+          </a:prstGeom>
+          <a:solidFill>
+            <a:schemeClr val="accent4">
+              <a:alpha val="75000"/>
+            </a:schemeClr>
+          </a:solidFill>
+          <a:ln w="19050">
+            <a:solidFill>
+              <a:schemeClr val="tx1"/>
+            </a:solidFill>
+          </a:ln>
+        </p:spPr>
+        <p:style>
+          <a:lnRef idx="2">
+            <a:schemeClr val="accent1">
+              <a:shade val="15000"/>
+            </a:schemeClr>
+          </a:lnRef>
+          <a:fillRef idx="1">
+            <a:schemeClr val="accent1"/>
+          </a:fillRef>
+          <a:effectRef idx="0">
+            <a:schemeClr val="accent1"/>
+          </a:effectRef>
+          <a:fontRef idx="minor">
+            <a:schemeClr val="lt1"/>
+          </a:fontRef>
+        </p:style>
+        <p:txBody>
+          <a:bodyPr rtlCol="0" anchor="ctr"/>
+          <a:lstStyle/>
+          <a:p>
+            <a:pPr algn="ctr"/>
+            <a:endParaRPr lang="LID4096" dirty="0"/>
+          </a:p>
+        </p:txBody>
+      </p:sp>
+      <p:sp>
+        <p:nvSpPr>
+          <p:cNvPr id="20" name="Rectangle 13">
+            <a:extLst>
+              <a:ext uri="{FF2B5EF4-FFF2-40B4-BE49-F238E27FC236}">
+                <a16:creationId xmlns:a16="http://schemas.microsoft.com/office/drawing/2014/main" id="{B864A49C-1F9E-A7AA-8520-6DBF8919C54A}"/>
+              </a:ext>
+            </a:extLst>
+          </p:cNvPr>
+          <p:cNvSpPr>
+            <a:spLocks/>
+          </p:cNvSpPr>
+          <p:nvPr/>
+        </p:nvSpPr>
+        <p:spPr>
+          <a:xfrm>
+            <a:off x="2836134" y="4613102"/>
+            <a:ext cx="360000" cy="360000"/>
+          </a:xfrm>
+          <a:prstGeom prst="rect">
+            <a:avLst/>
+          </a:prstGeom>
+          <a:solidFill>
+            <a:schemeClr val="accent4">
+              <a:alpha val="40000"/>
+            </a:schemeClr>
+          </a:solidFill>
+          <a:ln w="19050">
+            <a:solidFill>
+              <a:schemeClr val="tx1"/>
+            </a:solidFill>
+          </a:ln>
+        </p:spPr>
+        <p:style>
+          <a:lnRef idx="2">
+            <a:schemeClr val="accent1">
+              <a:shade val="15000"/>
+            </a:schemeClr>
+          </a:lnRef>
+          <a:fillRef idx="1">
+            <a:schemeClr val="accent1"/>
+          </a:fillRef>
+          <a:effectRef idx="0">
+            <a:schemeClr val="accent1"/>
+          </a:effectRef>
+          <a:fontRef idx="minor">
+            <a:schemeClr val="lt1"/>
+          </a:fontRef>
+        </p:style>
+        <p:txBody>
+          <a:bodyPr rtlCol="0" anchor="ctr"/>
+          <a:lstStyle/>
+          <a:p>
+            <a:pPr algn="ctr"/>
+            <a:endParaRPr lang="LID4096" dirty="0"/>
+          </a:p>
+        </p:txBody>
+      </p:sp>
+      <p:sp>
+        <p:nvSpPr>
+          <p:cNvPr id="21" name="Rectangle 14">
+            <a:extLst>
+              <a:ext uri="{FF2B5EF4-FFF2-40B4-BE49-F238E27FC236}">
+                <a16:creationId xmlns:a16="http://schemas.microsoft.com/office/drawing/2014/main" id="{7065EF9F-64F9-9AE5-D2DF-E7E49BC4DC2D}"/>
+              </a:ext>
+            </a:extLst>
+          </p:cNvPr>
+          <p:cNvSpPr>
+            <a:spLocks/>
+          </p:cNvSpPr>
+          <p:nvPr/>
+        </p:nvSpPr>
+        <p:spPr>
+          <a:xfrm>
+            <a:off x="3200534" y="3173102"/>
+            <a:ext cx="360000" cy="360000"/>
+          </a:xfrm>
+          <a:prstGeom prst="rect">
+            <a:avLst/>
+          </a:prstGeom>
+          <a:solidFill>
+            <a:schemeClr val="accent4">
+              <a:alpha val="20000"/>
+            </a:schemeClr>
+          </a:solidFill>
+          <a:ln w="19050">
+            <a:solidFill>
+              <a:schemeClr val="tx1"/>
+            </a:solidFill>
+          </a:ln>
+        </p:spPr>
+        <p:style>
+          <a:lnRef idx="2">
+            <a:schemeClr val="accent1">
+              <a:shade val="15000"/>
+            </a:schemeClr>
+          </a:lnRef>
+          <a:fillRef idx="1">
+            <a:schemeClr val="accent1"/>
+          </a:fillRef>
+          <a:effectRef idx="0">
+            <a:schemeClr val="accent1"/>
+          </a:effectRef>
+          <a:fontRef idx="minor">
+            <a:schemeClr val="lt1"/>
+          </a:fontRef>
+        </p:style>
+        <p:txBody>
+          <a:bodyPr rtlCol="0" anchor="ctr"/>
+          <a:lstStyle/>
+          <a:p>
+            <a:pPr algn="ctr"/>
+            <a:endParaRPr lang="LID4096" dirty="0"/>
+          </a:p>
+        </p:txBody>
+      </p:sp>
+      <p:sp>
+        <p:nvSpPr>
+          <p:cNvPr id="22" name="Rectangle 15">
+            <a:extLst>
+              <a:ext uri="{FF2B5EF4-FFF2-40B4-BE49-F238E27FC236}">
+                <a16:creationId xmlns:a16="http://schemas.microsoft.com/office/drawing/2014/main" id="{35851CD8-4CBA-7694-E467-675FB14FC762}"/>
+              </a:ext>
+            </a:extLst>
+          </p:cNvPr>
+          <p:cNvSpPr>
+            <a:spLocks/>
+          </p:cNvSpPr>
+          <p:nvPr/>
+        </p:nvSpPr>
+        <p:spPr>
+          <a:xfrm>
+            <a:off x="3200534" y="3531742"/>
+            <a:ext cx="360000" cy="360000"/>
+          </a:xfrm>
+          <a:prstGeom prst="rect">
+            <a:avLst/>
+          </a:prstGeom>
+          <a:solidFill>
+            <a:schemeClr val="accent4">
+              <a:alpha val="40000"/>
+            </a:schemeClr>
+          </a:solidFill>
+          <a:ln w="19050">
+            <a:solidFill>
+              <a:schemeClr val="tx1"/>
+            </a:solidFill>
+          </a:ln>
+        </p:spPr>
+        <p:style>
+          <a:lnRef idx="2">
+            <a:schemeClr val="accent1">
+              <a:shade val="15000"/>
+            </a:schemeClr>
+          </a:lnRef>
+          <a:fillRef idx="1">
+            <a:schemeClr val="accent1"/>
+          </a:fillRef>
+          <a:effectRef idx="0">
+            <a:schemeClr val="accent1"/>
+          </a:effectRef>
+          <a:fontRef idx="minor">
+            <a:schemeClr val="lt1"/>
+          </a:fontRef>
+        </p:style>
+        <p:txBody>
+          <a:bodyPr rtlCol="0" anchor="ctr"/>
+          <a:lstStyle/>
+          <a:p>
+            <a:pPr algn="ctr"/>
+            <a:endParaRPr lang="LID4096" dirty="0"/>
+          </a:p>
+        </p:txBody>
+      </p:sp>
+      <p:sp>
+        <p:nvSpPr>
+          <p:cNvPr id="23" name="Rectangle 10">
+            <a:extLst>
+              <a:ext uri="{FF2B5EF4-FFF2-40B4-BE49-F238E27FC236}">
+                <a16:creationId xmlns:a16="http://schemas.microsoft.com/office/drawing/2014/main" id="{C7000059-7E53-378C-8E66-CE46DFE36006}"/>
+              </a:ext>
+            </a:extLst>
+          </p:cNvPr>
+          <p:cNvSpPr>
+            <a:spLocks/>
+          </p:cNvSpPr>
+          <p:nvPr/>
+        </p:nvSpPr>
+        <p:spPr>
+          <a:xfrm>
+            <a:off x="3197234" y="3895822"/>
+            <a:ext cx="366600" cy="360000"/>
+          </a:xfrm>
+          <a:prstGeom prst="rect">
+            <a:avLst/>
+          </a:prstGeom>
+          <a:solidFill>
+            <a:schemeClr val="accent4">
+              <a:alpha val="75000"/>
+            </a:schemeClr>
+          </a:solidFill>
+          <a:ln w="19050">
+            <a:solidFill>
+              <a:schemeClr val="tx1"/>
+            </a:solidFill>
+          </a:ln>
+        </p:spPr>
+        <p:style>
+          <a:lnRef idx="2">
+            <a:schemeClr val="accent1">
+              <a:shade val="15000"/>
+            </a:schemeClr>
+          </a:lnRef>
+          <a:fillRef idx="1">
+            <a:schemeClr val="accent1"/>
+          </a:fillRef>
+          <a:effectRef idx="0">
+            <a:schemeClr val="accent1"/>
+          </a:effectRef>
+          <a:fontRef idx="minor">
+            <a:schemeClr val="lt1"/>
+          </a:fontRef>
+        </p:style>
+        <p:txBody>
+          <a:bodyPr rtlCol="0" anchor="ctr"/>
+          <a:lstStyle/>
+          <a:p>
+            <a:pPr algn="ctr"/>
+            <a:endParaRPr lang="LID4096" dirty="0"/>
+          </a:p>
+        </p:txBody>
+      </p:sp>
+      <p:sp>
+        <p:nvSpPr>
+          <p:cNvPr id="24" name="Rectangle 11">
+            <a:extLst>
+              <a:ext uri="{FF2B5EF4-FFF2-40B4-BE49-F238E27FC236}">
+                <a16:creationId xmlns:a16="http://schemas.microsoft.com/office/drawing/2014/main" id="{211D2A56-5DEC-4D19-CDEE-ADE4EE4004A5}"/>
+              </a:ext>
+            </a:extLst>
+          </p:cNvPr>
+          <p:cNvSpPr>
+            <a:spLocks/>
+          </p:cNvSpPr>
+          <p:nvPr/>
+        </p:nvSpPr>
+        <p:spPr>
+          <a:xfrm>
+            <a:off x="3200534" y="4250382"/>
+            <a:ext cx="360000" cy="360000"/>
+          </a:xfrm>
+          <a:prstGeom prst="rect">
+            <a:avLst/>
+          </a:prstGeom>
+          <a:solidFill>
+            <a:schemeClr val="accent4">
+              <a:alpha val="40000"/>
+            </a:schemeClr>
+          </a:solidFill>
+          <a:ln w="19050">
+            <a:solidFill>
+              <a:schemeClr val="tx1"/>
+            </a:solidFill>
+          </a:ln>
+        </p:spPr>
+        <p:style>
+          <a:lnRef idx="2">
+            <a:schemeClr val="accent1">
+              <a:shade val="15000"/>
+            </a:schemeClr>
+          </a:lnRef>
+          <a:fillRef idx="1">
+            <a:schemeClr val="accent1"/>
+          </a:fillRef>
+          <a:effectRef idx="0">
+            <a:schemeClr val="accent1"/>
+          </a:effectRef>
+          <a:fontRef idx="minor">
+            <a:schemeClr val="lt1"/>
+          </a:fontRef>
+        </p:style>
+        <p:txBody>
+          <a:bodyPr rtlCol="0" anchor="ctr"/>
+          <a:lstStyle/>
+          <a:p>
+            <a:pPr algn="ctr"/>
+            <a:endParaRPr lang="LID4096" dirty="0"/>
+          </a:p>
+        </p:txBody>
+      </p:sp>
+      <p:sp>
+        <p:nvSpPr>
+          <p:cNvPr id="25" name="Rectangle 12">
+            <a:extLst>
+              <a:ext uri="{FF2B5EF4-FFF2-40B4-BE49-F238E27FC236}">
+                <a16:creationId xmlns:a16="http://schemas.microsoft.com/office/drawing/2014/main" id="{60CCC538-5DFB-D17A-3843-681EB7A72C3D}"/>
+              </a:ext>
+            </a:extLst>
+          </p:cNvPr>
+          <p:cNvSpPr>
+            <a:spLocks/>
+          </p:cNvSpPr>
+          <p:nvPr/>
+        </p:nvSpPr>
+        <p:spPr>
+          <a:xfrm>
+            <a:off x="3200534" y="4610382"/>
+            <a:ext cx="360000" cy="360000"/>
+          </a:xfrm>
+          <a:prstGeom prst="rect">
+            <a:avLst/>
+          </a:prstGeom>
+          <a:solidFill>
+            <a:schemeClr val="accent4">
+              <a:alpha val="20000"/>
+            </a:schemeClr>
+          </a:solidFill>
+          <a:ln w="19050">
+            <a:solidFill>
+              <a:schemeClr val="tx1"/>
+            </a:solidFill>
+          </a:ln>
+        </p:spPr>
+        <p:style>
+          <a:lnRef idx="2">
+            <a:schemeClr val="accent1">
+              <a:shade val="15000"/>
+            </a:schemeClr>
+          </a:lnRef>
+          <a:fillRef idx="1">
+            <a:schemeClr val="accent1"/>
+          </a:fillRef>
+          <a:effectRef idx="0">
+            <a:schemeClr val="accent1"/>
+          </a:effectRef>
+          <a:fontRef idx="minor">
+            <a:schemeClr val="lt1"/>
+          </a:fontRef>
+        </p:style>
+        <p:txBody>
+          <a:bodyPr rtlCol="0" anchor="ctr"/>
+          <a:lstStyle/>
+          <a:p>
+            <a:pPr algn="ctr"/>
+            <a:endParaRPr lang="LID4096" dirty="0"/>
+          </a:p>
+        </p:txBody>
+      </p:sp>
+      <p:sp>
+        <p:nvSpPr>
+          <p:cNvPr id="31" name="Rectangle 14">
+            <a:extLst>
+              <a:ext uri="{FF2B5EF4-FFF2-40B4-BE49-F238E27FC236}">
+                <a16:creationId xmlns:a16="http://schemas.microsoft.com/office/drawing/2014/main" id="{54DF8CC8-9932-2FA7-B39F-B8EBCE20B8D6}"/>
+              </a:ext>
+            </a:extLst>
+          </p:cNvPr>
+          <p:cNvSpPr>
+            <a:spLocks/>
+          </p:cNvSpPr>
+          <p:nvPr/>
+        </p:nvSpPr>
+        <p:spPr>
+          <a:xfrm>
+            <a:off x="3560534" y="3173102"/>
+            <a:ext cx="360000" cy="360000"/>
+          </a:xfrm>
+          <a:prstGeom prst="rect">
+            <a:avLst/>
+          </a:prstGeom>
+          <a:solidFill>
+            <a:schemeClr val="accent4">
+              <a:alpha val="10000"/>
+            </a:schemeClr>
+          </a:solidFill>
+          <a:ln w="19050">
+            <a:solidFill>
+              <a:schemeClr val="tx1"/>
+            </a:solidFill>
+          </a:ln>
+        </p:spPr>
+        <p:style>
+          <a:lnRef idx="2">
+            <a:schemeClr val="accent1">
+              <a:shade val="15000"/>
+            </a:schemeClr>
+          </a:lnRef>
+          <a:fillRef idx="1">
+            <a:schemeClr val="accent1"/>
+          </a:fillRef>
+          <a:effectRef idx="0">
+            <a:schemeClr val="accent1"/>
+          </a:effectRef>
+          <a:fontRef idx="minor">
+            <a:schemeClr val="lt1"/>
+          </a:fontRef>
+        </p:style>
+        <p:txBody>
+          <a:bodyPr rtlCol="0" anchor="ctr"/>
+          <a:lstStyle/>
+          <a:p>
+            <a:pPr algn="ctr"/>
+            <a:endParaRPr lang="LID4096" dirty="0"/>
+          </a:p>
+        </p:txBody>
+      </p:sp>
+      <p:sp>
+        <p:nvSpPr>
+          <p:cNvPr id="32" name="Rectangle 15">
+            <a:extLst>
+              <a:ext uri="{FF2B5EF4-FFF2-40B4-BE49-F238E27FC236}">
+                <a16:creationId xmlns:a16="http://schemas.microsoft.com/office/drawing/2014/main" id="{8B828E50-2C53-1CBB-08E3-426DFDA67066}"/>
+              </a:ext>
+            </a:extLst>
+          </p:cNvPr>
+          <p:cNvSpPr>
+            <a:spLocks/>
+          </p:cNvSpPr>
+          <p:nvPr/>
+        </p:nvSpPr>
+        <p:spPr>
+          <a:xfrm>
+            <a:off x="3560534" y="3531742"/>
+            <a:ext cx="360000" cy="360000"/>
+          </a:xfrm>
+          <a:prstGeom prst="rect">
+            <a:avLst/>
+          </a:prstGeom>
+          <a:solidFill>
+            <a:schemeClr val="accent4">
+              <a:alpha val="20000"/>
+            </a:schemeClr>
+          </a:solidFill>
+          <a:ln w="19050">
+            <a:solidFill>
+              <a:schemeClr val="tx1"/>
+            </a:solidFill>
+          </a:ln>
+        </p:spPr>
+        <p:style>
+          <a:lnRef idx="2">
+            <a:schemeClr val="accent1">
+              <a:shade val="15000"/>
+            </a:schemeClr>
+          </a:lnRef>
+          <a:fillRef idx="1">
+            <a:schemeClr val="accent1"/>
+          </a:fillRef>
+          <a:effectRef idx="0">
+            <a:schemeClr val="accent1"/>
+          </a:effectRef>
+          <a:fontRef idx="minor">
+            <a:schemeClr val="lt1"/>
+          </a:fontRef>
+        </p:style>
+        <p:txBody>
+          <a:bodyPr rtlCol="0" anchor="ctr"/>
+          <a:lstStyle/>
+          <a:p>
+            <a:pPr algn="ctr"/>
+            <a:endParaRPr lang="LID4096" dirty="0"/>
+          </a:p>
+        </p:txBody>
+      </p:sp>
+      <p:sp>
+        <p:nvSpPr>
+          <p:cNvPr id="33" name="Rectangle 10">
+            <a:extLst>
+              <a:ext uri="{FF2B5EF4-FFF2-40B4-BE49-F238E27FC236}">
+                <a16:creationId xmlns:a16="http://schemas.microsoft.com/office/drawing/2014/main" id="{0F8ED21C-2B75-EF28-5F0D-404AC7B8D8E9}"/>
+              </a:ext>
+            </a:extLst>
+          </p:cNvPr>
+          <p:cNvSpPr>
+            <a:spLocks/>
+          </p:cNvSpPr>
+          <p:nvPr/>
+        </p:nvSpPr>
+        <p:spPr>
+          <a:xfrm>
+            <a:off x="3560534" y="3893102"/>
+            <a:ext cx="360000" cy="360000"/>
+          </a:xfrm>
+          <a:prstGeom prst="rect">
+            <a:avLst/>
+          </a:prstGeom>
+          <a:solidFill>
+            <a:schemeClr val="accent4">
+              <a:alpha val="40000"/>
+            </a:schemeClr>
+          </a:solidFill>
+          <a:ln w="19050">
+            <a:solidFill>
+              <a:schemeClr val="tx1"/>
+            </a:solidFill>
+          </a:ln>
+        </p:spPr>
+        <p:style>
+          <a:lnRef idx="2">
+            <a:schemeClr val="accent1">
+              <a:shade val="15000"/>
+            </a:schemeClr>
+          </a:lnRef>
+          <a:fillRef idx="1">
+            <a:schemeClr val="accent1"/>
+          </a:fillRef>
+          <a:effectRef idx="0">
+            <a:schemeClr val="accent1"/>
+          </a:effectRef>
+          <a:fontRef idx="minor">
+            <a:schemeClr val="lt1"/>
+          </a:fontRef>
+        </p:style>
+        <p:txBody>
+          <a:bodyPr rtlCol="0" anchor="ctr"/>
+          <a:lstStyle/>
+          <a:p>
+            <a:pPr algn="ctr"/>
+            <a:endParaRPr lang="LID4096" dirty="0"/>
+          </a:p>
+        </p:txBody>
+      </p:sp>
+      <p:sp>
+        <p:nvSpPr>
+          <p:cNvPr id="34" name="Rectangle 11">
+            <a:extLst>
+              <a:ext uri="{FF2B5EF4-FFF2-40B4-BE49-F238E27FC236}">
+                <a16:creationId xmlns:a16="http://schemas.microsoft.com/office/drawing/2014/main" id="{7EF22F73-602B-D9F2-FCAB-DE2199AA5560}"/>
+              </a:ext>
+            </a:extLst>
+          </p:cNvPr>
+          <p:cNvSpPr>
+            <a:spLocks/>
+          </p:cNvSpPr>
+          <p:nvPr/>
+        </p:nvSpPr>
+        <p:spPr>
+          <a:xfrm>
+            <a:off x="3560534" y="4250382"/>
+            <a:ext cx="360000" cy="360000"/>
+          </a:xfrm>
+          <a:prstGeom prst="rect">
+            <a:avLst/>
+          </a:prstGeom>
+          <a:solidFill>
+            <a:schemeClr val="accent4">
+              <a:alpha val="20000"/>
+            </a:schemeClr>
+          </a:solidFill>
+          <a:ln w="19050">
+            <a:solidFill>
+              <a:schemeClr val="tx1"/>
+            </a:solidFill>
+          </a:ln>
+        </p:spPr>
+        <p:style>
+          <a:lnRef idx="2">
+            <a:schemeClr val="accent1">
+              <a:shade val="15000"/>
+            </a:schemeClr>
+          </a:lnRef>
+          <a:fillRef idx="1">
+            <a:schemeClr val="accent1"/>
+          </a:fillRef>
+          <a:effectRef idx="0">
+            <a:schemeClr val="accent1"/>
+          </a:effectRef>
+          <a:fontRef idx="minor">
+            <a:schemeClr val="lt1"/>
+          </a:fontRef>
+        </p:style>
+        <p:txBody>
+          <a:bodyPr rtlCol="0" anchor="ctr"/>
+          <a:lstStyle/>
+          <a:p>
+            <a:pPr algn="ctr"/>
+            <a:endParaRPr lang="LID4096" dirty="0"/>
+          </a:p>
+        </p:txBody>
+      </p:sp>
+      <p:sp>
+        <p:nvSpPr>
+          <p:cNvPr id="35" name="Rectangle 12">
+            <a:extLst>
+              <a:ext uri="{FF2B5EF4-FFF2-40B4-BE49-F238E27FC236}">
+                <a16:creationId xmlns:a16="http://schemas.microsoft.com/office/drawing/2014/main" id="{0FD71D44-0FBA-0CE9-E51A-DF92AFA7E534}"/>
+              </a:ext>
+            </a:extLst>
+          </p:cNvPr>
+          <p:cNvSpPr>
+            <a:spLocks/>
+          </p:cNvSpPr>
+          <p:nvPr/>
+        </p:nvSpPr>
+        <p:spPr>
+          <a:xfrm>
+            <a:off x="3560534" y="4610382"/>
+            <a:ext cx="360000" cy="360000"/>
+          </a:xfrm>
+          <a:prstGeom prst="rect">
+            <a:avLst/>
+          </a:prstGeom>
+          <a:solidFill>
+            <a:schemeClr val="accent4">
+              <a:alpha val="10000"/>
+            </a:schemeClr>
+          </a:solidFill>
+          <a:ln w="19050">
+            <a:solidFill>
+              <a:schemeClr val="tx1"/>
+            </a:solidFill>
+          </a:ln>
+        </p:spPr>
+        <p:style>
+          <a:lnRef idx="2">
+            <a:schemeClr val="accent1">
+              <a:shade val="15000"/>
+            </a:schemeClr>
+          </a:lnRef>
+          <a:fillRef idx="1">
+            <a:schemeClr val="accent1"/>
+          </a:fillRef>
+          <a:effectRef idx="0">
+            <a:schemeClr val="accent1"/>
+          </a:effectRef>
+          <a:fontRef idx="minor">
+            <a:schemeClr val="lt1"/>
+          </a:fontRef>
+        </p:style>
+        <p:txBody>
+          <a:bodyPr rtlCol="0" anchor="ctr"/>
+          <a:lstStyle/>
+          <a:p>
+            <a:pPr algn="ctr"/>
+            <a:endParaRPr lang="LID4096" dirty="0"/>
+          </a:p>
+        </p:txBody>
+      </p:sp>
+      <p:sp>
+        <p:nvSpPr>
+          <p:cNvPr id="7" name="TextBox 8">
+            <a:extLst>
+              <a:ext uri="{FF2B5EF4-FFF2-40B4-BE49-F238E27FC236}">
+                <a16:creationId xmlns:a16="http://schemas.microsoft.com/office/drawing/2014/main" id="{7F6CF0C5-BE48-F6BB-D843-4B9FAFEEA6E3}"/>
+              </a:ext>
+            </a:extLst>
+          </p:cNvPr>
+          <p:cNvSpPr txBox="1"/>
+          <p:nvPr/>
+        </p:nvSpPr>
+        <p:spPr>
+          <a:xfrm>
+            <a:off x="2102934" y="3244020"/>
+            <a:ext cx="368210" cy="215444"/>
+          </a:xfrm>
+          <a:prstGeom prst="rect">
+            <a:avLst/>
+          </a:prstGeom>
+          <a:noFill/>
+        </p:spPr>
+        <p:txBody>
+          <a:bodyPr wrap="square" rtlCol="0">
+            <a:spAutoFit/>
+          </a:bodyPr>
+          <a:lstStyle/>
+          <a:p>
+            <a:r>
+              <a:rPr lang="en-US" sz="800" dirty="0"/>
+              <a:t>0.</a:t>
+            </a:r>
+            <a:r>
+              <a:rPr lang="sl-SI" sz="800" dirty="0"/>
+              <a:t>13</a:t>
+            </a:r>
+            <a:endParaRPr lang="LID4096" sz="800" dirty="0"/>
+          </a:p>
+        </p:txBody>
+      </p:sp>
+      <p:sp>
+        <p:nvSpPr>
+          <p:cNvPr id="8" name="TextBox 8">
+            <a:extLst>
+              <a:ext uri="{FF2B5EF4-FFF2-40B4-BE49-F238E27FC236}">
+                <a16:creationId xmlns:a16="http://schemas.microsoft.com/office/drawing/2014/main" id="{85ABEFA1-F4F4-3E4D-79CD-EC3EBA5577CF}"/>
+              </a:ext>
+            </a:extLst>
+          </p:cNvPr>
+          <p:cNvSpPr txBox="1"/>
+          <p:nvPr/>
+        </p:nvSpPr>
+        <p:spPr>
+          <a:xfrm>
+            <a:off x="2469829" y="3237676"/>
+            <a:ext cx="368210" cy="215444"/>
+          </a:xfrm>
+          <a:prstGeom prst="rect">
+            <a:avLst/>
+          </a:prstGeom>
+          <a:noFill/>
+        </p:spPr>
+        <p:txBody>
+          <a:bodyPr wrap="square" rtlCol="0">
+            <a:spAutoFit/>
+          </a:bodyPr>
+          <a:lstStyle/>
+          <a:p>
+            <a:r>
+              <a:rPr lang="en-US" sz="800" dirty="0"/>
+              <a:t>0.25</a:t>
+            </a:r>
+            <a:endParaRPr lang="LID4096" sz="800" dirty="0"/>
+          </a:p>
+        </p:txBody>
+      </p:sp>
+      <p:sp>
+        <p:nvSpPr>
+          <p:cNvPr id="9" name="TextBox 8">
+            <a:extLst>
+              <a:ext uri="{FF2B5EF4-FFF2-40B4-BE49-F238E27FC236}">
+                <a16:creationId xmlns:a16="http://schemas.microsoft.com/office/drawing/2014/main" id="{5027FE4F-A220-18E0-DA7F-259A2CFC2304}"/>
+              </a:ext>
+            </a:extLst>
+          </p:cNvPr>
+          <p:cNvSpPr txBox="1"/>
+          <p:nvPr/>
+        </p:nvSpPr>
+        <p:spPr>
+          <a:xfrm>
+            <a:off x="2819419" y="3231332"/>
+            <a:ext cx="368210" cy="215444"/>
+          </a:xfrm>
+          <a:prstGeom prst="rect">
+            <a:avLst/>
+          </a:prstGeom>
+          <a:noFill/>
+        </p:spPr>
+        <p:txBody>
+          <a:bodyPr wrap="square" rtlCol="0">
+            <a:spAutoFit/>
+          </a:bodyPr>
+          <a:lstStyle/>
+          <a:p>
+            <a:r>
+              <a:rPr lang="en-US" sz="800" dirty="0"/>
+              <a:t>0.</a:t>
+            </a:r>
+            <a:r>
+              <a:rPr lang="sl-SI" sz="800" dirty="0"/>
+              <a:t>50</a:t>
+            </a:r>
+            <a:endParaRPr lang="LID4096" sz="800" dirty="0"/>
+          </a:p>
+        </p:txBody>
+      </p:sp>
+      <p:sp>
+        <p:nvSpPr>
+          <p:cNvPr id="26" name="TextBox 8">
+            <a:extLst>
+              <a:ext uri="{FF2B5EF4-FFF2-40B4-BE49-F238E27FC236}">
+                <a16:creationId xmlns:a16="http://schemas.microsoft.com/office/drawing/2014/main" id="{C057DC1C-E79A-C6B7-A432-77CBD78A3086}"/>
+              </a:ext>
+            </a:extLst>
+          </p:cNvPr>
+          <p:cNvSpPr txBox="1"/>
+          <p:nvPr/>
+        </p:nvSpPr>
+        <p:spPr>
+          <a:xfrm>
+            <a:off x="3195544" y="3231332"/>
+            <a:ext cx="368210" cy="215444"/>
+          </a:xfrm>
+          <a:prstGeom prst="rect">
+            <a:avLst/>
+          </a:prstGeom>
+          <a:noFill/>
+        </p:spPr>
+        <p:txBody>
+          <a:bodyPr wrap="square" rtlCol="0">
+            <a:spAutoFit/>
+          </a:bodyPr>
+          <a:lstStyle/>
+          <a:p>
+            <a:r>
+              <a:rPr lang="en-US" sz="800" dirty="0"/>
+              <a:t>0.25</a:t>
+            </a:r>
+            <a:endParaRPr lang="LID4096" sz="800" dirty="0"/>
+          </a:p>
+        </p:txBody>
+      </p:sp>
+      <p:sp>
+        <p:nvSpPr>
+          <p:cNvPr id="27" name="TextBox 8">
+            <a:extLst>
+              <a:ext uri="{FF2B5EF4-FFF2-40B4-BE49-F238E27FC236}">
+                <a16:creationId xmlns:a16="http://schemas.microsoft.com/office/drawing/2014/main" id="{0885F290-1D60-D025-3B79-1BCDF26EA17C}"/>
+              </a:ext>
+            </a:extLst>
+          </p:cNvPr>
+          <p:cNvSpPr txBox="1"/>
+          <p:nvPr/>
+        </p:nvSpPr>
+        <p:spPr>
+          <a:xfrm>
+            <a:off x="3555249" y="3227865"/>
+            <a:ext cx="368210" cy="215444"/>
+          </a:xfrm>
+          <a:prstGeom prst="rect">
+            <a:avLst/>
+          </a:prstGeom>
+          <a:noFill/>
+        </p:spPr>
+        <p:txBody>
+          <a:bodyPr wrap="square" rtlCol="0">
+            <a:spAutoFit/>
+          </a:bodyPr>
+          <a:lstStyle/>
+          <a:p>
+            <a:r>
+              <a:rPr lang="sl-SI" sz="800" dirty="0"/>
+              <a:t>13</a:t>
+            </a:r>
+            <a:endParaRPr lang="LID4096" sz="800" dirty="0"/>
+          </a:p>
+        </p:txBody>
+      </p:sp>
+      <p:sp>
+        <p:nvSpPr>
+          <p:cNvPr id="28" name="TextBox 8">
+            <a:extLst>
+              <a:ext uri="{FF2B5EF4-FFF2-40B4-BE49-F238E27FC236}">
+                <a16:creationId xmlns:a16="http://schemas.microsoft.com/office/drawing/2014/main" id="{DDCCF770-6276-378C-3671-875A14ACAA04}"/>
+              </a:ext>
+            </a:extLst>
+          </p:cNvPr>
+          <p:cNvSpPr txBox="1"/>
+          <p:nvPr/>
+        </p:nvSpPr>
+        <p:spPr>
+          <a:xfrm>
+            <a:off x="2111734" y="3611730"/>
+            <a:ext cx="368210" cy="215444"/>
+          </a:xfrm>
+          <a:prstGeom prst="rect">
+            <a:avLst/>
+          </a:prstGeom>
+          <a:noFill/>
+        </p:spPr>
+        <p:txBody>
+          <a:bodyPr wrap="square" rtlCol="0">
+            <a:spAutoFit/>
+          </a:bodyPr>
+          <a:lstStyle/>
+          <a:p>
+            <a:r>
+              <a:rPr lang="en-US" sz="800" dirty="0"/>
+              <a:t>0.25</a:t>
+            </a:r>
+            <a:endParaRPr lang="LID4096" sz="800" dirty="0"/>
+          </a:p>
+        </p:txBody>
+      </p:sp>
+      <p:sp>
+        <p:nvSpPr>
+          <p:cNvPr id="29" name="TextBox 8">
+            <a:extLst>
+              <a:ext uri="{FF2B5EF4-FFF2-40B4-BE49-F238E27FC236}">
+                <a16:creationId xmlns:a16="http://schemas.microsoft.com/office/drawing/2014/main" id="{AC1D07E2-F0FB-9AD7-A7EF-CFC470484796}"/>
+              </a:ext>
+            </a:extLst>
+          </p:cNvPr>
+          <p:cNvSpPr txBox="1"/>
+          <p:nvPr/>
+        </p:nvSpPr>
+        <p:spPr>
+          <a:xfrm>
+            <a:off x="2478629" y="3605386"/>
+            <a:ext cx="368210" cy="215444"/>
+          </a:xfrm>
+          <a:prstGeom prst="rect">
+            <a:avLst/>
+          </a:prstGeom>
+          <a:noFill/>
+        </p:spPr>
+        <p:txBody>
+          <a:bodyPr wrap="square" rtlCol="0">
+            <a:spAutoFit/>
+          </a:bodyPr>
+          <a:lstStyle/>
+          <a:p>
+            <a:r>
+              <a:rPr lang="en-US" sz="800" dirty="0"/>
+              <a:t>0.</a:t>
+            </a:r>
+            <a:r>
+              <a:rPr lang="sl-SI" sz="800" dirty="0"/>
+              <a:t>50</a:t>
+            </a:r>
+            <a:endParaRPr lang="LID4096" sz="800" dirty="0"/>
+          </a:p>
+        </p:txBody>
+      </p:sp>
+      <p:sp>
+        <p:nvSpPr>
+          <p:cNvPr id="30" name="TextBox 8">
+            <a:extLst>
+              <a:ext uri="{FF2B5EF4-FFF2-40B4-BE49-F238E27FC236}">
+                <a16:creationId xmlns:a16="http://schemas.microsoft.com/office/drawing/2014/main" id="{68A6843A-ED6A-AF01-6A21-F325F308724A}"/>
+              </a:ext>
+            </a:extLst>
+          </p:cNvPr>
+          <p:cNvSpPr txBox="1"/>
+          <p:nvPr/>
+        </p:nvSpPr>
+        <p:spPr>
+          <a:xfrm>
+            <a:off x="2828219" y="3599042"/>
+            <a:ext cx="368210" cy="215444"/>
+          </a:xfrm>
+          <a:prstGeom prst="rect">
+            <a:avLst/>
+          </a:prstGeom>
+          <a:noFill/>
+        </p:spPr>
+        <p:txBody>
+          <a:bodyPr wrap="square" rtlCol="0">
+            <a:spAutoFit/>
+          </a:bodyPr>
+          <a:lstStyle/>
+          <a:p>
+            <a:r>
+              <a:rPr lang="en-US" sz="800" dirty="0"/>
+              <a:t>0.</a:t>
+            </a:r>
+            <a:r>
+              <a:rPr lang="sl-SI" sz="800" dirty="0"/>
+              <a:t>75</a:t>
+            </a:r>
+            <a:endParaRPr lang="LID4096" sz="800" dirty="0"/>
+          </a:p>
+        </p:txBody>
+      </p:sp>
+      <p:sp>
+        <p:nvSpPr>
+          <p:cNvPr id="36" name="TextBox 8">
+            <a:extLst>
+              <a:ext uri="{FF2B5EF4-FFF2-40B4-BE49-F238E27FC236}">
+                <a16:creationId xmlns:a16="http://schemas.microsoft.com/office/drawing/2014/main" id="{5C9D5CCE-B78A-AF69-1064-F6FB5A6AE2BA}"/>
+              </a:ext>
+            </a:extLst>
+          </p:cNvPr>
+          <p:cNvSpPr txBox="1"/>
+          <p:nvPr/>
+        </p:nvSpPr>
+        <p:spPr>
+          <a:xfrm>
+            <a:off x="3204344" y="3599042"/>
+            <a:ext cx="368210" cy="215444"/>
+          </a:xfrm>
+          <a:prstGeom prst="rect">
+            <a:avLst/>
+          </a:prstGeom>
+          <a:noFill/>
+        </p:spPr>
+        <p:txBody>
+          <a:bodyPr wrap="square" rtlCol="0">
+            <a:spAutoFit/>
+          </a:bodyPr>
+          <a:lstStyle/>
+          <a:p>
+            <a:r>
+              <a:rPr lang="en-US" sz="800" dirty="0"/>
+              <a:t>0.5</a:t>
+            </a:r>
+            <a:r>
+              <a:rPr lang="sl-SI" sz="800" dirty="0"/>
+              <a:t>0</a:t>
+            </a:r>
+            <a:endParaRPr lang="LID4096" sz="800" dirty="0"/>
+          </a:p>
+        </p:txBody>
+      </p:sp>
+      <p:sp>
+        <p:nvSpPr>
+          <p:cNvPr id="37" name="TextBox 8">
+            <a:extLst>
+              <a:ext uri="{FF2B5EF4-FFF2-40B4-BE49-F238E27FC236}">
+                <a16:creationId xmlns:a16="http://schemas.microsoft.com/office/drawing/2014/main" id="{3A8B8312-09E7-B698-C8DC-A63B11992797}"/>
+              </a:ext>
+            </a:extLst>
+          </p:cNvPr>
+          <p:cNvSpPr txBox="1"/>
+          <p:nvPr/>
+        </p:nvSpPr>
+        <p:spPr>
+          <a:xfrm>
+            <a:off x="3564049" y="3595575"/>
+            <a:ext cx="368210" cy="215444"/>
+          </a:xfrm>
+          <a:prstGeom prst="rect">
+            <a:avLst/>
+          </a:prstGeom>
+          <a:noFill/>
+        </p:spPr>
+        <p:txBody>
+          <a:bodyPr wrap="square" rtlCol="0">
+            <a:spAutoFit/>
+          </a:bodyPr>
+          <a:lstStyle/>
+          <a:p>
+            <a:r>
+              <a:rPr lang="en-US" sz="800" dirty="0"/>
+              <a:t>0.25</a:t>
+            </a:r>
+            <a:endParaRPr lang="LID4096" sz="800" dirty="0"/>
+          </a:p>
+        </p:txBody>
+      </p:sp>
+      <p:sp>
+        <p:nvSpPr>
+          <p:cNvPr id="38" name="TextBox 8">
+            <a:extLst>
+              <a:ext uri="{FF2B5EF4-FFF2-40B4-BE49-F238E27FC236}">
+                <a16:creationId xmlns:a16="http://schemas.microsoft.com/office/drawing/2014/main" id="{6CB4DF0C-E155-E405-E147-BD8A7BE04129}"/>
+              </a:ext>
+            </a:extLst>
+          </p:cNvPr>
+          <p:cNvSpPr txBox="1"/>
+          <p:nvPr/>
+        </p:nvSpPr>
+        <p:spPr>
+          <a:xfrm>
+            <a:off x="2100009" y="3974200"/>
+            <a:ext cx="368210" cy="215444"/>
+          </a:xfrm>
+          <a:prstGeom prst="rect">
+            <a:avLst/>
+          </a:prstGeom>
+          <a:noFill/>
+        </p:spPr>
+        <p:txBody>
+          <a:bodyPr wrap="square" rtlCol="0">
+            <a:spAutoFit/>
+          </a:bodyPr>
+          <a:lstStyle/>
+          <a:p>
+            <a:r>
+              <a:rPr lang="en-US" sz="800" dirty="0"/>
+              <a:t>0.5</a:t>
+            </a:r>
+            <a:r>
+              <a:rPr lang="sl-SI" sz="800" dirty="0"/>
+              <a:t>0</a:t>
+            </a:r>
+            <a:endParaRPr lang="LID4096" sz="800" dirty="0"/>
+          </a:p>
+        </p:txBody>
+      </p:sp>
+      <p:sp>
+        <p:nvSpPr>
+          <p:cNvPr id="39" name="TextBox 8">
+            <a:extLst>
+              <a:ext uri="{FF2B5EF4-FFF2-40B4-BE49-F238E27FC236}">
+                <a16:creationId xmlns:a16="http://schemas.microsoft.com/office/drawing/2014/main" id="{07B47C24-1165-E219-16DF-844157E8E39D}"/>
+              </a:ext>
+            </a:extLst>
+          </p:cNvPr>
+          <p:cNvSpPr txBox="1"/>
+          <p:nvPr/>
+        </p:nvSpPr>
+        <p:spPr>
+          <a:xfrm>
+            <a:off x="2466904" y="3967856"/>
+            <a:ext cx="368210" cy="215444"/>
+          </a:xfrm>
+          <a:prstGeom prst="rect">
+            <a:avLst/>
+          </a:prstGeom>
+          <a:noFill/>
+        </p:spPr>
+        <p:txBody>
+          <a:bodyPr wrap="square" rtlCol="0">
+            <a:spAutoFit/>
+          </a:bodyPr>
+          <a:lstStyle/>
+          <a:p>
+            <a:r>
+              <a:rPr lang="en-US" sz="800" dirty="0"/>
+              <a:t>0.</a:t>
+            </a:r>
+            <a:r>
+              <a:rPr lang="sl-SI" sz="800" dirty="0"/>
+              <a:t>75</a:t>
+            </a:r>
+            <a:endParaRPr lang="LID4096" sz="800" dirty="0"/>
+          </a:p>
+        </p:txBody>
+      </p:sp>
+      <p:sp>
+        <p:nvSpPr>
+          <p:cNvPr id="40" name="TextBox 8">
+            <a:extLst>
+              <a:ext uri="{FF2B5EF4-FFF2-40B4-BE49-F238E27FC236}">
+                <a16:creationId xmlns:a16="http://schemas.microsoft.com/office/drawing/2014/main" id="{B7C4439A-1D56-2018-A09E-3154C855E349}"/>
+              </a:ext>
+            </a:extLst>
+          </p:cNvPr>
+          <p:cNvSpPr txBox="1"/>
+          <p:nvPr/>
+        </p:nvSpPr>
+        <p:spPr>
+          <a:xfrm>
+            <a:off x="2816494" y="3961512"/>
+            <a:ext cx="368210" cy="215444"/>
+          </a:xfrm>
+          <a:prstGeom prst="rect">
+            <a:avLst/>
+          </a:prstGeom>
+          <a:noFill/>
+        </p:spPr>
+        <p:txBody>
+          <a:bodyPr wrap="square" rtlCol="0">
+            <a:spAutoFit/>
+          </a:bodyPr>
+          <a:lstStyle/>
+          <a:p>
+            <a:r>
+              <a:rPr lang="sl-SI" sz="800" dirty="0"/>
+              <a:t>1.00</a:t>
+            </a:r>
+            <a:endParaRPr lang="LID4096" sz="800" dirty="0"/>
+          </a:p>
+        </p:txBody>
+      </p:sp>
+      <p:sp>
+        <p:nvSpPr>
+          <p:cNvPr id="41" name="TextBox 8">
+            <a:extLst>
+              <a:ext uri="{FF2B5EF4-FFF2-40B4-BE49-F238E27FC236}">
+                <a16:creationId xmlns:a16="http://schemas.microsoft.com/office/drawing/2014/main" id="{D567D61F-0767-C3F0-08BE-4D17B96B3A27}"/>
+              </a:ext>
+            </a:extLst>
+          </p:cNvPr>
+          <p:cNvSpPr txBox="1"/>
+          <p:nvPr/>
+        </p:nvSpPr>
+        <p:spPr>
+          <a:xfrm>
+            <a:off x="3192619" y="3961512"/>
+            <a:ext cx="368210" cy="215444"/>
+          </a:xfrm>
+          <a:prstGeom prst="rect">
+            <a:avLst/>
+          </a:prstGeom>
+          <a:noFill/>
+        </p:spPr>
+        <p:txBody>
+          <a:bodyPr wrap="square" rtlCol="0">
+            <a:spAutoFit/>
+          </a:bodyPr>
+          <a:lstStyle/>
+          <a:p>
+            <a:r>
+              <a:rPr lang="sl-SI" sz="800" dirty="0"/>
+              <a:t>0.75</a:t>
+            </a:r>
+            <a:endParaRPr lang="LID4096" sz="800" dirty="0"/>
+          </a:p>
+        </p:txBody>
+      </p:sp>
+      <p:sp>
+        <p:nvSpPr>
+          <p:cNvPr id="42" name="TextBox 8">
+            <a:extLst>
+              <a:ext uri="{FF2B5EF4-FFF2-40B4-BE49-F238E27FC236}">
+                <a16:creationId xmlns:a16="http://schemas.microsoft.com/office/drawing/2014/main" id="{C88D746B-FDE8-CE7E-6903-D9E07387A21A}"/>
+              </a:ext>
+            </a:extLst>
+          </p:cNvPr>
+          <p:cNvSpPr txBox="1"/>
+          <p:nvPr/>
+        </p:nvSpPr>
+        <p:spPr>
+          <a:xfrm>
+            <a:off x="3552324" y="3958045"/>
+            <a:ext cx="368210" cy="215444"/>
+          </a:xfrm>
+          <a:prstGeom prst="rect">
+            <a:avLst/>
+          </a:prstGeom>
+          <a:noFill/>
+        </p:spPr>
+        <p:txBody>
+          <a:bodyPr wrap="square" rtlCol="0">
+            <a:spAutoFit/>
+          </a:bodyPr>
+          <a:lstStyle/>
+          <a:p>
+            <a:r>
+              <a:rPr lang="sl-SI" sz="800" dirty="0"/>
+              <a:t>0.50</a:t>
+            </a:r>
+            <a:endParaRPr lang="LID4096" sz="800" dirty="0"/>
+          </a:p>
+        </p:txBody>
+      </p:sp>
+      <p:sp>
+        <p:nvSpPr>
+          <p:cNvPr id="43" name="TextBox 8">
+            <a:extLst>
+              <a:ext uri="{FF2B5EF4-FFF2-40B4-BE49-F238E27FC236}">
+                <a16:creationId xmlns:a16="http://schemas.microsoft.com/office/drawing/2014/main" id="{A63D3C7E-417C-1324-A2E1-561E2DF4DBA8}"/>
+              </a:ext>
+            </a:extLst>
+          </p:cNvPr>
+          <p:cNvSpPr txBox="1"/>
+          <p:nvPr/>
+        </p:nvSpPr>
+        <p:spPr>
+          <a:xfrm>
+            <a:off x="2111734" y="4345766"/>
+            <a:ext cx="368210" cy="215444"/>
+          </a:xfrm>
+          <a:prstGeom prst="rect">
+            <a:avLst/>
+          </a:prstGeom>
+          <a:noFill/>
+        </p:spPr>
+        <p:txBody>
+          <a:bodyPr wrap="square" rtlCol="0">
+            <a:spAutoFit/>
+          </a:bodyPr>
+          <a:lstStyle/>
+          <a:p>
+            <a:r>
+              <a:rPr lang="en-US" sz="800" dirty="0"/>
+              <a:t>0.25</a:t>
+            </a:r>
+            <a:endParaRPr lang="LID4096" sz="800" dirty="0"/>
+          </a:p>
+        </p:txBody>
+      </p:sp>
+      <p:sp>
+        <p:nvSpPr>
+          <p:cNvPr id="44" name="TextBox 8">
+            <a:extLst>
+              <a:ext uri="{FF2B5EF4-FFF2-40B4-BE49-F238E27FC236}">
+                <a16:creationId xmlns:a16="http://schemas.microsoft.com/office/drawing/2014/main" id="{F92FC4A4-5C98-AFA2-EA2C-185290FCDECA}"/>
+              </a:ext>
+            </a:extLst>
+          </p:cNvPr>
+          <p:cNvSpPr txBox="1"/>
+          <p:nvPr/>
+        </p:nvSpPr>
+        <p:spPr>
+          <a:xfrm>
+            <a:off x="2478629" y="4339422"/>
+            <a:ext cx="368210" cy="215444"/>
+          </a:xfrm>
+          <a:prstGeom prst="rect">
+            <a:avLst/>
+          </a:prstGeom>
+          <a:noFill/>
+        </p:spPr>
+        <p:txBody>
+          <a:bodyPr wrap="square" rtlCol="0">
+            <a:spAutoFit/>
+          </a:bodyPr>
+          <a:lstStyle/>
+          <a:p>
+            <a:r>
+              <a:rPr lang="en-US" sz="800" dirty="0"/>
+              <a:t>0.</a:t>
+            </a:r>
+            <a:r>
+              <a:rPr lang="sl-SI" sz="800" dirty="0"/>
+              <a:t>50</a:t>
+            </a:r>
+            <a:endParaRPr lang="LID4096" sz="800" dirty="0"/>
+          </a:p>
+        </p:txBody>
+      </p:sp>
+      <p:sp>
+        <p:nvSpPr>
+          <p:cNvPr id="45" name="TextBox 8">
+            <a:extLst>
+              <a:ext uri="{FF2B5EF4-FFF2-40B4-BE49-F238E27FC236}">
+                <a16:creationId xmlns:a16="http://schemas.microsoft.com/office/drawing/2014/main" id="{6E78512E-2840-B58B-74CB-40E43C2D49E2}"/>
+              </a:ext>
+            </a:extLst>
+          </p:cNvPr>
+          <p:cNvSpPr txBox="1"/>
+          <p:nvPr/>
+        </p:nvSpPr>
+        <p:spPr>
+          <a:xfrm>
+            <a:off x="2828219" y="4333078"/>
+            <a:ext cx="368210" cy="215444"/>
+          </a:xfrm>
+          <a:prstGeom prst="rect">
+            <a:avLst/>
+          </a:prstGeom>
+          <a:noFill/>
+        </p:spPr>
+        <p:txBody>
+          <a:bodyPr wrap="square" rtlCol="0">
+            <a:spAutoFit/>
+          </a:bodyPr>
+          <a:lstStyle/>
+          <a:p>
+            <a:r>
+              <a:rPr lang="sl-SI" sz="800" dirty="0"/>
+              <a:t>0.75</a:t>
+            </a:r>
+            <a:endParaRPr lang="LID4096" sz="800" dirty="0"/>
+          </a:p>
+        </p:txBody>
+      </p:sp>
+      <p:sp>
+        <p:nvSpPr>
+          <p:cNvPr id="46" name="TextBox 8">
+            <a:extLst>
+              <a:ext uri="{FF2B5EF4-FFF2-40B4-BE49-F238E27FC236}">
+                <a16:creationId xmlns:a16="http://schemas.microsoft.com/office/drawing/2014/main" id="{029DA2C5-4FE3-052F-2FDC-0B4E56EBE02B}"/>
+              </a:ext>
+            </a:extLst>
+          </p:cNvPr>
+          <p:cNvSpPr txBox="1"/>
+          <p:nvPr/>
+        </p:nvSpPr>
+        <p:spPr>
+          <a:xfrm>
+            <a:off x="3204344" y="4333078"/>
+            <a:ext cx="368210" cy="215444"/>
+          </a:xfrm>
+          <a:prstGeom prst="rect">
+            <a:avLst/>
+          </a:prstGeom>
+          <a:noFill/>
+        </p:spPr>
+        <p:txBody>
+          <a:bodyPr wrap="square" rtlCol="0">
+            <a:spAutoFit/>
+          </a:bodyPr>
+          <a:lstStyle/>
+          <a:p>
+            <a:r>
+              <a:rPr lang="en-US" sz="800" dirty="0"/>
+              <a:t>0.</a:t>
+            </a:r>
+            <a:r>
+              <a:rPr lang="sl-SI" sz="800" dirty="0"/>
+              <a:t>50</a:t>
+            </a:r>
+            <a:endParaRPr lang="LID4096" sz="800" dirty="0"/>
+          </a:p>
+        </p:txBody>
+      </p:sp>
+      <p:sp>
+        <p:nvSpPr>
+          <p:cNvPr id="47" name="TextBox 8">
+            <a:extLst>
+              <a:ext uri="{FF2B5EF4-FFF2-40B4-BE49-F238E27FC236}">
+                <a16:creationId xmlns:a16="http://schemas.microsoft.com/office/drawing/2014/main" id="{FE99C44C-76A7-F7FB-91CA-79A28CEAFBCD}"/>
+              </a:ext>
+            </a:extLst>
+          </p:cNvPr>
+          <p:cNvSpPr txBox="1"/>
+          <p:nvPr/>
+        </p:nvSpPr>
+        <p:spPr>
+          <a:xfrm>
+            <a:off x="3564049" y="4329611"/>
+            <a:ext cx="368210" cy="215444"/>
+          </a:xfrm>
+          <a:prstGeom prst="rect">
+            <a:avLst/>
+          </a:prstGeom>
+          <a:noFill/>
+        </p:spPr>
+        <p:txBody>
+          <a:bodyPr wrap="square" rtlCol="0">
+            <a:spAutoFit/>
+          </a:bodyPr>
+          <a:lstStyle/>
+          <a:p>
+            <a:r>
+              <a:rPr lang="en-US" sz="800" dirty="0"/>
+              <a:t>0.25</a:t>
+            </a:r>
+            <a:endParaRPr lang="LID4096" sz="800" dirty="0"/>
+          </a:p>
+        </p:txBody>
+      </p:sp>
+      <p:sp>
+        <p:nvSpPr>
+          <p:cNvPr id="48" name="TextBox 8">
+            <a:extLst>
+              <a:ext uri="{FF2B5EF4-FFF2-40B4-BE49-F238E27FC236}">
+                <a16:creationId xmlns:a16="http://schemas.microsoft.com/office/drawing/2014/main" id="{AAA8FB23-5D9E-1E11-91CD-18671AF71134}"/>
+              </a:ext>
+            </a:extLst>
+          </p:cNvPr>
+          <p:cNvSpPr txBox="1"/>
+          <p:nvPr/>
+        </p:nvSpPr>
+        <p:spPr>
+          <a:xfrm>
+            <a:off x="2099714" y="4694541"/>
+            <a:ext cx="368210" cy="215444"/>
+          </a:xfrm>
+          <a:prstGeom prst="rect">
+            <a:avLst/>
+          </a:prstGeom>
+          <a:noFill/>
+        </p:spPr>
+        <p:txBody>
+          <a:bodyPr wrap="square" rtlCol="0">
+            <a:spAutoFit/>
+          </a:bodyPr>
+          <a:lstStyle/>
+          <a:p>
+            <a:r>
+              <a:rPr lang="en-US" sz="800" dirty="0"/>
+              <a:t>0.</a:t>
+            </a:r>
+            <a:r>
+              <a:rPr lang="sl-SI" sz="800" dirty="0"/>
+              <a:t>13</a:t>
+            </a:r>
+            <a:endParaRPr lang="LID4096" sz="800" dirty="0"/>
+          </a:p>
+        </p:txBody>
+      </p:sp>
+      <p:sp>
+        <p:nvSpPr>
+          <p:cNvPr id="49" name="TextBox 8">
+            <a:extLst>
+              <a:ext uri="{FF2B5EF4-FFF2-40B4-BE49-F238E27FC236}">
+                <a16:creationId xmlns:a16="http://schemas.microsoft.com/office/drawing/2014/main" id="{19EFD26A-5ABA-7792-5534-218736C3F03B}"/>
+              </a:ext>
+            </a:extLst>
+          </p:cNvPr>
+          <p:cNvSpPr txBox="1"/>
+          <p:nvPr/>
+        </p:nvSpPr>
+        <p:spPr>
+          <a:xfrm>
+            <a:off x="2466609" y="4688197"/>
+            <a:ext cx="368210" cy="215444"/>
+          </a:xfrm>
+          <a:prstGeom prst="rect">
+            <a:avLst/>
+          </a:prstGeom>
+          <a:noFill/>
+        </p:spPr>
+        <p:txBody>
+          <a:bodyPr wrap="square" rtlCol="0">
+            <a:spAutoFit/>
+          </a:bodyPr>
+          <a:lstStyle/>
+          <a:p>
+            <a:r>
+              <a:rPr lang="en-US" sz="800" dirty="0"/>
+              <a:t>0.25</a:t>
+            </a:r>
+            <a:endParaRPr lang="LID4096" sz="800" dirty="0"/>
+          </a:p>
+        </p:txBody>
+      </p:sp>
+      <p:sp>
+        <p:nvSpPr>
+          <p:cNvPr id="50" name="TextBox 8">
+            <a:extLst>
+              <a:ext uri="{FF2B5EF4-FFF2-40B4-BE49-F238E27FC236}">
+                <a16:creationId xmlns:a16="http://schemas.microsoft.com/office/drawing/2014/main" id="{0B70ADBF-74F4-F7D3-03F1-3F1E9C7AB684}"/>
+              </a:ext>
+            </a:extLst>
+          </p:cNvPr>
+          <p:cNvSpPr txBox="1"/>
+          <p:nvPr/>
+        </p:nvSpPr>
+        <p:spPr>
+          <a:xfrm>
+            <a:off x="2816199" y="4681853"/>
+            <a:ext cx="368210" cy="215444"/>
+          </a:xfrm>
+          <a:prstGeom prst="rect">
+            <a:avLst/>
+          </a:prstGeom>
+          <a:noFill/>
+        </p:spPr>
+        <p:txBody>
+          <a:bodyPr wrap="square" rtlCol="0">
+            <a:spAutoFit/>
+          </a:bodyPr>
+          <a:lstStyle/>
+          <a:p>
+            <a:r>
+              <a:rPr lang="en-US" sz="800" dirty="0"/>
+              <a:t>0.</a:t>
+            </a:r>
+            <a:r>
+              <a:rPr lang="sl-SI" sz="800" dirty="0"/>
+              <a:t>50</a:t>
+            </a:r>
+            <a:endParaRPr lang="LID4096" sz="800" dirty="0"/>
+          </a:p>
+        </p:txBody>
+      </p:sp>
+      <p:sp>
+        <p:nvSpPr>
+          <p:cNvPr id="51" name="TextBox 8">
+            <a:extLst>
+              <a:ext uri="{FF2B5EF4-FFF2-40B4-BE49-F238E27FC236}">
+                <a16:creationId xmlns:a16="http://schemas.microsoft.com/office/drawing/2014/main" id="{AD11943F-4CFF-6F19-5279-7E57EBD691CC}"/>
+              </a:ext>
+            </a:extLst>
+          </p:cNvPr>
+          <p:cNvSpPr txBox="1"/>
+          <p:nvPr/>
+        </p:nvSpPr>
+        <p:spPr>
+          <a:xfrm>
+            <a:off x="3192324" y="4681853"/>
+            <a:ext cx="368210" cy="215444"/>
+          </a:xfrm>
+          <a:prstGeom prst="rect">
+            <a:avLst/>
+          </a:prstGeom>
+          <a:noFill/>
+        </p:spPr>
+        <p:txBody>
+          <a:bodyPr wrap="square" rtlCol="0">
+            <a:spAutoFit/>
+          </a:bodyPr>
+          <a:lstStyle/>
+          <a:p>
+            <a:r>
+              <a:rPr lang="en-US" sz="800" dirty="0"/>
+              <a:t>0.25</a:t>
+            </a:r>
+            <a:endParaRPr lang="LID4096" sz="800" dirty="0"/>
+          </a:p>
+        </p:txBody>
+      </p:sp>
+      <p:sp>
+        <p:nvSpPr>
+          <p:cNvPr id="52" name="TextBox 8">
+            <a:extLst>
+              <a:ext uri="{FF2B5EF4-FFF2-40B4-BE49-F238E27FC236}">
+                <a16:creationId xmlns:a16="http://schemas.microsoft.com/office/drawing/2014/main" id="{6CB4F4E9-6889-6604-6338-37809BB4D063}"/>
+              </a:ext>
+            </a:extLst>
+          </p:cNvPr>
+          <p:cNvSpPr txBox="1"/>
+          <p:nvPr/>
+        </p:nvSpPr>
+        <p:spPr>
+          <a:xfrm>
+            <a:off x="3552029" y="4678386"/>
+            <a:ext cx="368210" cy="215444"/>
+          </a:xfrm>
+          <a:prstGeom prst="rect">
+            <a:avLst/>
+          </a:prstGeom>
+          <a:noFill/>
+        </p:spPr>
+        <p:txBody>
+          <a:bodyPr wrap="square" rtlCol="0">
+            <a:spAutoFit/>
+          </a:bodyPr>
+          <a:lstStyle/>
+          <a:p>
+            <a:r>
+              <a:rPr lang="en-US" sz="800" dirty="0"/>
+              <a:t>0.</a:t>
+            </a:r>
+            <a:r>
+              <a:rPr lang="sl-SI" sz="800" dirty="0"/>
+              <a:t>13</a:t>
+            </a:r>
+            <a:endParaRPr lang="LID4096" sz="800" dirty="0"/>
+          </a:p>
+        </p:txBody>
+      </p:sp>
+      <p:cxnSp>
+        <p:nvCxnSpPr>
+          <p:cNvPr id="165" name="Raven puščični povezovalnik 164">
+            <a:extLst>
+              <a:ext uri="{FF2B5EF4-FFF2-40B4-BE49-F238E27FC236}">
+                <a16:creationId xmlns:a16="http://schemas.microsoft.com/office/drawing/2014/main" id="{CA88DF6C-D735-A20D-47FC-7C0A11E70281}"/>
+              </a:ext>
+            </a:extLst>
+          </p:cNvPr>
+          <p:cNvCxnSpPr>
+            <a:cxnSpLocks/>
+          </p:cNvCxnSpPr>
+          <p:nvPr/>
+        </p:nvCxnSpPr>
+        <p:spPr>
+          <a:xfrm>
+            <a:off x="611546" y="3794700"/>
+            <a:ext cx="1067481" cy="1060525"/>
+          </a:xfrm>
+          <a:prstGeom prst="straightConnector1">
+            <a:avLst/>
+          </a:prstGeom>
+          <a:ln w="9525">
+            <a:solidFill>
+              <a:schemeClr val="tx1"/>
+            </a:solidFill>
+            <a:tailEnd type="triangle"/>
+          </a:ln>
+        </p:spPr>
+        <p:style>
+          <a:lnRef idx="1">
+            <a:schemeClr val="accent1"/>
+          </a:lnRef>
+          <a:fillRef idx="0">
+            <a:schemeClr val="accent1"/>
+          </a:fillRef>
+          <a:effectRef idx="0">
+            <a:schemeClr val="accent1"/>
+          </a:effectRef>
+          <a:fontRef idx="minor">
+            <a:schemeClr val="tx1"/>
+          </a:fontRef>
+        </p:style>
+      </p:cxnSp>
+      <p:cxnSp>
+        <p:nvCxnSpPr>
+          <p:cNvPr id="168" name="Raven puščični povezovalnik 167">
+            <a:extLst>
+              <a:ext uri="{FF2B5EF4-FFF2-40B4-BE49-F238E27FC236}">
+                <a16:creationId xmlns:a16="http://schemas.microsoft.com/office/drawing/2014/main" id="{8C361DCF-2791-1F97-A02B-FA8FDA83E6B9}"/>
+              </a:ext>
+            </a:extLst>
+          </p:cNvPr>
+          <p:cNvCxnSpPr>
+            <a:cxnSpLocks/>
+          </p:cNvCxnSpPr>
+          <p:nvPr/>
+        </p:nvCxnSpPr>
+        <p:spPr>
+          <a:xfrm>
+            <a:off x="2201988" y="5139690"/>
+            <a:ext cx="1585299" cy="0"/>
+          </a:xfrm>
+          <a:prstGeom prst="straightConnector1">
+            <a:avLst/>
+          </a:prstGeom>
+          <a:ln w="9525">
+            <a:solidFill>
+              <a:schemeClr val="tx1"/>
+            </a:solidFill>
+            <a:tailEnd type="triangle"/>
+          </a:ln>
+        </p:spPr>
+        <p:style>
+          <a:lnRef idx="1">
+            <a:schemeClr val="accent1"/>
+          </a:lnRef>
+          <a:fillRef idx="0">
+            <a:schemeClr val="accent1"/>
+          </a:fillRef>
+          <a:effectRef idx="0">
+            <a:schemeClr val="accent1"/>
+          </a:effectRef>
+          <a:fontRef idx="minor">
+            <a:schemeClr val="tx1"/>
+          </a:fontRef>
+        </p:style>
+      </p:cxnSp>
+      <p:cxnSp>
+        <p:nvCxnSpPr>
+          <p:cNvPr id="170" name="Raven puščični povezovalnik 169">
+            <a:extLst>
+              <a:ext uri="{FF2B5EF4-FFF2-40B4-BE49-F238E27FC236}">
+                <a16:creationId xmlns:a16="http://schemas.microsoft.com/office/drawing/2014/main" id="{4FB197CE-19EE-6FAF-07F2-41529A8C4977}"/>
+              </a:ext>
+            </a:extLst>
+          </p:cNvPr>
+          <p:cNvCxnSpPr>
+            <a:cxnSpLocks/>
+          </p:cNvCxnSpPr>
+          <p:nvPr/>
+        </p:nvCxnSpPr>
+        <p:spPr>
+          <a:xfrm rot="16200000">
+            <a:off x="3268790" y="4079218"/>
+            <a:ext cx="1585299" cy="0"/>
+          </a:xfrm>
+          <a:prstGeom prst="straightConnector1">
+            <a:avLst/>
+          </a:prstGeom>
+          <a:ln w="9525">
+            <a:solidFill>
+              <a:schemeClr val="tx1"/>
+            </a:solidFill>
+            <a:tailEnd type="triangle"/>
+          </a:ln>
+        </p:spPr>
+        <p:style>
+          <a:lnRef idx="1">
+            <a:schemeClr val="accent1"/>
+          </a:lnRef>
+          <a:fillRef idx="0">
+            <a:schemeClr val="accent1"/>
+          </a:fillRef>
+          <a:effectRef idx="0">
+            <a:schemeClr val="accent1"/>
+          </a:effectRef>
+          <a:fontRef idx="minor">
+            <a:schemeClr val="tx1"/>
+          </a:fontRef>
+        </p:style>
+      </p:cxnSp>
+      <p:sp>
+        <p:nvSpPr>
+          <p:cNvPr id="171" name="PoljeZBesedilom 170">
+            <a:extLst>
+              <a:ext uri="{FF2B5EF4-FFF2-40B4-BE49-F238E27FC236}">
+                <a16:creationId xmlns:a16="http://schemas.microsoft.com/office/drawing/2014/main" id="{A61F4B6A-DE09-2E35-4380-9AABADC77466}"/>
+              </a:ext>
+            </a:extLst>
+          </p:cNvPr>
+          <p:cNvSpPr txBox="1"/>
+          <p:nvPr/>
+        </p:nvSpPr>
+        <p:spPr>
+          <a:xfrm rot="5400000">
+            <a:off x="3423841" y="4338256"/>
+            <a:ext cx="1524000" cy="307777"/>
+          </a:xfrm>
+          <a:prstGeom prst="rect">
+            <a:avLst/>
+          </a:prstGeom>
+          <a:noFill/>
+        </p:spPr>
+        <p:txBody>
+          <a:bodyPr wrap="square" rtlCol="0">
+            <a:spAutoFit/>
+          </a:bodyPr>
+          <a:lstStyle/>
+          <a:p>
+            <a:r>
+              <a:rPr lang="sl-SI" sz="1400" dirty="0"/>
+              <a:t>height</a:t>
+            </a:r>
+          </a:p>
+        </p:txBody>
+      </p:sp>
+      <p:sp>
+        <p:nvSpPr>
+          <p:cNvPr id="172" name="PoljeZBesedilom 171">
+            <a:extLst>
+              <a:ext uri="{FF2B5EF4-FFF2-40B4-BE49-F238E27FC236}">
+                <a16:creationId xmlns:a16="http://schemas.microsoft.com/office/drawing/2014/main" id="{62910C81-F3A9-2707-C6EB-B506E36E798F}"/>
+              </a:ext>
+            </a:extLst>
+          </p:cNvPr>
+          <p:cNvSpPr txBox="1"/>
+          <p:nvPr/>
+        </p:nvSpPr>
+        <p:spPr>
+          <a:xfrm>
+            <a:off x="2722537" y="5142090"/>
+            <a:ext cx="1524000" cy="307777"/>
+          </a:xfrm>
+          <a:prstGeom prst="rect">
+            <a:avLst/>
+          </a:prstGeom>
+          <a:noFill/>
+        </p:spPr>
+        <p:txBody>
+          <a:bodyPr wrap="square" rtlCol="0">
+            <a:spAutoFit/>
+          </a:bodyPr>
+          <a:lstStyle/>
+          <a:p>
+            <a:r>
+              <a:rPr lang="sl-SI" sz="1400" dirty="0"/>
+              <a:t>width</a:t>
+            </a:r>
+          </a:p>
+        </p:txBody>
+      </p:sp>
+      <p:sp>
+        <p:nvSpPr>
+          <p:cNvPr id="173" name="PoljeZBesedilom 172">
+            <a:extLst>
+              <a:ext uri="{FF2B5EF4-FFF2-40B4-BE49-F238E27FC236}">
+                <a16:creationId xmlns:a16="http://schemas.microsoft.com/office/drawing/2014/main" id="{7A86DBFF-3479-D62F-31BF-34364A26D1E0}"/>
+              </a:ext>
+            </a:extLst>
+          </p:cNvPr>
+          <p:cNvSpPr txBox="1"/>
+          <p:nvPr/>
+        </p:nvSpPr>
+        <p:spPr>
+          <a:xfrm rot="2690782">
+            <a:off x="272014" y="4218903"/>
+            <a:ext cx="1524000" cy="307777"/>
+          </a:xfrm>
+          <a:prstGeom prst="rect">
+            <a:avLst/>
+          </a:prstGeom>
+          <a:noFill/>
+        </p:spPr>
+        <p:txBody>
+          <a:bodyPr wrap="square" rtlCol="0">
+            <a:spAutoFit/>
+          </a:bodyPr>
+          <a:lstStyle/>
+          <a:p>
+            <a:r>
+              <a:rPr lang="sl-SI" sz="1400" dirty="0"/>
+              <a:t>length – main axis</a:t>
+            </a:r>
           </a:p>
         </p:txBody>
       </p:sp>

--- a/Articles/ERK/schemes.pptx
+++ b/Articles/ERK/schemes.pptx
@@ -3585,9 +3585,9 @@
             <a:avLst/>
           </a:prstGeom>
           <a:solidFill>
-            <a:schemeClr val="accent6">
-              <a:alpha val="20000"/>
-            </a:schemeClr>
+            <a:srgbClr val="4472C4">
+              <a:alpha val="50000"/>
+            </a:srgbClr>
           </a:solidFill>
           <a:ln>
             <a:solidFill>
@@ -3677,9 +3677,9 @@
             <a:avLst/>
           </a:prstGeom>
           <a:solidFill>
-            <a:schemeClr val="accent6">
-              <a:alpha val="40000"/>
-            </a:schemeClr>
+            <a:srgbClr val="235888">
+              <a:alpha val="50000"/>
+            </a:srgbClr>
           </a:solidFill>
           <a:ln>
             <a:solidFill>
@@ -3769,9 +3769,9 @@
             <a:avLst/>
           </a:prstGeom>
           <a:solidFill>
-            <a:schemeClr val="accent6">
-              <a:alpha val="60000"/>
-            </a:schemeClr>
+            <a:srgbClr val="2C70AE">
+              <a:alpha val="75000"/>
+            </a:srgbClr>
           </a:solidFill>
           <a:ln>
             <a:solidFill>
@@ -3861,9 +3861,9 @@
             <a:avLst/>
           </a:prstGeom>
           <a:solidFill>
-            <a:schemeClr val="accent6">
-              <a:alpha val="75000"/>
-            </a:schemeClr>
+            <a:srgbClr val="BA7741">
+              <a:alpha val="50000"/>
+            </a:srgbClr>
           </a:solidFill>
           <a:ln>
             <a:solidFill>
@@ -3953,9 +3953,9 @@
             <a:avLst/>
           </a:prstGeom>
           <a:solidFill>
-            <a:schemeClr val="accent6">
-              <a:alpha val="60000"/>
-            </a:schemeClr>
+            <a:srgbClr val="E08F4E">
+              <a:alpha val="50000"/>
+            </a:srgbClr>
           </a:solidFill>
           <a:ln>
             <a:solidFill>
@@ -4045,9 +4045,9 @@
             <a:avLst/>
           </a:prstGeom>
           <a:solidFill>
-            <a:schemeClr val="accent6">
-              <a:alpha val="40000"/>
-            </a:schemeClr>
+            <a:srgbClr val="FFB858">
+              <a:alpha val="75000"/>
+            </a:srgbClr>
           </a:solidFill>
           <a:ln>
             <a:solidFill>
@@ -4137,9 +4137,9 @@
             <a:avLst/>
           </a:prstGeom>
           <a:solidFill>
-            <a:schemeClr val="accent6">
-              <a:alpha val="20000"/>
-            </a:schemeClr>
+            <a:srgbClr val="FFC000">
+              <a:alpha val="50000"/>
+            </a:srgbClr>
           </a:solidFill>
           <a:ln>
             <a:solidFill>
@@ -4279,8 +4279,12 @@
           <a:lstStyle/>
           <a:p>
             <a:r>
+              <a:rPr lang="sl-SI" sz="1300" dirty="0"/>
+              <a:t>main</a:t>
+            </a:r>
+            <a:r>
               <a:rPr lang="en-US" sz="1300" dirty="0"/>
-              <a:t>velocity axis direction</a:t>
+              <a:t> axis direction</a:t>
             </a:r>
             <a:endParaRPr lang="LID4096" sz="1300" dirty="0"/>
           </a:p>

--- a/Articles/ERK/schemes.pptx
+++ b/Articles/ERK/schemes.pptx
@@ -3585,9 +3585,7 @@
             <a:avLst/>
           </a:prstGeom>
           <a:solidFill>
-            <a:srgbClr val="4472C4">
-              <a:alpha val="50000"/>
-            </a:srgbClr>
+            <a:srgbClr val="FFDF7F"/>
           </a:solidFill>
           <a:ln>
             <a:solidFill>
@@ -3677,9 +3675,7 @@
             <a:avLst/>
           </a:prstGeom>
           <a:solidFill>
-            <a:srgbClr val="235888">
-              <a:alpha val="50000"/>
-            </a:srgbClr>
+            <a:srgbClr val="FFCA82"/>
           </a:solidFill>
           <a:ln>
             <a:solidFill>
@@ -3769,9 +3765,7 @@
             <a:avLst/>
           </a:prstGeom>
           <a:solidFill>
-            <a:srgbClr val="2C70AE">
-              <a:alpha val="75000"/>
-            </a:srgbClr>
+            <a:srgbClr val="EFC7A6"/>
           </a:solidFill>
           <a:ln>
             <a:solidFill>
@@ -3861,9 +3855,7 @@
             <a:avLst/>
           </a:prstGeom>
           <a:solidFill>
-            <a:srgbClr val="BA7741">
-              <a:alpha val="50000"/>
-            </a:srgbClr>
+            <a:srgbClr val="DCBBA0"/>
           </a:solidFill>
           <a:ln>
             <a:solidFill>
@@ -3953,9 +3945,7 @@
             <a:avLst/>
           </a:prstGeom>
           <a:solidFill>
-            <a:srgbClr val="E08F4E">
-              <a:alpha val="50000"/>
-            </a:srgbClr>
+            <a:srgbClr val="6194C2"/>
           </a:solidFill>
           <a:ln>
             <a:solidFill>
@@ -4045,9 +4035,7 @@
             <a:avLst/>
           </a:prstGeom>
           <a:solidFill>
-            <a:srgbClr val="FFB858">
-              <a:alpha val="75000"/>
-            </a:srgbClr>
+            <a:srgbClr val="91ABC3"/>
           </a:solidFill>
           <a:ln>
             <a:solidFill>
@@ -4137,9 +4125,7 @@
             <a:avLst/>
           </a:prstGeom>
           <a:solidFill>
-            <a:srgbClr val="FFC000">
-              <a:alpha val="50000"/>
-            </a:srgbClr>
+            <a:srgbClr val="A1B8E1"/>
           </a:solidFill>
           <a:ln>
             <a:solidFill>

--- a/Articles/ERK/schemes.pptx
+++ b/Articles/ERK/schemes.pptx
@@ -6,9 +6,8 @@
   </p:sldMasterIdLst>
   <p:sldIdLst>
     <p:sldId id="256" r:id="rId2"/>
-    <p:sldId id="257" r:id="rId3"/>
-    <p:sldId id="258" r:id="rId4"/>
-    <p:sldId id="259" r:id="rId5"/>
+    <p:sldId id="258" r:id="rId3"/>
+    <p:sldId id="259" r:id="rId4"/>
   </p:sldIdLst>
   <p:sldSz cx="12192000" cy="6858000"/>
   <p:notesSz cx="6858000" cy="9144000"/>
@@ -264,7 +263,7 @@
           <a:p>
             <a:fld id="{7238A971-2D55-4FE7-B08E-855976FB6F83}" type="datetimeFigureOut">
               <a:rPr lang="LID4096" smtClean="0"/>
-              <a:t>07/20/2023</a:t>
+              <a:t>07/21/2023</a:t>
             </a:fld>
             <a:endParaRPr lang="LID4096"/>
           </a:p>
@@ -464,7 +463,7 @@
           <a:p>
             <a:fld id="{7238A971-2D55-4FE7-B08E-855976FB6F83}" type="datetimeFigureOut">
               <a:rPr lang="LID4096" smtClean="0"/>
-              <a:t>07/20/2023</a:t>
+              <a:t>07/21/2023</a:t>
             </a:fld>
             <a:endParaRPr lang="LID4096"/>
           </a:p>
@@ -674,7 +673,7 @@
           <a:p>
             <a:fld id="{7238A971-2D55-4FE7-B08E-855976FB6F83}" type="datetimeFigureOut">
               <a:rPr lang="LID4096" smtClean="0"/>
-              <a:t>07/20/2023</a:t>
+              <a:t>07/21/2023</a:t>
             </a:fld>
             <a:endParaRPr lang="LID4096"/>
           </a:p>
@@ -874,7 +873,7 @@
           <a:p>
             <a:fld id="{7238A971-2D55-4FE7-B08E-855976FB6F83}" type="datetimeFigureOut">
               <a:rPr lang="LID4096" smtClean="0"/>
-              <a:t>07/20/2023</a:t>
+              <a:t>07/21/2023</a:t>
             </a:fld>
             <a:endParaRPr lang="LID4096"/>
           </a:p>
@@ -1150,7 +1149,7 @@
           <a:p>
             <a:fld id="{7238A971-2D55-4FE7-B08E-855976FB6F83}" type="datetimeFigureOut">
               <a:rPr lang="LID4096" smtClean="0"/>
-              <a:t>07/20/2023</a:t>
+              <a:t>07/21/2023</a:t>
             </a:fld>
             <a:endParaRPr lang="LID4096"/>
           </a:p>
@@ -1418,7 +1417,7 @@
           <a:p>
             <a:fld id="{7238A971-2D55-4FE7-B08E-855976FB6F83}" type="datetimeFigureOut">
               <a:rPr lang="LID4096" smtClean="0"/>
-              <a:t>07/20/2023</a:t>
+              <a:t>07/21/2023</a:t>
             </a:fld>
             <a:endParaRPr lang="LID4096"/>
           </a:p>
@@ -1833,7 +1832,7 @@
           <a:p>
             <a:fld id="{7238A971-2D55-4FE7-B08E-855976FB6F83}" type="datetimeFigureOut">
               <a:rPr lang="LID4096" smtClean="0"/>
-              <a:t>07/20/2023</a:t>
+              <a:t>07/21/2023</a:t>
             </a:fld>
             <a:endParaRPr lang="LID4096"/>
           </a:p>
@@ -1975,7 +1974,7 @@
           <a:p>
             <a:fld id="{7238A971-2D55-4FE7-B08E-855976FB6F83}" type="datetimeFigureOut">
               <a:rPr lang="LID4096" smtClean="0"/>
-              <a:t>07/20/2023</a:t>
+              <a:t>07/21/2023</a:t>
             </a:fld>
             <a:endParaRPr lang="LID4096"/>
           </a:p>
@@ -2088,7 +2087,7 @@
           <a:p>
             <a:fld id="{7238A971-2D55-4FE7-B08E-855976FB6F83}" type="datetimeFigureOut">
               <a:rPr lang="LID4096" smtClean="0"/>
-              <a:t>07/20/2023</a:t>
+              <a:t>07/21/2023</a:t>
             </a:fld>
             <a:endParaRPr lang="LID4096"/>
           </a:p>
@@ -2401,7 +2400,7 @@
           <a:p>
             <a:fld id="{7238A971-2D55-4FE7-B08E-855976FB6F83}" type="datetimeFigureOut">
               <a:rPr lang="LID4096" smtClean="0"/>
-              <a:t>07/20/2023</a:t>
+              <a:t>07/21/2023</a:t>
             </a:fld>
             <a:endParaRPr lang="LID4096"/>
           </a:p>
@@ -2690,7 +2689,7 @@
           <a:p>
             <a:fld id="{7238A971-2D55-4FE7-B08E-855976FB6F83}" type="datetimeFigureOut">
               <a:rPr lang="LID4096" smtClean="0"/>
-              <a:t>07/20/2023</a:t>
+              <a:t>07/21/2023</a:t>
             </a:fld>
             <a:endParaRPr lang="LID4096"/>
           </a:p>
@@ -2933,7 +2932,7 @@
           <a:p>
             <a:fld id="{7238A971-2D55-4FE7-B08E-855976FB6F83}" type="datetimeFigureOut">
               <a:rPr lang="LID4096" smtClean="0"/>
-              <a:t>07/20/2023</a:t>
+              <a:t>07/21/2023</a:t>
             </a:fld>
             <a:endParaRPr lang="LID4096"/>
           </a:p>
@@ -3432,58 +3431,816 @@
       </p:grpSpPr>
       <p:sp>
         <p:nvSpPr>
-          <p:cNvPr id="2" name="Title 1">
-            <a:extLst>
-              <a:ext uri="{FF2B5EF4-FFF2-40B4-BE49-F238E27FC236}">
-                <a16:creationId xmlns:a16="http://schemas.microsoft.com/office/drawing/2014/main" id="{89809EC4-D167-D7F1-7AD1-00A3EA218669}"/>
-              </a:ext>
-            </a:extLst>
-          </p:cNvPr>
-          <p:cNvSpPr>
-            <a:spLocks noGrp="1"/>
-          </p:cNvSpPr>
-          <p:nvPr>
-            <p:ph type="title"/>
-          </p:nvPr>
-        </p:nvSpPr>
-        <p:spPr/>
-        <p:txBody>
-          <a:bodyPr/>
-          <a:lstStyle/>
-          <a:p>
+          <p:cNvPr id="2" name="Rectangle 1">
+            <a:extLst>
+              <a:ext uri="{FF2B5EF4-FFF2-40B4-BE49-F238E27FC236}">
+                <a16:creationId xmlns:a16="http://schemas.microsoft.com/office/drawing/2014/main" id="{4645E85F-2D9A-BC6C-3003-4573C36C737E}"/>
+              </a:ext>
+            </a:extLst>
+          </p:cNvPr>
+          <p:cNvSpPr/>
+          <p:nvPr/>
+        </p:nvSpPr>
+        <p:spPr>
+          <a:xfrm>
+            <a:off x="4048225" y="2785695"/>
+            <a:ext cx="3780000" cy="540000"/>
+          </a:xfrm>
+          <a:prstGeom prst="rect">
+            <a:avLst/>
+          </a:prstGeom>
+          <a:solidFill>
+            <a:schemeClr val="bg1"/>
+          </a:solidFill>
+          <a:ln>
+            <a:solidFill>
+              <a:schemeClr val="tx1"/>
+            </a:solidFill>
+          </a:ln>
+        </p:spPr>
+        <p:style>
+          <a:lnRef idx="2">
+            <a:schemeClr val="accent1">
+              <a:shade val="15000"/>
+            </a:schemeClr>
+          </a:lnRef>
+          <a:fillRef idx="1">
+            <a:schemeClr val="accent1"/>
+          </a:fillRef>
+          <a:effectRef idx="0">
+            <a:schemeClr val="accent1"/>
+          </a:effectRef>
+          <a:fontRef idx="minor">
+            <a:schemeClr val="lt1"/>
+          </a:fontRef>
+        </p:style>
+        <p:txBody>
+          <a:bodyPr rtlCol="0" anchor="ctr"/>
+          <a:lstStyle/>
+          <a:p>
+            <a:pPr algn="ctr"/>
             <a:endParaRPr lang="LID4096"/>
           </a:p>
         </p:txBody>
       </p:sp>
       <p:sp>
         <p:nvSpPr>
-          <p:cNvPr id="3" name="Content Placeholder 2">
-            <a:extLst>
-              <a:ext uri="{FF2B5EF4-FFF2-40B4-BE49-F238E27FC236}">
-                <a16:creationId xmlns:a16="http://schemas.microsoft.com/office/drawing/2014/main" id="{710E3956-DB83-0C58-C49D-94E645CEFC55}"/>
-              </a:ext>
-            </a:extLst>
-          </p:cNvPr>
-          <p:cNvSpPr>
-            <a:spLocks noGrp="1"/>
-          </p:cNvSpPr>
-          <p:nvPr>
-            <p:ph idx="1"/>
-          </p:nvPr>
-        </p:nvSpPr>
-        <p:spPr/>
-        <p:txBody>
-          <a:bodyPr/>
-          <a:lstStyle/>
-          <a:p>
-            <a:endParaRPr lang="LID4096"/>
-          </a:p>
-        </p:txBody>
-      </p:sp>
+          <p:cNvPr id="3" name="Rectangle 2">
+            <a:extLst>
+              <a:ext uri="{FF2B5EF4-FFF2-40B4-BE49-F238E27FC236}">
+                <a16:creationId xmlns:a16="http://schemas.microsoft.com/office/drawing/2014/main" id="{95131DEE-308F-55DB-8A5D-C0EA9F416CBB}"/>
+              </a:ext>
+            </a:extLst>
+          </p:cNvPr>
+          <p:cNvSpPr/>
+          <p:nvPr/>
+        </p:nvSpPr>
+        <p:spPr>
+          <a:xfrm>
+            <a:off x="4048225" y="2785695"/>
+            <a:ext cx="540000" cy="540000"/>
+          </a:xfrm>
+          <a:prstGeom prst="rect">
+            <a:avLst/>
+          </a:prstGeom>
+          <a:solidFill>
+            <a:srgbClr val="FFDF7F"/>
+          </a:solidFill>
+          <a:ln>
+            <a:solidFill>
+              <a:schemeClr val="tx1"/>
+            </a:solidFill>
+          </a:ln>
+        </p:spPr>
+        <p:style>
+          <a:lnRef idx="2">
+            <a:schemeClr val="accent1">
+              <a:shade val="15000"/>
+            </a:schemeClr>
+          </a:lnRef>
+          <a:fillRef idx="1">
+            <a:schemeClr val="accent1"/>
+          </a:fillRef>
+          <a:effectRef idx="0">
+            <a:schemeClr val="accent1"/>
+          </a:effectRef>
+          <a:fontRef idx="minor">
+            <a:schemeClr val="lt1"/>
+          </a:fontRef>
+        </p:style>
+        <p:txBody>
+          <a:bodyPr rtlCol="0" anchor="ctr"/>
+          <a:lstStyle/>
+          <a:p>
+            <a:pPr algn="ctr"/>
+            <a:endParaRPr lang="LID4096" dirty="0"/>
+          </a:p>
+        </p:txBody>
+      </p:sp>
+      <p:sp>
+        <p:nvSpPr>
+          <p:cNvPr id="9" name="TextBox 8">
+            <a:extLst>
+              <a:ext uri="{FF2B5EF4-FFF2-40B4-BE49-F238E27FC236}">
+                <a16:creationId xmlns:a16="http://schemas.microsoft.com/office/drawing/2014/main" id="{B086869E-2CAC-2B28-739F-DE2968F01C08}"/>
+              </a:ext>
+            </a:extLst>
+          </p:cNvPr>
+          <p:cNvSpPr txBox="1"/>
+          <p:nvPr/>
+        </p:nvSpPr>
+        <p:spPr>
+          <a:xfrm>
+            <a:off x="4048225" y="2901806"/>
+            <a:ext cx="540000" cy="292388"/>
+          </a:xfrm>
+          <a:prstGeom prst="rect">
+            <a:avLst/>
+          </a:prstGeom>
+          <a:noFill/>
+        </p:spPr>
+        <p:txBody>
+          <a:bodyPr wrap="square" rtlCol="0">
+            <a:spAutoFit/>
+          </a:bodyPr>
+          <a:lstStyle/>
+          <a:p>
+            <a:r>
+              <a:rPr lang="en-US" sz="1300" dirty="0"/>
+              <a:t>0.25</a:t>
+            </a:r>
+            <a:endParaRPr lang="LID4096" sz="1300" dirty="0"/>
+          </a:p>
+        </p:txBody>
+      </p:sp>
+      <p:sp>
+        <p:nvSpPr>
+          <p:cNvPr id="15" name="Rectangle 14">
+            <a:extLst>
+              <a:ext uri="{FF2B5EF4-FFF2-40B4-BE49-F238E27FC236}">
+                <a16:creationId xmlns:a16="http://schemas.microsoft.com/office/drawing/2014/main" id="{7996B1C5-8DC2-BE98-8CAE-374E66347B59}"/>
+              </a:ext>
+            </a:extLst>
+          </p:cNvPr>
+          <p:cNvSpPr/>
+          <p:nvPr/>
+        </p:nvSpPr>
+        <p:spPr>
+          <a:xfrm>
+            <a:off x="4588225" y="2785695"/>
+            <a:ext cx="540000" cy="540000"/>
+          </a:xfrm>
+          <a:prstGeom prst="rect">
+            <a:avLst/>
+          </a:prstGeom>
+          <a:solidFill>
+            <a:srgbClr val="FFCA82"/>
+          </a:solidFill>
+          <a:ln>
+            <a:solidFill>
+              <a:schemeClr val="tx1"/>
+            </a:solidFill>
+          </a:ln>
+        </p:spPr>
+        <p:style>
+          <a:lnRef idx="2">
+            <a:schemeClr val="accent1">
+              <a:shade val="15000"/>
+            </a:schemeClr>
+          </a:lnRef>
+          <a:fillRef idx="1">
+            <a:schemeClr val="accent1"/>
+          </a:fillRef>
+          <a:effectRef idx="0">
+            <a:schemeClr val="accent1"/>
+          </a:effectRef>
+          <a:fontRef idx="minor">
+            <a:schemeClr val="lt1"/>
+          </a:fontRef>
+        </p:style>
+        <p:txBody>
+          <a:bodyPr rtlCol="0" anchor="ctr"/>
+          <a:lstStyle/>
+          <a:p>
+            <a:pPr algn="ctr"/>
+            <a:endParaRPr lang="LID4096" dirty="0"/>
+          </a:p>
+        </p:txBody>
+      </p:sp>
+      <p:sp>
+        <p:nvSpPr>
+          <p:cNvPr id="16" name="TextBox 15">
+            <a:extLst>
+              <a:ext uri="{FF2B5EF4-FFF2-40B4-BE49-F238E27FC236}">
+                <a16:creationId xmlns:a16="http://schemas.microsoft.com/office/drawing/2014/main" id="{B964FD4D-3481-D298-EC42-E5E9460D0647}"/>
+              </a:ext>
+            </a:extLst>
+          </p:cNvPr>
+          <p:cNvSpPr txBox="1"/>
+          <p:nvPr/>
+        </p:nvSpPr>
+        <p:spPr>
+          <a:xfrm>
+            <a:off x="4588225" y="2901806"/>
+            <a:ext cx="540000" cy="292388"/>
+          </a:xfrm>
+          <a:prstGeom prst="rect">
+            <a:avLst/>
+          </a:prstGeom>
+          <a:noFill/>
+        </p:spPr>
+        <p:txBody>
+          <a:bodyPr wrap="square" rtlCol="0">
+            <a:spAutoFit/>
+          </a:bodyPr>
+          <a:lstStyle/>
+          <a:p>
+            <a:r>
+              <a:rPr lang="en-US" sz="1300" dirty="0"/>
+              <a:t>0.50</a:t>
+            </a:r>
+            <a:endParaRPr lang="LID4096" sz="1300" dirty="0"/>
+          </a:p>
+        </p:txBody>
+      </p:sp>
+      <p:sp>
+        <p:nvSpPr>
+          <p:cNvPr id="17" name="Rectangle 16">
+            <a:extLst>
+              <a:ext uri="{FF2B5EF4-FFF2-40B4-BE49-F238E27FC236}">
+                <a16:creationId xmlns:a16="http://schemas.microsoft.com/office/drawing/2014/main" id="{0115D19D-D78E-1203-80B8-1CDFCCB2A7E0}"/>
+              </a:ext>
+            </a:extLst>
+          </p:cNvPr>
+          <p:cNvSpPr/>
+          <p:nvPr/>
+        </p:nvSpPr>
+        <p:spPr>
+          <a:xfrm>
+            <a:off x="5128225" y="2785695"/>
+            <a:ext cx="540000" cy="540000"/>
+          </a:xfrm>
+          <a:prstGeom prst="rect">
+            <a:avLst/>
+          </a:prstGeom>
+          <a:solidFill>
+            <a:srgbClr val="EFC7A6"/>
+          </a:solidFill>
+          <a:ln>
+            <a:solidFill>
+              <a:schemeClr val="tx1"/>
+            </a:solidFill>
+          </a:ln>
+        </p:spPr>
+        <p:style>
+          <a:lnRef idx="2">
+            <a:schemeClr val="accent1">
+              <a:shade val="15000"/>
+            </a:schemeClr>
+          </a:lnRef>
+          <a:fillRef idx="1">
+            <a:schemeClr val="accent1"/>
+          </a:fillRef>
+          <a:effectRef idx="0">
+            <a:schemeClr val="accent1"/>
+          </a:effectRef>
+          <a:fontRef idx="minor">
+            <a:schemeClr val="lt1"/>
+          </a:fontRef>
+        </p:style>
+        <p:txBody>
+          <a:bodyPr rtlCol="0" anchor="ctr"/>
+          <a:lstStyle/>
+          <a:p>
+            <a:pPr algn="ctr"/>
+            <a:endParaRPr lang="LID4096" dirty="0"/>
+          </a:p>
+        </p:txBody>
+      </p:sp>
+      <p:sp>
+        <p:nvSpPr>
+          <p:cNvPr id="18" name="TextBox 17">
+            <a:extLst>
+              <a:ext uri="{FF2B5EF4-FFF2-40B4-BE49-F238E27FC236}">
+                <a16:creationId xmlns:a16="http://schemas.microsoft.com/office/drawing/2014/main" id="{22860626-8F44-796C-0F6B-52B341AB8D1E}"/>
+              </a:ext>
+            </a:extLst>
+          </p:cNvPr>
+          <p:cNvSpPr txBox="1"/>
+          <p:nvPr/>
+        </p:nvSpPr>
+        <p:spPr>
+          <a:xfrm>
+            <a:off x="5128225" y="2901806"/>
+            <a:ext cx="540000" cy="292388"/>
+          </a:xfrm>
+          <a:prstGeom prst="rect">
+            <a:avLst/>
+          </a:prstGeom>
+          <a:noFill/>
+        </p:spPr>
+        <p:txBody>
+          <a:bodyPr wrap="square" rtlCol="0">
+            <a:spAutoFit/>
+          </a:bodyPr>
+          <a:lstStyle/>
+          <a:p>
+            <a:r>
+              <a:rPr lang="en-US" sz="1300" dirty="0"/>
+              <a:t>0.75</a:t>
+            </a:r>
+            <a:endParaRPr lang="LID4096" sz="1300" dirty="0"/>
+          </a:p>
+        </p:txBody>
+      </p:sp>
+      <p:sp>
+        <p:nvSpPr>
+          <p:cNvPr id="19" name="Rectangle 18">
+            <a:extLst>
+              <a:ext uri="{FF2B5EF4-FFF2-40B4-BE49-F238E27FC236}">
+                <a16:creationId xmlns:a16="http://schemas.microsoft.com/office/drawing/2014/main" id="{4575B09A-D969-C48F-738D-0860D6B33270}"/>
+              </a:ext>
+            </a:extLst>
+          </p:cNvPr>
+          <p:cNvSpPr/>
+          <p:nvPr/>
+        </p:nvSpPr>
+        <p:spPr>
+          <a:xfrm>
+            <a:off x="5668225" y="2785695"/>
+            <a:ext cx="540000" cy="540000"/>
+          </a:xfrm>
+          <a:prstGeom prst="rect">
+            <a:avLst/>
+          </a:prstGeom>
+          <a:solidFill>
+            <a:srgbClr val="DCBBA0"/>
+          </a:solidFill>
+          <a:ln>
+            <a:solidFill>
+              <a:schemeClr val="tx1"/>
+            </a:solidFill>
+          </a:ln>
+        </p:spPr>
+        <p:style>
+          <a:lnRef idx="2">
+            <a:schemeClr val="accent1">
+              <a:shade val="15000"/>
+            </a:schemeClr>
+          </a:lnRef>
+          <a:fillRef idx="1">
+            <a:schemeClr val="accent1"/>
+          </a:fillRef>
+          <a:effectRef idx="0">
+            <a:schemeClr val="accent1"/>
+          </a:effectRef>
+          <a:fontRef idx="minor">
+            <a:schemeClr val="lt1"/>
+          </a:fontRef>
+        </p:style>
+        <p:txBody>
+          <a:bodyPr rtlCol="0" anchor="ctr"/>
+          <a:lstStyle/>
+          <a:p>
+            <a:pPr algn="ctr"/>
+            <a:endParaRPr lang="LID4096" dirty="0"/>
+          </a:p>
+        </p:txBody>
+      </p:sp>
+      <p:sp>
+        <p:nvSpPr>
+          <p:cNvPr id="20" name="TextBox 19">
+            <a:extLst>
+              <a:ext uri="{FF2B5EF4-FFF2-40B4-BE49-F238E27FC236}">
+                <a16:creationId xmlns:a16="http://schemas.microsoft.com/office/drawing/2014/main" id="{26D50E74-4AE7-E971-7141-77C54B34C902}"/>
+              </a:ext>
+            </a:extLst>
+          </p:cNvPr>
+          <p:cNvSpPr txBox="1"/>
+          <p:nvPr/>
+        </p:nvSpPr>
+        <p:spPr>
+          <a:xfrm>
+            <a:off x="5668225" y="2901806"/>
+            <a:ext cx="540000" cy="292388"/>
+          </a:xfrm>
+          <a:prstGeom prst="rect">
+            <a:avLst/>
+          </a:prstGeom>
+          <a:noFill/>
+        </p:spPr>
+        <p:txBody>
+          <a:bodyPr wrap="square" rtlCol="0">
+            <a:spAutoFit/>
+          </a:bodyPr>
+          <a:lstStyle/>
+          <a:p>
+            <a:r>
+              <a:rPr lang="en-US" sz="1300" dirty="0"/>
+              <a:t>1.00</a:t>
+            </a:r>
+            <a:endParaRPr lang="LID4096" sz="1300" dirty="0"/>
+          </a:p>
+        </p:txBody>
+      </p:sp>
+      <p:sp>
+        <p:nvSpPr>
+          <p:cNvPr id="21" name="Rectangle 20">
+            <a:extLst>
+              <a:ext uri="{FF2B5EF4-FFF2-40B4-BE49-F238E27FC236}">
+                <a16:creationId xmlns:a16="http://schemas.microsoft.com/office/drawing/2014/main" id="{09E79ACD-C0F6-BD96-3EAF-DD671CC64E4D}"/>
+              </a:ext>
+            </a:extLst>
+          </p:cNvPr>
+          <p:cNvSpPr/>
+          <p:nvPr/>
+        </p:nvSpPr>
+        <p:spPr>
+          <a:xfrm>
+            <a:off x="6208225" y="2785695"/>
+            <a:ext cx="540000" cy="540000"/>
+          </a:xfrm>
+          <a:prstGeom prst="rect">
+            <a:avLst/>
+          </a:prstGeom>
+          <a:solidFill>
+            <a:srgbClr val="6194C2"/>
+          </a:solidFill>
+          <a:ln>
+            <a:solidFill>
+              <a:schemeClr val="tx1"/>
+            </a:solidFill>
+          </a:ln>
+        </p:spPr>
+        <p:style>
+          <a:lnRef idx="2">
+            <a:schemeClr val="accent1">
+              <a:shade val="15000"/>
+            </a:schemeClr>
+          </a:lnRef>
+          <a:fillRef idx="1">
+            <a:schemeClr val="accent1"/>
+          </a:fillRef>
+          <a:effectRef idx="0">
+            <a:schemeClr val="accent1"/>
+          </a:effectRef>
+          <a:fontRef idx="minor">
+            <a:schemeClr val="lt1"/>
+          </a:fontRef>
+        </p:style>
+        <p:txBody>
+          <a:bodyPr rtlCol="0" anchor="ctr"/>
+          <a:lstStyle/>
+          <a:p>
+            <a:pPr algn="ctr"/>
+            <a:endParaRPr lang="LID4096" dirty="0"/>
+          </a:p>
+        </p:txBody>
+      </p:sp>
+      <p:sp>
+        <p:nvSpPr>
+          <p:cNvPr id="22" name="TextBox 21">
+            <a:extLst>
+              <a:ext uri="{FF2B5EF4-FFF2-40B4-BE49-F238E27FC236}">
+                <a16:creationId xmlns:a16="http://schemas.microsoft.com/office/drawing/2014/main" id="{0592F865-A4DE-AFA1-1933-7E0144EF0077}"/>
+              </a:ext>
+            </a:extLst>
+          </p:cNvPr>
+          <p:cNvSpPr txBox="1"/>
+          <p:nvPr/>
+        </p:nvSpPr>
+        <p:spPr>
+          <a:xfrm>
+            <a:off x="6208225" y="2901806"/>
+            <a:ext cx="540000" cy="292388"/>
+          </a:xfrm>
+          <a:prstGeom prst="rect">
+            <a:avLst/>
+          </a:prstGeom>
+          <a:noFill/>
+        </p:spPr>
+        <p:txBody>
+          <a:bodyPr wrap="square" rtlCol="0">
+            <a:spAutoFit/>
+          </a:bodyPr>
+          <a:lstStyle/>
+          <a:p>
+            <a:r>
+              <a:rPr lang="en-US" sz="1300" dirty="0"/>
+              <a:t>-0.75</a:t>
+            </a:r>
+            <a:endParaRPr lang="LID4096" sz="1300" dirty="0"/>
+          </a:p>
+        </p:txBody>
+      </p:sp>
+      <p:sp>
+        <p:nvSpPr>
+          <p:cNvPr id="23" name="Rectangle 22">
+            <a:extLst>
+              <a:ext uri="{FF2B5EF4-FFF2-40B4-BE49-F238E27FC236}">
+                <a16:creationId xmlns:a16="http://schemas.microsoft.com/office/drawing/2014/main" id="{EC1B1B00-81B9-0E4F-2CD5-3A987D2A1D29}"/>
+              </a:ext>
+            </a:extLst>
+          </p:cNvPr>
+          <p:cNvSpPr/>
+          <p:nvPr/>
+        </p:nvSpPr>
+        <p:spPr>
+          <a:xfrm>
+            <a:off x="6748225" y="2785695"/>
+            <a:ext cx="540000" cy="540000"/>
+          </a:xfrm>
+          <a:prstGeom prst="rect">
+            <a:avLst/>
+          </a:prstGeom>
+          <a:solidFill>
+            <a:srgbClr val="91ABC3"/>
+          </a:solidFill>
+          <a:ln>
+            <a:solidFill>
+              <a:schemeClr val="tx1"/>
+            </a:solidFill>
+          </a:ln>
+        </p:spPr>
+        <p:style>
+          <a:lnRef idx="2">
+            <a:schemeClr val="accent1">
+              <a:shade val="15000"/>
+            </a:schemeClr>
+          </a:lnRef>
+          <a:fillRef idx="1">
+            <a:schemeClr val="accent1"/>
+          </a:fillRef>
+          <a:effectRef idx="0">
+            <a:schemeClr val="accent1"/>
+          </a:effectRef>
+          <a:fontRef idx="minor">
+            <a:schemeClr val="lt1"/>
+          </a:fontRef>
+        </p:style>
+        <p:txBody>
+          <a:bodyPr rtlCol="0" anchor="ctr"/>
+          <a:lstStyle/>
+          <a:p>
+            <a:pPr algn="ctr"/>
+            <a:endParaRPr lang="LID4096" dirty="0"/>
+          </a:p>
+        </p:txBody>
+      </p:sp>
+      <p:sp>
+        <p:nvSpPr>
+          <p:cNvPr id="24" name="TextBox 23">
+            <a:extLst>
+              <a:ext uri="{FF2B5EF4-FFF2-40B4-BE49-F238E27FC236}">
+                <a16:creationId xmlns:a16="http://schemas.microsoft.com/office/drawing/2014/main" id="{918B57FF-D48D-031B-CD58-4FF7CD242C38}"/>
+              </a:ext>
+            </a:extLst>
+          </p:cNvPr>
+          <p:cNvSpPr txBox="1"/>
+          <p:nvPr/>
+        </p:nvSpPr>
+        <p:spPr>
+          <a:xfrm>
+            <a:off x="6748225" y="2901806"/>
+            <a:ext cx="540000" cy="292388"/>
+          </a:xfrm>
+          <a:prstGeom prst="rect">
+            <a:avLst/>
+          </a:prstGeom>
+          <a:noFill/>
+        </p:spPr>
+        <p:txBody>
+          <a:bodyPr wrap="square" rtlCol="0">
+            <a:spAutoFit/>
+          </a:bodyPr>
+          <a:lstStyle/>
+          <a:p>
+            <a:r>
+              <a:rPr lang="en-US" sz="1300" dirty="0"/>
+              <a:t>-0. 5</a:t>
+            </a:r>
+            <a:endParaRPr lang="LID4096" sz="1300" dirty="0"/>
+          </a:p>
+        </p:txBody>
+      </p:sp>
+      <p:sp>
+        <p:nvSpPr>
+          <p:cNvPr id="25" name="Rectangle 24">
+            <a:extLst>
+              <a:ext uri="{FF2B5EF4-FFF2-40B4-BE49-F238E27FC236}">
+                <a16:creationId xmlns:a16="http://schemas.microsoft.com/office/drawing/2014/main" id="{B6298748-827E-D5B1-3655-6B403BE738DF}"/>
+              </a:ext>
+            </a:extLst>
+          </p:cNvPr>
+          <p:cNvSpPr/>
+          <p:nvPr/>
+        </p:nvSpPr>
+        <p:spPr>
+          <a:xfrm>
+            <a:off x="7288225" y="2785695"/>
+            <a:ext cx="540000" cy="539999"/>
+          </a:xfrm>
+          <a:prstGeom prst="rect">
+            <a:avLst/>
+          </a:prstGeom>
+          <a:solidFill>
+            <a:srgbClr val="A1B8E1"/>
+          </a:solidFill>
+          <a:ln>
+            <a:solidFill>
+              <a:schemeClr val="tx1"/>
+            </a:solidFill>
+          </a:ln>
+        </p:spPr>
+        <p:style>
+          <a:lnRef idx="2">
+            <a:schemeClr val="accent1">
+              <a:shade val="15000"/>
+            </a:schemeClr>
+          </a:lnRef>
+          <a:fillRef idx="1">
+            <a:schemeClr val="accent1"/>
+          </a:fillRef>
+          <a:effectRef idx="0">
+            <a:schemeClr val="accent1"/>
+          </a:effectRef>
+          <a:fontRef idx="minor">
+            <a:schemeClr val="lt1"/>
+          </a:fontRef>
+        </p:style>
+        <p:txBody>
+          <a:bodyPr rtlCol="0" anchor="ctr"/>
+          <a:lstStyle/>
+          <a:p>
+            <a:pPr algn="ctr"/>
+            <a:endParaRPr lang="LID4096" dirty="0"/>
+          </a:p>
+        </p:txBody>
+      </p:sp>
+      <p:sp>
+        <p:nvSpPr>
+          <p:cNvPr id="26" name="TextBox 25">
+            <a:extLst>
+              <a:ext uri="{FF2B5EF4-FFF2-40B4-BE49-F238E27FC236}">
+                <a16:creationId xmlns:a16="http://schemas.microsoft.com/office/drawing/2014/main" id="{2ADAD683-2A45-A002-7290-CEA67E96B311}"/>
+              </a:ext>
+            </a:extLst>
+          </p:cNvPr>
+          <p:cNvSpPr txBox="1"/>
+          <p:nvPr/>
+        </p:nvSpPr>
+        <p:spPr>
+          <a:xfrm>
+            <a:off x="7288225" y="2904151"/>
+            <a:ext cx="540000" cy="292388"/>
+          </a:xfrm>
+          <a:prstGeom prst="rect">
+            <a:avLst/>
+          </a:prstGeom>
+          <a:noFill/>
+        </p:spPr>
+        <p:txBody>
+          <a:bodyPr wrap="square" rtlCol="0">
+            <a:spAutoFit/>
+          </a:bodyPr>
+          <a:lstStyle/>
+          <a:p>
+            <a:r>
+              <a:rPr lang="en-US" sz="1300" dirty="0"/>
+              <a:t>-0.25</a:t>
+            </a:r>
+            <a:endParaRPr lang="LID4096" sz="1300" dirty="0"/>
+          </a:p>
+        </p:txBody>
+      </p:sp>
+      <p:cxnSp>
+        <p:nvCxnSpPr>
+          <p:cNvPr id="30" name="Straight Arrow Connector 29">
+            <a:extLst>
+              <a:ext uri="{FF2B5EF4-FFF2-40B4-BE49-F238E27FC236}">
+                <a16:creationId xmlns:a16="http://schemas.microsoft.com/office/drawing/2014/main" id="{8466C6D2-C22C-9981-E4A8-E7C275BE5F85}"/>
+              </a:ext>
+            </a:extLst>
+          </p:cNvPr>
+          <p:cNvCxnSpPr/>
+          <p:nvPr/>
+        </p:nvCxnSpPr>
+        <p:spPr>
+          <a:xfrm flipH="1">
+            <a:off x="4454538" y="3520422"/>
+            <a:ext cx="2871787" cy="0"/>
+          </a:xfrm>
+          <a:prstGeom prst="straightConnector1">
+            <a:avLst/>
+          </a:prstGeom>
+          <a:ln w="12700">
+            <a:solidFill>
+              <a:schemeClr val="tx1"/>
+            </a:solidFill>
+            <a:tailEnd type="triangle"/>
+          </a:ln>
+        </p:spPr>
+        <p:style>
+          <a:lnRef idx="1">
+            <a:schemeClr val="accent1"/>
+          </a:lnRef>
+          <a:fillRef idx="0">
+            <a:schemeClr val="accent1"/>
+          </a:fillRef>
+          <a:effectRef idx="0">
+            <a:schemeClr val="accent1"/>
+          </a:effectRef>
+          <a:fontRef idx="minor">
+            <a:schemeClr val="tx1"/>
+          </a:fontRef>
+        </p:style>
+      </p:cxnSp>
+      <p:sp>
+        <p:nvSpPr>
+          <p:cNvPr id="31" name="TextBox 30">
+            <a:extLst>
+              <a:ext uri="{FF2B5EF4-FFF2-40B4-BE49-F238E27FC236}">
+                <a16:creationId xmlns:a16="http://schemas.microsoft.com/office/drawing/2014/main" id="{3263D1BE-E2FA-772D-143F-1B90017FD9AE}"/>
+              </a:ext>
+            </a:extLst>
+          </p:cNvPr>
+          <p:cNvSpPr txBox="1"/>
+          <p:nvPr/>
+        </p:nvSpPr>
+        <p:spPr>
+          <a:xfrm>
+            <a:off x="5077625" y="3520422"/>
+            <a:ext cx="1990725" cy="292388"/>
+          </a:xfrm>
+          <a:prstGeom prst="rect">
+            <a:avLst/>
+          </a:prstGeom>
+          <a:noFill/>
+        </p:spPr>
+        <p:txBody>
+          <a:bodyPr wrap="square" rtlCol="0">
+            <a:spAutoFit/>
+          </a:bodyPr>
+          <a:lstStyle/>
+          <a:p>
+            <a:r>
+              <a:rPr lang="sl-SI" sz="1300" dirty="0"/>
+              <a:t>main</a:t>
+            </a:r>
+            <a:r>
+              <a:rPr lang="en-US" sz="1300" dirty="0"/>
+              <a:t> axis direction</a:t>
+            </a:r>
+            <a:endParaRPr lang="LID4096" sz="1300" dirty="0"/>
+          </a:p>
+        </p:txBody>
+      </p:sp>
+      <p:pic>
+        <p:nvPicPr>
+          <p:cNvPr id="5" name="Picture 4">
+            <a:extLst>
+              <a:ext uri="{FF2B5EF4-FFF2-40B4-BE49-F238E27FC236}">
+                <a16:creationId xmlns:a16="http://schemas.microsoft.com/office/drawing/2014/main" id="{BD96EBF6-2ACB-19A1-2A6A-FAF53362CFE0}"/>
+              </a:ext>
+            </a:extLst>
+          </p:cNvPr>
+          <p:cNvPicPr>
+            <a:picLocks noChangeAspect="1"/>
+          </p:cNvPicPr>
+          <p:nvPr/>
+        </p:nvPicPr>
+        <p:blipFill>
+          <a:blip r:embed="rId2">
+            <a:extLst>
+              <a:ext uri="{BEBA8EAE-BF5A-486C-A8C5-ECC9F3942E4B}">
+                <a14:imgProps xmlns:a14="http://schemas.microsoft.com/office/drawing/2010/main">
+                  <a14:imgLayer r:embed="rId3">
+                    <a14:imgEffect>
+                      <a14:saturation sat="0"/>
+                    </a14:imgEffect>
+                  </a14:imgLayer>
+                </a14:imgProps>
+              </a:ext>
+            </a:extLst>
+          </a:blip>
+          <a:stretch>
+            <a:fillRect/>
+          </a:stretch>
+        </p:blipFill>
+        <p:spPr>
+          <a:xfrm>
+            <a:off x="4048225" y="3860401"/>
+            <a:ext cx="3890447" cy="1229448"/>
+          </a:xfrm>
+          <a:prstGeom prst="rect">
+            <a:avLst/>
+          </a:prstGeom>
+        </p:spPr>
+      </p:pic>
     </p:spTree>
     <p:extLst>
       <p:ext uri="{BB962C8B-B14F-4D97-AF65-F5344CB8AC3E}">
-        <p14:creationId xmlns:p14="http://schemas.microsoft.com/office/powerpoint/2010/main" val="1642708567"/>
+        <p14:creationId xmlns:p14="http://schemas.microsoft.com/office/powerpoint/2010/main" val="1846131281"/>
       </p:ext>
     </p:extLst>
   </p:cSld>
@@ -3512,802 +4269,6 @@
       </p:grpSpPr>
       <p:sp>
         <p:nvSpPr>
-          <p:cNvPr id="2" name="Rectangle 1">
-            <a:extLst>
-              <a:ext uri="{FF2B5EF4-FFF2-40B4-BE49-F238E27FC236}">
-                <a16:creationId xmlns:a16="http://schemas.microsoft.com/office/drawing/2014/main" id="{4645E85F-2D9A-BC6C-3003-4573C36C737E}"/>
-              </a:ext>
-            </a:extLst>
-          </p:cNvPr>
-          <p:cNvSpPr/>
-          <p:nvPr/>
-        </p:nvSpPr>
-        <p:spPr>
-          <a:xfrm>
-            <a:off x="4048225" y="2785695"/>
-            <a:ext cx="3780000" cy="540000"/>
-          </a:xfrm>
-          <a:prstGeom prst="rect">
-            <a:avLst/>
-          </a:prstGeom>
-          <a:solidFill>
-            <a:schemeClr val="bg1"/>
-          </a:solidFill>
-          <a:ln>
-            <a:solidFill>
-              <a:schemeClr val="tx1"/>
-            </a:solidFill>
-          </a:ln>
-        </p:spPr>
-        <p:style>
-          <a:lnRef idx="2">
-            <a:schemeClr val="accent1">
-              <a:shade val="15000"/>
-            </a:schemeClr>
-          </a:lnRef>
-          <a:fillRef idx="1">
-            <a:schemeClr val="accent1"/>
-          </a:fillRef>
-          <a:effectRef idx="0">
-            <a:schemeClr val="accent1"/>
-          </a:effectRef>
-          <a:fontRef idx="minor">
-            <a:schemeClr val="lt1"/>
-          </a:fontRef>
-        </p:style>
-        <p:txBody>
-          <a:bodyPr rtlCol="0" anchor="ctr"/>
-          <a:lstStyle/>
-          <a:p>
-            <a:pPr algn="ctr"/>
-            <a:endParaRPr lang="LID4096"/>
-          </a:p>
-        </p:txBody>
-      </p:sp>
-      <p:sp>
-        <p:nvSpPr>
-          <p:cNvPr id="3" name="Rectangle 2">
-            <a:extLst>
-              <a:ext uri="{FF2B5EF4-FFF2-40B4-BE49-F238E27FC236}">
-                <a16:creationId xmlns:a16="http://schemas.microsoft.com/office/drawing/2014/main" id="{95131DEE-308F-55DB-8A5D-C0EA9F416CBB}"/>
-              </a:ext>
-            </a:extLst>
-          </p:cNvPr>
-          <p:cNvSpPr/>
-          <p:nvPr/>
-        </p:nvSpPr>
-        <p:spPr>
-          <a:xfrm>
-            <a:off x="4048225" y="2785695"/>
-            <a:ext cx="540000" cy="540000"/>
-          </a:xfrm>
-          <a:prstGeom prst="rect">
-            <a:avLst/>
-          </a:prstGeom>
-          <a:solidFill>
-            <a:srgbClr val="FFDF7F"/>
-          </a:solidFill>
-          <a:ln>
-            <a:solidFill>
-              <a:schemeClr val="tx1"/>
-            </a:solidFill>
-          </a:ln>
-        </p:spPr>
-        <p:style>
-          <a:lnRef idx="2">
-            <a:schemeClr val="accent1">
-              <a:shade val="15000"/>
-            </a:schemeClr>
-          </a:lnRef>
-          <a:fillRef idx="1">
-            <a:schemeClr val="accent1"/>
-          </a:fillRef>
-          <a:effectRef idx="0">
-            <a:schemeClr val="accent1"/>
-          </a:effectRef>
-          <a:fontRef idx="minor">
-            <a:schemeClr val="lt1"/>
-          </a:fontRef>
-        </p:style>
-        <p:txBody>
-          <a:bodyPr rtlCol="0" anchor="ctr"/>
-          <a:lstStyle/>
-          <a:p>
-            <a:pPr algn="ctr"/>
-            <a:endParaRPr lang="LID4096" dirty="0"/>
-          </a:p>
-        </p:txBody>
-      </p:sp>
-      <p:sp>
-        <p:nvSpPr>
-          <p:cNvPr id="9" name="TextBox 8">
-            <a:extLst>
-              <a:ext uri="{FF2B5EF4-FFF2-40B4-BE49-F238E27FC236}">
-                <a16:creationId xmlns:a16="http://schemas.microsoft.com/office/drawing/2014/main" id="{B086869E-2CAC-2B28-739F-DE2968F01C08}"/>
-              </a:ext>
-            </a:extLst>
-          </p:cNvPr>
-          <p:cNvSpPr txBox="1"/>
-          <p:nvPr/>
-        </p:nvSpPr>
-        <p:spPr>
-          <a:xfrm>
-            <a:off x="4048225" y="2901806"/>
-            <a:ext cx="540000" cy="292388"/>
-          </a:xfrm>
-          <a:prstGeom prst="rect">
-            <a:avLst/>
-          </a:prstGeom>
-          <a:noFill/>
-        </p:spPr>
-        <p:txBody>
-          <a:bodyPr wrap="square" rtlCol="0">
-            <a:spAutoFit/>
-          </a:bodyPr>
-          <a:lstStyle/>
-          <a:p>
-            <a:r>
-              <a:rPr lang="en-US" sz="1300" dirty="0"/>
-              <a:t>0.25</a:t>
-            </a:r>
-            <a:endParaRPr lang="LID4096" sz="1300" dirty="0"/>
-          </a:p>
-        </p:txBody>
-      </p:sp>
-      <p:sp>
-        <p:nvSpPr>
-          <p:cNvPr id="15" name="Rectangle 14">
-            <a:extLst>
-              <a:ext uri="{FF2B5EF4-FFF2-40B4-BE49-F238E27FC236}">
-                <a16:creationId xmlns:a16="http://schemas.microsoft.com/office/drawing/2014/main" id="{7996B1C5-8DC2-BE98-8CAE-374E66347B59}"/>
-              </a:ext>
-            </a:extLst>
-          </p:cNvPr>
-          <p:cNvSpPr/>
-          <p:nvPr/>
-        </p:nvSpPr>
-        <p:spPr>
-          <a:xfrm>
-            <a:off x="4588225" y="2785695"/>
-            <a:ext cx="540000" cy="540000"/>
-          </a:xfrm>
-          <a:prstGeom prst="rect">
-            <a:avLst/>
-          </a:prstGeom>
-          <a:solidFill>
-            <a:srgbClr val="FFCA82"/>
-          </a:solidFill>
-          <a:ln>
-            <a:solidFill>
-              <a:schemeClr val="tx1"/>
-            </a:solidFill>
-          </a:ln>
-        </p:spPr>
-        <p:style>
-          <a:lnRef idx="2">
-            <a:schemeClr val="accent1">
-              <a:shade val="15000"/>
-            </a:schemeClr>
-          </a:lnRef>
-          <a:fillRef idx="1">
-            <a:schemeClr val="accent1"/>
-          </a:fillRef>
-          <a:effectRef idx="0">
-            <a:schemeClr val="accent1"/>
-          </a:effectRef>
-          <a:fontRef idx="minor">
-            <a:schemeClr val="lt1"/>
-          </a:fontRef>
-        </p:style>
-        <p:txBody>
-          <a:bodyPr rtlCol="0" anchor="ctr"/>
-          <a:lstStyle/>
-          <a:p>
-            <a:pPr algn="ctr"/>
-            <a:endParaRPr lang="LID4096" dirty="0"/>
-          </a:p>
-        </p:txBody>
-      </p:sp>
-      <p:sp>
-        <p:nvSpPr>
-          <p:cNvPr id="16" name="TextBox 15">
-            <a:extLst>
-              <a:ext uri="{FF2B5EF4-FFF2-40B4-BE49-F238E27FC236}">
-                <a16:creationId xmlns:a16="http://schemas.microsoft.com/office/drawing/2014/main" id="{B964FD4D-3481-D298-EC42-E5E9460D0647}"/>
-              </a:ext>
-            </a:extLst>
-          </p:cNvPr>
-          <p:cNvSpPr txBox="1"/>
-          <p:nvPr/>
-        </p:nvSpPr>
-        <p:spPr>
-          <a:xfrm>
-            <a:off x="4588225" y="2901806"/>
-            <a:ext cx="540000" cy="292388"/>
-          </a:xfrm>
-          <a:prstGeom prst="rect">
-            <a:avLst/>
-          </a:prstGeom>
-          <a:noFill/>
-        </p:spPr>
-        <p:txBody>
-          <a:bodyPr wrap="square" rtlCol="0">
-            <a:spAutoFit/>
-          </a:bodyPr>
-          <a:lstStyle/>
-          <a:p>
-            <a:r>
-              <a:rPr lang="en-US" sz="1300" dirty="0"/>
-              <a:t>0.50</a:t>
-            </a:r>
-            <a:endParaRPr lang="LID4096" sz="1300" dirty="0"/>
-          </a:p>
-        </p:txBody>
-      </p:sp>
-      <p:sp>
-        <p:nvSpPr>
-          <p:cNvPr id="17" name="Rectangle 16">
-            <a:extLst>
-              <a:ext uri="{FF2B5EF4-FFF2-40B4-BE49-F238E27FC236}">
-                <a16:creationId xmlns:a16="http://schemas.microsoft.com/office/drawing/2014/main" id="{0115D19D-D78E-1203-80B8-1CDFCCB2A7E0}"/>
-              </a:ext>
-            </a:extLst>
-          </p:cNvPr>
-          <p:cNvSpPr/>
-          <p:nvPr/>
-        </p:nvSpPr>
-        <p:spPr>
-          <a:xfrm>
-            <a:off x="5128225" y="2785695"/>
-            <a:ext cx="540000" cy="540000"/>
-          </a:xfrm>
-          <a:prstGeom prst="rect">
-            <a:avLst/>
-          </a:prstGeom>
-          <a:solidFill>
-            <a:srgbClr val="EFC7A6"/>
-          </a:solidFill>
-          <a:ln>
-            <a:solidFill>
-              <a:schemeClr val="tx1"/>
-            </a:solidFill>
-          </a:ln>
-        </p:spPr>
-        <p:style>
-          <a:lnRef idx="2">
-            <a:schemeClr val="accent1">
-              <a:shade val="15000"/>
-            </a:schemeClr>
-          </a:lnRef>
-          <a:fillRef idx="1">
-            <a:schemeClr val="accent1"/>
-          </a:fillRef>
-          <a:effectRef idx="0">
-            <a:schemeClr val="accent1"/>
-          </a:effectRef>
-          <a:fontRef idx="minor">
-            <a:schemeClr val="lt1"/>
-          </a:fontRef>
-        </p:style>
-        <p:txBody>
-          <a:bodyPr rtlCol="0" anchor="ctr"/>
-          <a:lstStyle/>
-          <a:p>
-            <a:pPr algn="ctr"/>
-            <a:endParaRPr lang="LID4096" dirty="0"/>
-          </a:p>
-        </p:txBody>
-      </p:sp>
-      <p:sp>
-        <p:nvSpPr>
-          <p:cNvPr id="18" name="TextBox 17">
-            <a:extLst>
-              <a:ext uri="{FF2B5EF4-FFF2-40B4-BE49-F238E27FC236}">
-                <a16:creationId xmlns:a16="http://schemas.microsoft.com/office/drawing/2014/main" id="{22860626-8F44-796C-0F6B-52B341AB8D1E}"/>
-              </a:ext>
-            </a:extLst>
-          </p:cNvPr>
-          <p:cNvSpPr txBox="1"/>
-          <p:nvPr/>
-        </p:nvSpPr>
-        <p:spPr>
-          <a:xfrm>
-            <a:off x="5128225" y="2901806"/>
-            <a:ext cx="540000" cy="292388"/>
-          </a:xfrm>
-          <a:prstGeom prst="rect">
-            <a:avLst/>
-          </a:prstGeom>
-          <a:noFill/>
-        </p:spPr>
-        <p:txBody>
-          <a:bodyPr wrap="square" rtlCol="0">
-            <a:spAutoFit/>
-          </a:bodyPr>
-          <a:lstStyle/>
-          <a:p>
-            <a:r>
-              <a:rPr lang="en-US" sz="1300" dirty="0"/>
-              <a:t>0.75</a:t>
-            </a:r>
-            <a:endParaRPr lang="LID4096" sz="1300" dirty="0"/>
-          </a:p>
-        </p:txBody>
-      </p:sp>
-      <p:sp>
-        <p:nvSpPr>
-          <p:cNvPr id="19" name="Rectangle 18">
-            <a:extLst>
-              <a:ext uri="{FF2B5EF4-FFF2-40B4-BE49-F238E27FC236}">
-                <a16:creationId xmlns:a16="http://schemas.microsoft.com/office/drawing/2014/main" id="{4575B09A-D969-C48F-738D-0860D6B33270}"/>
-              </a:ext>
-            </a:extLst>
-          </p:cNvPr>
-          <p:cNvSpPr/>
-          <p:nvPr/>
-        </p:nvSpPr>
-        <p:spPr>
-          <a:xfrm>
-            <a:off x="5668225" y="2785695"/>
-            <a:ext cx="540000" cy="540000"/>
-          </a:xfrm>
-          <a:prstGeom prst="rect">
-            <a:avLst/>
-          </a:prstGeom>
-          <a:solidFill>
-            <a:srgbClr val="DCBBA0"/>
-          </a:solidFill>
-          <a:ln>
-            <a:solidFill>
-              <a:schemeClr val="tx1"/>
-            </a:solidFill>
-          </a:ln>
-        </p:spPr>
-        <p:style>
-          <a:lnRef idx="2">
-            <a:schemeClr val="accent1">
-              <a:shade val="15000"/>
-            </a:schemeClr>
-          </a:lnRef>
-          <a:fillRef idx="1">
-            <a:schemeClr val="accent1"/>
-          </a:fillRef>
-          <a:effectRef idx="0">
-            <a:schemeClr val="accent1"/>
-          </a:effectRef>
-          <a:fontRef idx="minor">
-            <a:schemeClr val="lt1"/>
-          </a:fontRef>
-        </p:style>
-        <p:txBody>
-          <a:bodyPr rtlCol="0" anchor="ctr"/>
-          <a:lstStyle/>
-          <a:p>
-            <a:pPr algn="ctr"/>
-            <a:endParaRPr lang="LID4096" dirty="0"/>
-          </a:p>
-        </p:txBody>
-      </p:sp>
-      <p:sp>
-        <p:nvSpPr>
-          <p:cNvPr id="20" name="TextBox 19">
-            <a:extLst>
-              <a:ext uri="{FF2B5EF4-FFF2-40B4-BE49-F238E27FC236}">
-                <a16:creationId xmlns:a16="http://schemas.microsoft.com/office/drawing/2014/main" id="{26D50E74-4AE7-E971-7141-77C54B34C902}"/>
-              </a:ext>
-            </a:extLst>
-          </p:cNvPr>
-          <p:cNvSpPr txBox="1"/>
-          <p:nvPr/>
-        </p:nvSpPr>
-        <p:spPr>
-          <a:xfrm>
-            <a:off x="5668225" y="2901806"/>
-            <a:ext cx="540000" cy="292388"/>
-          </a:xfrm>
-          <a:prstGeom prst="rect">
-            <a:avLst/>
-          </a:prstGeom>
-          <a:noFill/>
-        </p:spPr>
-        <p:txBody>
-          <a:bodyPr wrap="square" rtlCol="0">
-            <a:spAutoFit/>
-          </a:bodyPr>
-          <a:lstStyle/>
-          <a:p>
-            <a:r>
-              <a:rPr lang="en-US" sz="1300" dirty="0"/>
-              <a:t>1.00</a:t>
-            </a:r>
-            <a:endParaRPr lang="LID4096" sz="1300" dirty="0"/>
-          </a:p>
-        </p:txBody>
-      </p:sp>
-      <p:sp>
-        <p:nvSpPr>
-          <p:cNvPr id="21" name="Rectangle 20">
-            <a:extLst>
-              <a:ext uri="{FF2B5EF4-FFF2-40B4-BE49-F238E27FC236}">
-                <a16:creationId xmlns:a16="http://schemas.microsoft.com/office/drawing/2014/main" id="{09E79ACD-C0F6-BD96-3EAF-DD671CC64E4D}"/>
-              </a:ext>
-            </a:extLst>
-          </p:cNvPr>
-          <p:cNvSpPr/>
-          <p:nvPr/>
-        </p:nvSpPr>
-        <p:spPr>
-          <a:xfrm>
-            <a:off x="6208225" y="2785695"/>
-            <a:ext cx="540000" cy="540000"/>
-          </a:xfrm>
-          <a:prstGeom prst="rect">
-            <a:avLst/>
-          </a:prstGeom>
-          <a:solidFill>
-            <a:srgbClr val="6194C2"/>
-          </a:solidFill>
-          <a:ln>
-            <a:solidFill>
-              <a:schemeClr val="tx1"/>
-            </a:solidFill>
-          </a:ln>
-        </p:spPr>
-        <p:style>
-          <a:lnRef idx="2">
-            <a:schemeClr val="accent1">
-              <a:shade val="15000"/>
-            </a:schemeClr>
-          </a:lnRef>
-          <a:fillRef idx="1">
-            <a:schemeClr val="accent1"/>
-          </a:fillRef>
-          <a:effectRef idx="0">
-            <a:schemeClr val="accent1"/>
-          </a:effectRef>
-          <a:fontRef idx="minor">
-            <a:schemeClr val="lt1"/>
-          </a:fontRef>
-        </p:style>
-        <p:txBody>
-          <a:bodyPr rtlCol="0" anchor="ctr"/>
-          <a:lstStyle/>
-          <a:p>
-            <a:pPr algn="ctr"/>
-            <a:endParaRPr lang="LID4096" dirty="0"/>
-          </a:p>
-        </p:txBody>
-      </p:sp>
-      <p:sp>
-        <p:nvSpPr>
-          <p:cNvPr id="22" name="TextBox 21">
-            <a:extLst>
-              <a:ext uri="{FF2B5EF4-FFF2-40B4-BE49-F238E27FC236}">
-                <a16:creationId xmlns:a16="http://schemas.microsoft.com/office/drawing/2014/main" id="{0592F865-A4DE-AFA1-1933-7E0144EF0077}"/>
-              </a:ext>
-            </a:extLst>
-          </p:cNvPr>
-          <p:cNvSpPr txBox="1"/>
-          <p:nvPr/>
-        </p:nvSpPr>
-        <p:spPr>
-          <a:xfrm>
-            <a:off x="6208225" y="2901806"/>
-            <a:ext cx="540000" cy="292388"/>
-          </a:xfrm>
-          <a:prstGeom prst="rect">
-            <a:avLst/>
-          </a:prstGeom>
-          <a:noFill/>
-        </p:spPr>
-        <p:txBody>
-          <a:bodyPr wrap="square" rtlCol="0">
-            <a:spAutoFit/>
-          </a:bodyPr>
-          <a:lstStyle/>
-          <a:p>
-            <a:r>
-              <a:rPr lang="en-US" sz="1300" dirty="0"/>
-              <a:t>-0.75</a:t>
-            </a:r>
-            <a:endParaRPr lang="LID4096" sz="1300" dirty="0"/>
-          </a:p>
-        </p:txBody>
-      </p:sp>
-      <p:sp>
-        <p:nvSpPr>
-          <p:cNvPr id="23" name="Rectangle 22">
-            <a:extLst>
-              <a:ext uri="{FF2B5EF4-FFF2-40B4-BE49-F238E27FC236}">
-                <a16:creationId xmlns:a16="http://schemas.microsoft.com/office/drawing/2014/main" id="{EC1B1B00-81B9-0E4F-2CD5-3A987D2A1D29}"/>
-              </a:ext>
-            </a:extLst>
-          </p:cNvPr>
-          <p:cNvSpPr/>
-          <p:nvPr/>
-        </p:nvSpPr>
-        <p:spPr>
-          <a:xfrm>
-            <a:off x="6748225" y="2785695"/>
-            <a:ext cx="540000" cy="540000"/>
-          </a:xfrm>
-          <a:prstGeom prst="rect">
-            <a:avLst/>
-          </a:prstGeom>
-          <a:solidFill>
-            <a:srgbClr val="91ABC3"/>
-          </a:solidFill>
-          <a:ln>
-            <a:solidFill>
-              <a:schemeClr val="tx1"/>
-            </a:solidFill>
-          </a:ln>
-        </p:spPr>
-        <p:style>
-          <a:lnRef idx="2">
-            <a:schemeClr val="accent1">
-              <a:shade val="15000"/>
-            </a:schemeClr>
-          </a:lnRef>
-          <a:fillRef idx="1">
-            <a:schemeClr val="accent1"/>
-          </a:fillRef>
-          <a:effectRef idx="0">
-            <a:schemeClr val="accent1"/>
-          </a:effectRef>
-          <a:fontRef idx="minor">
-            <a:schemeClr val="lt1"/>
-          </a:fontRef>
-        </p:style>
-        <p:txBody>
-          <a:bodyPr rtlCol="0" anchor="ctr"/>
-          <a:lstStyle/>
-          <a:p>
-            <a:pPr algn="ctr"/>
-            <a:endParaRPr lang="LID4096" dirty="0"/>
-          </a:p>
-        </p:txBody>
-      </p:sp>
-      <p:sp>
-        <p:nvSpPr>
-          <p:cNvPr id="24" name="TextBox 23">
-            <a:extLst>
-              <a:ext uri="{FF2B5EF4-FFF2-40B4-BE49-F238E27FC236}">
-                <a16:creationId xmlns:a16="http://schemas.microsoft.com/office/drawing/2014/main" id="{918B57FF-D48D-031B-CD58-4FF7CD242C38}"/>
-              </a:ext>
-            </a:extLst>
-          </p:cNvPr>
-          <p:cNvSpPr txBox="1"/>
-          <p:nvPr/>
-        </p:nvSpPr>
-        <p:spPr>
-          <a:xfrm>
-            <a:off x="6748225" y="2901806"/>
-            <a:ext cx="540000" cy="292388"/>
-          </a:xfrm>
-          <a:prstGeom prst="rect">
-            <a:avLst/>
-          </a:prstGeom>
-          <a:noFill/>
-        </p:spPr>
-        <p:txBody>
-          <a:bodyPr wrap="square" rtlCol="0">
-            <a:spAutoFit/>
-          </a:bodyPr>
-          <a:lstStyle/>
-          <a:p>
-            <a:r>
-              <a:rPr lang="en-US" sz="1300" dirty="0"/>
-              <a:t>-0. 5</a:t>
-            </a:r>
-            <a:endParaRPr lang="LID4096" sz="1300" dirty="0"/>
-          </a:p>
-        </p:txBody>
-      </p:sp>
-      <p:sp>
-        <p:nvSpPr>
-          <p:cNvPr id="25" name="Rectangle 24">
-            <a:extLst>
-              <a:ext uri="{FF2B5EF4-FFF2-40B4-BE49-F238E27FC236}">
-                <a16:creationId xmlns:a16="http://schemas.microsoft.com/office/drawing/2014/main" id="{B6298748-827E-D5B1-3655-6B403BE738DF}"/>
-              </a:ext>
-            </a:extLst>
-          </p:cNvPr>
-          <p:cNvSpPr/>
-          <p:nvPr/>
-        </p:nvSpPr>
-        <p:spPr>
-          <a:xfrm>
-            <a:off x="7288225" y="2785695"/>
-            <a:ext cx="540000" cy="539999"/>
-          </a:xfrm>
-          <a:prstGeom prst="rect">
-            <a:avLst/>
-          </a:prstGeom>
-          <a:solidFill>
-            <a:srgbClr val="A1B8E1"/>
-          </a:solidFill>
-          <a:ln>
-            <a:solidFill>
-              <a:schemeClr val="tx1"/>
-            </a:solidFill>
-          </a:ln>
-        </p:spPr>
-        <p:style>
-          <a:lnRef idx="2">
-            <a:schemeClr val="accent1">
-              <a:shade val="15000"/>
-            </a:schemeClr>
-          </a:lnRef>
-          <a:fillRef idx="1">
-            <a:schemeClr val="accent1"/>
-          </a:fillRef>
-          <a:effectRef idx="0">
-            <a:schemeClr val="accent1"/>
-          </a:effectRef>
-          <a:fontRef idx="minor">
-            <a:schemeClr val="lt1"/>
-          </a:fontRef>
-        </p:style>
-        <p:txBody>
-          <a:bodyPr rtlCol="0" anchor="ctr"/>
-          <a:lstStyle/>
-          <a:p>
-            <a:pPr algn="ctr"/>
-            <a:endParaRPr lang="LID4096" dirty="0"/>
-          </a:p>
-        </p:txBody>
-      </p:sp>
-      <p:sp>
-        <p:nvSpPr>
-          <p:cNvPr id="26" name="TextBox 25">
-            <a:extLst>
-              <a:ext uri="{FF2B5EF4-FFF2-40B4-BE49-F238E27FC236}">
-                <a16:creationId xmlns:a16="http://schemas.microsoft.com/office/drawing/2014/main" id="{2ADAD683-2A45-A002-7290-CEA67E96B311}"/>
-              </a:ext>
-            </a:extLst>
-          </p:cNvPr>
-          <p:cNvSpPr txBox="1"/>
-          <p:nvPr/>
-        </p:nvSpPr>
-        <p:spPr>
-          <a:xfrm>
-            <a:off x="7288225" y="2904151"/>
-            <a:ext cx="540000" cy="292388"/>
-          </a:xfrm>
-          <a:prstGeom prst="rect">
-            <a:avLst/>
-          </a:prstGeom>
-          <a:noFill/>
-        </p:spPr>
-        <p:txBody>
-          <a:bodyPr wrap="square" rtlCol="0">
-            <a:spAutoFit/>
-          </a:bodyPr>
-          <a:lstStyle/>
-          <a:p>
-            <a:r>
-              <a:rPr lang="en-US" sz="1300" dirty="0"/>
-              <a:t>-0.25</a:t>
-            </a:r>
-            <a:endParaRPr lang="LID4096" sz="1300" dirty="0"/>
-          </a:p>
-        </p:txBody>
-      </p:sp>
-      <p:cxnSp>
-        <p:nvCxnSpPr>
-          <p:cNvPr id="30" name="Straight Arrow Connector 29">
-            <a:extLst>
-              <a:ext uri="{FF2B5EF4-FFF2-40B4-BE49-F238E27FC236}">
-                <a16:creationId xmlns:a16="http://schemas.microsoft.com/office/drawing/2014/main" id="{8466C6D2-C22C-9981-E4A8-E7C275BE5F85}"/>
-              </a:ext>
-            </a:extLst>
-          </p:cNvPr>
-          <p:cNvCxnSpPr/>
-          <p:nvPr/>
-        </p:nvCxnSpPr>
-        <p:spPr>
-          <a:xfrm flipH="1">
-            <a:off x="4454538" y="3520422"/>
-            <a:ext cx="2871787" cy="0"/>
-          </a:xfrm>
-          <a:prstGeom prst="straightConnector1">
-            <a:avLst/>
-          </a:prstGeom>
-          <a:ln w="12700">
-            <a:solidFill>
-              <a:schemeClr val="tx1"/>
-            </a:solidFill>
-            <a:tailEnd type="triangle"/>
-          </a:ln>
-        </p:spPr>
-        <p:style>
-          <a:lnRef idx="1">
-            <a:schemeClr val="accent1"/>
-          </a:lnRef>
-          <a:fillRef idx="0">
-            <a:schemeClr val="accent1"/>
-          </a:fillRef>
-          <a:effectRef idx="0">
-            <a:schemeClr val="accent1"/>
-          </a:effectRef>
-          <a:fontRef idx="minor">
-            <a:schemeClr val="tx1"/>
-          </a:fontRef>
-        </p:style>
-      </p:cxnSp>
-      <p:sp>
-        <p:nvSpPr>
-          <p:cNvPr id="31" name="TextBox 30">
-            <a:extLst>
-              <a:ext uri="{FF2B5EF4-FFF2-40B4-BE49-F238E27FC236}">
-                <a16:creationId xmlns:a16="http://schemas.microsoft.com/office/drawing/2014/main" id="{3263D1BE-E2FA-772D-143F-1B90017FD9AE}"/>
-              </a:ext>
-            </a:extLst>
-          </p:cNvPr>
-          <p:cNvSpPr txBox="1"/>
-          <p:nvPr/>
-        </p:nvSpPr>
-        <p:spPr>
-          <a:xfrm>
-            <a:off x="5077625" y="3520422"/>
-            <a:ext cx="1990725" cy="292388"/>
-          </a:xfrm>
-          <a:prstGeom prst="rect">
-            <a:avLst/>
-          </a:prstGeom>
-          <a:noFill/>
-        </p:spPr>
-        <p:txBody>
-          <a:bodyPr wrap="square" rtlCol="0">
-            <a:spAutoFit/>
-          </a:bodyPr>
-          <a:lstStyle/>
-          <a:p>
-            <a:r>
-              <a:rPr lang="sl-SI" sz="1300" dirty="0"/>
-              <a:t>main</a:t>
-            </a:r>
-            <a:r>
-              <a:rPr lang="en-US" sz="1300" dirty="0"/>
-              <a:t> axis direction</a:t>
-            </a:r>
-            <a:endParaRPr lang="LID4096" sz="1300" dirty="0"/>
-          </a:p>
-        </p:txBody>
-      </p:sp>
-    </p:spTree>
-    <p:extLst>
-      <p:ext uri="{BB962C8B-B14F-4D97-AF65-F5344CB8AC3E}">
-        <p14:creationId xmlns:p14="http://schemas.microsoft.com/office/powerpoint/2010/main" val="1846131281"/>
-      </p:ext>
-    </p:extLst>
-  </p:cSld>
-  <p:clrMapOvr>
-    <a:masterClrMapping/>
-  </p:clrMapOvr>
-</p:sld>
-</file>
-
-<file path=ppt/slides/slide4.xml><?xml version="1.0" encoding="utf-8"?>
-<p:sld xmlns:a="http://schemas.openxmlformats.org/drawingml/2006/main" xmlns:r="http://schemas.openxmlformats.org/officeDocument/2006/relationships" xmlns:p="http://schemas.openxmlformats.org/presentationml/2006/main">
-  <p:cSld>
-    <p:spTree>
-      <p:nvGrpSpPr>
-        <p:cNvPr id="1" name=""/>
-        <p:cNvGrpSpPr/>
-        <p:nvPr/>
-      </p:nvGrpSpPr>
-      <p:grpSpPr>
-        <a:xfrm>
-          <a:off x="0" y="0"/>
-          <a:ext cx="0" cy="0"/>
-          <a:chOff x="0" y="0"/>
-          <a:chExt cx="0" cy="0"/>
-        </a:xfrm>
-      </p:grpSpPr>
-      <p:sp>
-        <p:nvSpPr>
           <p:cNvPr id="53" name="Rectangle 1">
             <a:extLst>
               <a:ext uri="{FF2B5EF4-FFF2-40B4-BE49-F238E27FC236}">
@@ -4322,7 +4283,7 @@
         </p:nvSpPr>
         <p:spPr>
           <a:xfrm>
-            <a:off x="610120" y="1685073"/>
+            <a:off x="4001882" y="1831722"/>
             <a:ext cx="1800000" cy="1800000"/>
           </a:xfrm>
           <a:prstGeom prst="rect">
@@ -4378,7 +4339,7 @@
         </p:nvSpPr>
         <p:spPr>
           <a:xfrm>
-            <a:off x="610120" y="1685073"/>
+            <a:off x="4001882" y="1831722"/>
             <a:ext cx="360000" cy="360000"/>
           </a:xfrm>
           <a:prstGeom prst="rect">
@@ -4436,7 +4397,7 @@
         </p:nvSpPr>
         <p:spPr>
           <a:xfrm>
-            <a:off x="610120" y="2045073"/>
+            <a:off x="4001882" y="2191722"/>
             <a:ext cx="360000" cy="360000"/>
           </a:xfrm>
           <a:prstGeom prst="rect">
@@ -4494,7 +4455,7 @@
         </p:nvSpPr>
         <p:spPr>
           <a:xfrm>
-            <a:off x="610120" y="2405073"/>
+            <a:off x="4001882" y="2551722"/>
             <a:ext cx="360000" cy="360000"/>
           </a:xfrm>
           <a:prstGeom prst="rect">
@@ -4552,7 +4513,7 @@
         </p:nvSpPr>
         <p:spPr>
           <a:xfrm>
-            <a:off x="610120" y="2765073"/>
+            <a:off x="4001882" y="2911722"/>
             <a:ext cx="360000" cy="360000"/>
           </a:xfrm>
           <a:prstGeom prst="rect">
@@ -4610,7 +4571,7 @@
         </p:nvSpPr>
         <p:spPr>
           <a:xfrm>
-            <a:off x="610120" y="3125073"/>
+            <a:off x="4001882" y="3271722"/>
             <a:ext cx="360000" cy="360000"/>
           </a:xfrm>
           <a:prstGeom prst="rect">
@@ -4668,7 +4629,7 @@
         </p:nvSpPr>
         <p:spPr>
           <a:xfrm>
-            <a:off x="974520" y="1685073"/>
+            <a:off x="4366282" y="1831722"/>
             <a:ext cx="360000" cy="360000"/>
           </a:xfrm>
           <a:prstGeom prst="rect">
@@ -4726,7 +4687,7 @@
         </p:nvSpPr>
         <p:spPr>
           <a:xfrm>
-            <a:off x="974520" y="2043713"/>
+            <a:off x="4366282" y="2190362"/>
             <a:ext cx="360000" cy="360000"/>
           </a:xfrm>
           <a:prstGeom prst="rect">
@@ -4784,7 +4745,7 @@
         </p:nvSpPr>
         <p:spPr>
           <a:xfrm>
-            <a:off x="974520" y="2402353"/>
+            <a:off x="4366282" y="2549002"/>
             <a:ext cx="360000" cy="360000"/>
           </a:xfrm>
           <a:prstGeom prst="rect">
@@ -4842,7 +4803,7 @@
         </p:nvSpPr>
         <p:spPr>
           <a:xfrm>
-            <a:off x="974520" y="2762353"/>
+            <a:off x="4366282" y="2909002"/>
             <a:ext cx="360000" cy="360000"/>
           </a:xfrm>
           <a:prstGeom prst="rect">
@@ -4900,7 +4861,7 @@
         </p:nvSpPr>
         <p:spPr>
           <a:xfrm>
-            <a:off x="974520" y="3122353"/>
+            <a:off x="4366282" y="3269002"/>
             <a:ext cx="360000" cy="360000"/>
           </a:xfrm>
           <a:prstGeom prst="rect">
@@ -4958,7 +4919,7 @@
         </p:nvSpPr>
         <p:spPr>
           <a:xfrm>
-            <a:off x="1334520" y="1683713"/>
+            <a:off x="4726282" y="1830362"/>
             <a:ext cx="360000" cy="360000"/>
           </a:xfrm>
           <a:prstGeom prst="rect">
@@ -5016,7 +4977,7 @@
         </p:nvSpPr>
         <p:spPr>
           <a:xfrm>
-            <a:off x="1334520" y="2043713"/>
+            <a:off x="4726282" y="2190362"/>
             <a:ext cx="360000" cy="360000"/>
           </a:xfrm>
           <a:prstGeom prst="rect">
@@ -5074,7 +5035,7 @@
         </p:nvSpPr>
         <p:spPr>
           <a:xfrm>
-            <a:off x="1334520" y="2405073"/>
+            <a:off x="4726282" y="2551722"/>
             <a:ext cx="360000" cy="360000"/>
           </a:xfrm>
           <a:prstGeom prst="rect">
@@ -5130,7 +5091,7 @@
         </p:nvSpPr>
         <p:spPr>
           <a:xfrm>
-            <a:off x="1334520" y="2763713"/>
+            <a:off x="4726282" y="2910362"/>
             <a:ext cx="360000" cy="360000"/>
           </a:xfrm>
           <a:prstGeom prst="rect">
@@ -5188,7 +5149,7 @@
         </p:nvSpPr>
         <p:spPr>
           <a:xfrm>
-            <a:off x="1334520" y="3123713"/>
+            <a:off x="4726282" y="3270362"/>
             <a:ext cx="360000" cy="360000"/>
           </a:xfrm>
           <a:prstGeom prst="rect">
@@ -5246,7 +5207,7 @@
         </p:nvSpPr>
         <p:spPr>
           <a:xfrm>
-            <a:off x="1698920" y="1683713"/>
+            <a:off x="5090682" y="1830362"/>
             <a:ext cx="360000" cy="360000"/>
           </a:xfrm>
           <a:prstGeom prst="rect">
@@ -5304,7 +5265,7 @@
         </p:nvSpPr>
         <p:spPr>
           <a:xfrm>
-            <a:off x="1698920" y="2042353"/>
+            <a:off x="5090682" y="2189002"/>
             <a:ext cx="360000" cy="360000"/>
           </a:xfrm>
           <a:prstGeom prst="rect">
@@ -5362,7 +5323,7 @@
         </p:nvSpPr>
         <p:spPr>
           <a:xfrm>
-            <a:off x="1695620" y="2406433"/>
+            <a:off x="5087382" y="2553082"/>
             <a:ext cx="366600" cy="360000"/>
           </a:xfrm>
           <a:prstGeom prst="rect">
@@ -5420,7 +5381,7 @@
         </p:nvSpPr>
         <p:spPr>
           <a:xfrm>
-            <a:off x="1698920" y="2760993"/>
+            <a:off x="5090682" y="2907642"/>
             <a:ext cx="360000" cy="360000"/>
           </a:xfrm>
           <a:prstGeom prst="rect">
@@ -5478,7 +5439,7 @@
         </p:nvSpPr>
         <p:spPr>
           <a:xfrm>
-            <a:off x="1698920" y="3120993"/>
+            <a:off x="5090682" y="3267642"/>
             <a:ext cx="360000" cy="360000"/>
           </a:xfrm>
           <a:prstGeom prst="rect">
@@ -5536,7 +5497,7 @@
         </p:nvSpPr>
         <p:spPr>
           <a:xfrm>
-            <a:off x="2058920" y="1683713"/>
+            <a:off x="5450682" y="1830362"/>
             <a:ext cx="360000" cy="360000"/>
           </a:xfrm>
           <a:prstGeom prst="rect">
@@ -5594,7 +5555,7 @@
         </p:nvSpPr>
         <p:spPr>
           <a:xfrm>
-            <a:off x="2058920" y="2042353"/>
+            <a:off x="5450682" y="2189002"/>
             <a:ext cx="360000" cy="360000"/>
           </a:xfrm>
           <a:prstGeom prst="rect">
@@ -5652,7 +5613,7 @@
         </p:nvSpPr>
         <p:spPr>
           <a:xfrm>
-            <a:off x="2058920" y="2403713"/>
+            <a:off x="5450682" y="2550362"/>
             <a:ext cx="360000" cy="360000"/>
           </a:xfrm>
           <a:prstGeom prst="rect">
@@ -5710,7 +5671,7 @@
         </p:nvSpPr>
         <p:spPr>
           <a:xfrm>
-            <a:off x="2058920" y="2760993"/>
+            <a:off x="5450682" y="2907642"/>
             <a:ext cx="360000" cy="360000"/>
           </a:xfrm>
           <a:prstGeom prst="rect">
@@ -5768,7 +5729,7 @@
         </p:nvSpPr>
         <p:spPr>
           <a:xfrm>
-            <a:off x="2058920" y="3120993"/>
+            <a:off x="5450682" y="3267642"/>
             <a:ext cx="360000" cy="360000"/>
           </a:xfrm>
           <a:prstGeom prst="rect">
@@ -5824,7 +5785,7 @@
         </p:nvSpPr>
         <p:spPr>
           <a:xfrm>
-            <a:off x="601320" y="1754631"/>
+            <a:off x="3993082" y="1901280"/>
             <a:ext cx="368210" cy="200055"/>
           </a:xfrm>
           <a:prstGeom prst="rect">
@@ -5868,7 +5829,7 @@
         </p:nvSpPr>
         <p:spPr>
           <a:xfrm>
-            <a:off x="968215" y="1748287"/>
+            <a:off x="4359977" y="1894936"/>
             <a:ext cx="368210" cy="200055"/>
           </a:xfrm>
           <a:prstGeom prst="rect">
@@ -5908,7 +5869,7 @@
         </p:nvSpPr>
         <p:spPr>
           <a:xfrm>
-            <a:off x="1317805" y="1741943"/>
+            <a:off x="4709567" y="1888592"/>
             <a:ext cx="368210" cy="200055"/>
           </a:xfrm>
           <a:prstGeom prst="rect">
@@ -5952,7 +5913,7 @@
         </p:nvSpPr>
         <p:spPr>
           <a:xfrm>
-            <a:off x="1693930" y="1741943"/>
+            <a:off x="5085692" y="1888592"/>
             <a:ext cx="368210" cy="200055"/>
           </a:xfrm>
           <a:prstGeom prst="rect">
@@ -5992,7 +5953,7 @@
         </p:nvSpPr>
         <p:spPr>
           <a:xfrm>
-            <a:off x="2053635" y="1738476"/>
+            <a:off x="5445397" y="1885125"/>
             <a:ext cx="368210" cy="200055"/>
           </a:xfrm>
           <a:prstGeom prst="rect">
@@ -6028,7 +5989,7 @@
         </p:nvSpPr>
         <p:spPr>
           <a:xfrm>
-            <a:off x="610120" y="2122341"/>
+            <a:off x="4001882" y="2268990"/>
             <a:ext cx="368210" cy="200055"/>
           </a:xfrm>
           <a:prstGeom prst="rect">
@@ -6068,7 +6029,7 @@
         </p:nvSpPr>
         <p:spPr>
           <a:xfrm>
-            <a:off x="977015" y="2115997"/>
+            <a:off x="4368777" y="2262646"/>
             <a:ext cx="368210" cy="215444"/>
           </a:xfrm>
           <a:prstGeom prst="rect">
@@ -6108,7 +6069,7 @@
         </p:nvSpPr>
         <p:spPr>
           <a:xfrm>
-            <a:off x="1326605" y="2109653"/>
+            <a:off x="4718367" y="2256302"/>
             <a:ext cx="368210" cy="215444"/>
           </a:xfrm>
           <a:prstGeom prst="rect">
@@ -6148,7 +6109,7 @@
         </p:nvSpPr>
         <p:spPr>
           <a:xfrm>
-            <a:off x="1702730" y="2109653"/>
+            <a:off x="5094492" y="2256302"/>
             <a:ext cx="368210" cy="215444"/>
           </a:xfrm>
           <a:prstGeom prst="rect">
@@ -6188,7 +6149,7 @@
         </p:nvSpPr>
         <p:spPr>
           <a:xfrm>
-            <a:off x="2062435" y="2106186"/>
+            <a:off x="5454197" y="2252835"/>
             <a:ext cx="368210" cy="215444"/>
           </a:xfrm>
           <a:prstGeom prst="rect">
@@ -6224,7 +6185,7 @@
         </p:nvSpPr>
         <p:spPr>
           <a:xfrm>
-            <a:off x="598395" y="2484811"/>
+            <a:off x="3990157" y="2631460"/>
             <a:ext cx="368210" cy="200055"/>
           </a:xfrm>
           <a:prstGeom prst="rect">
@@ -6268,7 +6229,7 @@
         </p:nvSpPr>
         <p:spPr>
           <a:xfrm>
-            <a:off x="965290" y="2478467"/>
+            <a:off x="4357052" y="2625116"/>
             <a:ext cx="368210" cy="215444"/>
           </a:xfrm>
           <a:prstGeom prst="rect">
@@ -6308,7 +6269,7 @@
         </p:nvSpPr>
         <p:spPr>
           <a:xfrm>
-            <a:off x="1314880" y="2472123"/>
+            <a:off x="4706642" y="2618772"/>
             <a:ext cx="368210" cy="215444"/>
           </a:xfrm>
           <a:prstGeom prst="rect">
@@ -6344,7 +6305,7 @@
         </p:nvSpPr>
         <p:spPr>
           <a:xfrm>
-            <a:off x="1691005" y="2472123"/>
+            <a:off x="5082767" y="2618772"/>
             <a:ext cx="368210" cy="215444"/>
           </a:xfrm>
           <a:prstGeom prst="rect">
@@ -6380,7 +6341,7 @@
         </p:nvSpPr>
         <p:spPr>
           <a:xfrm>
-            <a:off x="2050710" y="2468656"/>
+            <a:off x="5442472" y="2615305"/>
             <a:ext cx="368210" cy="215444"/>
           </a:xfrm>
           <a:prstGeom prst="rect">
@@ -6416,7 +6377,7 @@
         </p:nvSpPr>
         <p:spPr>
           <a:xfrm>
-            <a:off x="610120" y="2856377"/>
+            <a:off x="4001882" y="3003026"/>
             <a:ext cx="368210" cy="200055"/>
           </a:xfrm>
           <a:prstGeom prst="rect">
@@ -6456,7 +6417,7 @@
         </p:nvSpPr>
         <p:spPr>
           <a:xfrm>
-            <a:off x="977015" y="2850033"/>
+            <a:off x="4368777" y="2996682"/>
             <a:ext cx="368210" cy="215444"/>
           </a:xfrm>
           <a:prstGeom prst="rect">
@@ -6496,7 +6457,7 @@
         </p:nvSpPr>
         <p:spPr>
           <a:xfrm>
-            <a:off x="1326605" y="2843689"/>
+            <a:off x="4718367" y="2990338"/>
             <a:ext cx="368210" cy="215444"/>
           </a:xfrm>
           <a:prstGeom prst="rect">
@@ -6532,7 +6493,7 @@
         </p:nvSpPr>
         <p:spPr>
           <a:xfrm>
-            <a:off x="1702730" y="2843689"/>
+            <a:off x="5094492" y="2990338"/>
             <a:ext cx="368210" cy="215444"/>
           </a:xfrm>
           <a:prstGeom prst="rect">
@@ -6572,7 +6533,7 @@
         </p:nvSpPr>
         <p:spPr>
           <a:xfrm>
-            <a:off x="2062435" y="2840222"/>
+            <a:off x="5454197" y="2986871"/>
             <a:ext cx="368210" cy="215444"/>
           </a:xfrm>
           <a:prstGeom prst="rect">
@@ -6608,7 +6569,7 @@
         </p:nvSpPr>
         <p:spPr>
           <a:xfrm>
-            <a:off x="598100" y="3205152"/>
+            <a:off x="3989862" y="3351801"/>
             <a:ext cx="368210" cy="200055"/>
           </a:xfrm>
           <a:prstGeom prst="rect">
@@ -6652,7 +6613,7 @@
         </p:nvSpPr>
         <p:spPr>
           <a:xfrm>
-            <a:off x="964995" y="3198808"/>
+            <a:off x="4356757" y="3345457"/>
             <a:ext cx="368210" cy="215444"/>
           </a:xfrm>
           <a:prstGeom prst="rect">
@@ -6688,7 +6649,7 @@
         </p:nvSpPr>
         <p:spPr>
           <a:xfrm>
-            <a:off x="1314585" y="3192464"/>
+            <a:off x="4706347" y="3339113"/>
             <a:ext cx="368210" cy="215444"/>
           </a:xfrm>
           <a:prstGeom prst="rect">
@@ -6728,7 +6689,7 @@
         </p:nvSpPr>
         <p:spPr>
           <a:xfrm>
-            <a:off x="1690710" y="3192464"/>
+            <a:off x="5082472" y="3339113"/>
             <a:ext cx="368210" cy="215444"/>
           </a:xfrm>
           <a:prstGeom prst="rect">
@@ -6764,7 +6725,7 @@
         </p:nvSpPr>
         <p:spPr>
           <a:xfrm>
-            <a:off x="2050415" y="3188997"/>
+            <a:off x="5442177" y="3335646"/>
             <a:ext cx="368210" cy="215444"/>
           </a:xfrm>
           <a:prstGeom prst="rect">
@@ -6806,7 +6767,7 @@
         </p:nvSpPr>
         <p:spPr>
           <a:xfrm>
-            <a:off x="1042238" y="2112419"/>
+            <a:off x="4434000" y="2259068"/>
             <a:ext cx="1800000" cy="1800000"/>
           </a:xfrm>
           <a:prstGeom prst="rect">
@@ -6862,7 +6823,7 @@
         </p:nvSpPr>
         <p:spPr>
           <a:xfrm>
-            <a:off x="1194638" y="2264819"/>
+            <a:off x="4586400" y="2411468"/>
             <a:ext cx="1800000" cy="1800000"/>
           </a:xfrm>
           <a:prstGeom prst="rect">
@@ -6918,7 +6879,7 @@
         </p:nvSpPr>
         <p:spPr>
           <a:xfrm>
-            <a:off x="1347038" y="2417219"/>
+            <a:off x="4738800" y="2563868"/>
             <a:ext cx="1800000" cy="1800000"/>
           </a:xfrm>
           <a:prstGeom prst="rect">
@@ -6974,7 +6935,7 @@
         </p:nvSpPr>
         <p:spPr>
           <a:xfrm>
-            <a:off x="1499438" y="2569619"/>
+            <a:off x="4891200" y="2716268"/>
             <a:ext cx="1800000" cy="1800000"/>
           </a:xfrm>
           <a:prstGeom prst="rect">
@@ -7030,7 +6991,7 @@
         </p:nvSpPr>
         <p:spPr>
           <a:xfrm>
-            <a:off x="1651838" y="2722019"/>
+            <a:off x="5043600" y="2868668"/>
             <a:ext cx="1800000" cy="1800000"/>
           </a:xfrm>
           <a:prstGeom prst="rect">
@@ -7086,7 +7047,7 @@
         </p:nvSpPr>
         <p:spPr>
           <a:xfrm>
-            <a:off x="1804238" y="2874419"/>
+            <a:off x="5196000" y="3021068"/>
             <a:ext cx="1800000" cy="1800000"/>
           </a:xfrm>
           <a:prstGeom prst="rect">
@@ -7142,7 +7103,7 @@
         </p:nvSpPr>
         <p:spPr>
           <a:xfrm>
-            <a:off x="1956638" y="3026819"/>
+            <a:off x="5348400" y="3173468"/>
             <a:ext cx="1800000" cy="1800000"/>
           </a:xfrm>
           <a:prstGeom prst="rect">
@@ -7198,7 +7159,7 @@
         </p:nvSpPr>
         <p:spPr>
           <a:xfrm>
-            <a:off x="2109038" y="3179219"/>
+            <a:off x="5500800" y="3325868"/>
             <a:ext cx="1800000" cy="1800000"/>
           </a:xfrm>
           <a:prstGeom prst="rect">
@@ -7254,7 +7215,7 @@
         </p:nvSpPr>
         <p:spPr>
           <a:xfrm>
-            <a:off x="2111734" y="3174462"/>
+            <a:off x="5503496" y="3321111"/>
             <a:ext cx="1800000" cy="1800000"/>
           </a:xfrm>
           <a:prstGeom prst="rect">
@@ -7310,7 +7271,7 @@
         </p:nvSpPr>
         <p:spPr>
           <a:xfrm>
-            <a:off x="2111734" y="3174462"/>
+            <a:off x="5503496" y="3321111"/>
             <a:ext cx="360000" cy="360000"/>
           </a:xfrm>
           <a:prstGeom prst="rect">
@@ -7368,7 +7329,7 @@
         </p:nvSpPr>
         <p:spPr>
           <a:xfrm>
-            <a:off x="2111734" y="3534462"/>
+            <a:off x="5503496" y="3681111"/>
             <a:ext cx="360000" cy="360000"/>
           </a:xfrm>
           <a:prstGeom prst="rect">
@@ -7426,7 +7387,7 @@
         </p:nvSpPr>
         <p:spPr>
           <a:xfrm>
-            <a:off x="2111734" y="3894462"/>
+            <a:off x="5503496" y="4041111"/>
             <a:ext cx="360000" cy="360000"/>
           </a:xfrm>
           <a:prstGeom prst="rect">
@@ -7484,7 +7445,7 @@
         </p:nvSpPr>
         <p:spPr>
           <a:xfrm>
-            <a:off x="2111734" y="4254462"/>
+            <a:off x="5503496" y="4401111"/>
             <a:ext cx="360000" cy="360000"/>
           </a:xfrm>
           <a:prstGeom prst="rect">
@@ -7542,7 +7503,7 @@
         </p:nvSpPr>
         <p:spPr>
           <a:xfrm>
-            <a:off x="2111734" y="4614462"/>
+            <a:off x="5503496" y="4761111"/>
             <a:ext cx="360000" cy="360000"/>
           </a:xfrm>
           <a:prstGeom prst="rect">
@@ -7600,7 +7561,7 @@
         </p:nvSpPr>
         <p:spPr>
           <a:xfrm>
-            <a:off x="2476134" y="3174462"/>
+            <a:off x="5867896" y="3321111"/>
             <a:ext cx="360000" cy="360000"/>
           </a:xfrm>
           <a:prstGeom prst="rect">
@@ -7658,7 +7619,7 @@
         </p:nvSpPr>
         <p:spPr>
           <a:xfrm>
-            <a:off x="2476134" y="3533102"/>
+            <a:off x="5867896" y="3679751"/>
             <a:ext cx="360000" cy="360000"/>
           </a:xfrm>
           <a:prstGeom prst="rect">
@@ -7716,7 +7677,7 @@
         </p:nvSpPr>
         <p:spPr>
           <a:xfrm>
-            <a:off x="2476134" y="3891742"/>
+            <a:off x="5867896" y="4038391"/>
             <a:ext cx="360000" cy="360000"/>
           </a:xfrm>
           <a:prstGeom prst="rect">
@@ -7774,7 +7735,7 @@
         </p:nvSpPr>
         <p:spPr>
           <a:xfrm>
-            <a:off x="2476134" y="4251742"/>
+            <a:off x="5867896" y="4398391"/>
             <a:ext cx="360000" cy="360000"/>
           </a:xfrm>
           <a:prstGeom prst="rect">
@@ -7832,7 +7793,7 @@
         </p:nvSpPr>
         <p:spPr>
           <a:xfrm>
-            <a:off x="2476134" y="4611742"/>
+            <a:off x="5867896" y="4758391"/>
             <a:ext cx="360000" cy="360000"/>
           </a:xfrm>
           <a:prstGeom prst="rect">
@@ -7890,7 +7851,7 @@
         </p:nvSpPr>
         <p:spPr>
           <a:xfrm>
-            <a:off x="2836134" y="3173102"/>
+            <a:off x="6227896" y="3319751"/>
             <a:ext cx="360000" cy="360000"/>
           </a:xfrm>
           <a:prstGeom prst="rect">
@@ -7948,7 +7909,7 @@
         </p:nvSpPr>
         <p:spPr>
           <a:xfrm>
-            <a:off x="2836134" y="3533102"/>
+            <a:off x="6227896" y="3679751"/>
             <a:ext cx="360000" cy="360000"/>
           </a:xfrm>
           <a:prstGeom prst="rect">
@@ -8006,7 +7967,7 @@
         </p:nvSpPr>
         <p:spPr>
           <a:xfrm>
-            <a:off x="2836134" y="3894462"/>
+            <a:off x="6227896" y="4041111"/>
             <a:ext cx="360000" cy="360000"/>
           </a:xfrm>
           <a:prstGeom prst="rect">
@@ -8062,7 +8023,7 @@
         </p:nvSpPr>
         <p:spPr>
           <a:xfrm>
-            <a:off x="2836134" y="4253102"/>
+            <a:off x="6227896" y="4399751"/>
             <a:ext cx="360000" cy="360000"/>
           </a:xfrm>
           <a:prstGeom prst="rect">
@@ -8120,7 +8081,7 @@
         </p:nvSpPr>
         <p:spPr>
           <a:xfrm>
-            <a:off x="2836134" y="4613102"/>
+            <a:off x="6227896" y="4759751"/>
             <a:ext cx="360000" cy="360000"/>
           </a:xfrm>
           <a:prstGeom prst="rect">
@@ -8178,7 +8139,7 @@
         </p:nvSpPr>
         <p:spPr>
           <a:xfrm>
-            <a:off x="3200534" y="3173102"/>
+            <a:off x="6592296" y="3319751"/>
             <a:ext cx="360000" cy="360000"/>
           </a:xfrm>
           <a:prstGeom prst="rect">
@@ -8236,7 +8197,7 @@
         </p:nvSpPr>
         <p:spPr>
           <a:xfrm>
-            <a:off x="3200534" y="3531742"/>
+            <a:off x="6592296" y="3678391"/>
             <a:ext cx="360000" cy="360000"/>
           </a:xfrm>
           <a:prstGeom prst="rect">
@@ -8294,7 +8255,7 @@
         </p:nvSpPr>
         <p:spPr>
           <a:xfrm>
-            <a:off x="3197234" y="3895822"/>
+            <a:off x="6588996" y="4042471"/>
             <a:ext cx="366600" cy="360000"/>
           </a:xfrm>
           <a:prstGeom prst="rect">
@@ -8352,7 +8313,7 @@
         </p:nvSpPr>
         <p:spPr>
           <a:xfrm>
-            <a:off x="3200534" y="4250382"/>
+            <a:off x="6592296" y="4397031"/>
             <a:ext cx="360000" cy="360000"/>
           </a:xfrm>
           <a:prstGeom prst="rect">
@@ -8410,7 +8371,7 @@
         </p:nvSpPr>
         <p:spPr>
           <a:xfrm>
-            <a:off x="3200534" y="4610382"/>
+            <a:off x="6592296" y="4757031"/>
             <a:ext cx="360000" cy="360000"/>
           </a:xfrm>
           <a:prstGeom prst="rect">
@@ -8468,7 +8429,7 @@
         </p:nvSpPr>
         <p:spPr>
           <a:xfrm>
-            <a:off x="3560534" y="3173102"/>
+            <a:off x="6952296" y="3319751"/>
             <a:ext cx="360000" cy="360000"/>
           </a:xfrm>
           <a:prstGeom prst="rect">
@@ -8526,7 +8487,7 @@
         </p:nvSpPr>
         <p:spPr>
           <a:xfrm>
-            <a:off x="3560534" y="3531742"/>
+            <a:off x="6952296" y="3678391"/>
             <a:ext cx="360000" cy="360000"/>
           </a:xfrm>
           <a:prstGeom prst="rect">
@@ -8584,7 +8545,7 @@
         </p:nvSpPr>
         <p:spPr>
           <a:xfrm>
-            <a:off x="3560534" y="3893102"/>
+            <a:off x="6952296" y="4039751"/>
             <a:ext cx="360000" cy="360000"/>
           </a:xfrm>
           <a:prstGeom prst="rect">
@@ -8642,7 +8603,7 @@
         </p:nvSpPr>
         <p:spPr>
           <a:xfrm>
-            <a:off x="3560534" y="4250382"/>
+            <a:off x="6952296" y="4397031"/>
             <a:ext cx="360000" cy="360000"/>
           </a:xfrm>
           <a:prstGeom prst="rect">
@@ -8700,7 +8661,7 @@
         </p:nvSpPr>
         <p:spPr>
           <a:xfrm>
-            <a:off x="3560534" y="4610382"/>
+            <a:off x="6952296" y="4757031"/>
             <a:ext cx="360000" cy="360000"/>
           </a:xfrm>
           <a:prstGeom prst="rect">
@@ -8756,7 +8717,7 @@
         </p:nvSpPr>
         <p:spPr>
           <a:xfrm>
-            <a:off x="2102934" y="3244020"/>
+            <a:off x="5494696" y="3390669"/>
             <a:ext cx="368210" cy="215444"/>
           </a:xfrm>
           <a:prstGeom prst="rect">
@@ -8796,7 +8757,7 @@
         </p:nvSpPr>
         <p:spPr>
           <a:xfrm>
-            <a:off x="2469829" y="3237676"/>
+            <a:off x="5861591" y="3384325"/>
             <a:ext cx="368210" cy="215444"/>
           </a:xfrm>
           <a:prstGeom prst="rect">
@@ -8832,7 +8793,7 @@
         </p:nvSpPr>
         <p:spPr>
           <a:xfrm>
-            <a:off x="2819419" y="3231332"/>
+            <a:off x="6211181" y="3377981"/>
             <a:ext cx="368210" cy="215444"/>
           </a:xfrm>
           <a:prstGeom prst="rect">
@@ -8872,7 +8833,7 @@
         </p:nvSpPr>
         <p:spPr>
           <a:xfrm>
-            <a:off x="3195544" y="3231332"/>
+            <a:off x="6587306" y="3377981"/>
             <a:ext cx="368210" cy="215444"/>
           </a:xfrm>
           <a:prstGeom prst="rect">
@@ -8908,7 +8869,7 @@
         </p:nvSpPr>
         <p:spPr>
           <a:xfrm>
-            <a:off x="3555249" y="3227865"/>
+            <a:off x="6947011" y="3374514"/>
             <a:ext cx="368210" cy="215444"/>
           </a:xfrm>
           <a:prstGeom prst="rect">
@@ -8944,7 +8905,7 @@
         </p:nvSpPr>
         <p:spPr>
           <a:xfrm>
-            <a:off x="2111734" y="3611730"/>
+            <a:off x="5503496" y="3758379"/>
             <a:ext cx="368210" cy="215444"/>
           </a:xfrm>
           <a:prstGeom prst="rect">
@@ -8980,7 +8941,7 @@
         </p:nvSpPr>
         <p:spPr>
           <a:xfrm>
-            <a:off x="2478629" y="3605386"/>
+            <a:off x="5870391" y="3752035"/>
             <a:ext cx="368210" cy="215444"/>
           </a:xfrm>
           <a:prstGeom prst="rect">
@@ -9020,7 +8981,7 @@
         </p:nvSpPr>
         <p:spPr>
           <a:xfrm>
-            <a:off x="2828219" y="3599042"/>
+            <a:off x="6219981" y="3745691"/>
             <a:ext cx="368210" cy="215444"/>
           </a:xfrm>
           <a:prstGeom prst="rect">
@@ -9060,7 +9021,7 @@
         </p:nvSpPr>
         <p:spPr>
           <a:xfrm>
-            <a:off x="3204344" y="3599042"/>
+            <a:off x="6596106" y="3745691"/>
             <a:ext cx="368210" cy="215444"/>
           </a:xfrm>
           <a:prstGeom prst="rect">
@@ -9100,7 +9061,7 @@
         </p:nvSpPr>
         <p:spPr>
           <a:xfrm>
-            <a:off x="3564049" y="3595575"/>
+            <a:off x="6955811" y="3742224"/>
             <a:ext cx="368210" cy="215444"/>
           </a:xfrm>
           <a:prstGeom prst="rect">
@@ -9136,7 +9097,7 @@
         </p:nvSpPr>
         <p:spPr>
           <a:xfrm>
-            <a:off x="2100009" y="3974200"/>
+            <a:off x="5491771" y="4120849"/>
             <a:ext cx="368210" cy="215444"/>
           </a:xfrm>
           <a:prstGeom prst="rect">
@@ -9176,7 +9137,7 @@
         </p:nvSpPr>
         <p:spPr>
           <a:xfrm>
-            <a:off x="2466904" y="3967856"/>
+            <a:off x="5858666" y="4114505"/>
             <a:ext cx="368210" cy="215444"/>
           </a:xfrm>
           <a:prstGeom prst="rect">
@@ -9216,7 +9177,7 @@
         </p:nvSpPr>
         <p:spPr>
           <a:xfrm>
-            <a:off x="2816494" y="3961512"/>
+            <a:off x="6208256" y="4108161"/>
             <a:ext cx="368210" cy="215444"/>
           </a:xfrm>
           <a:prstGeom prst="rect">
@@ -9252,7 +9213,7 @@
         </p:nvSpPr>
         <p:spPr>
           <a:xfrm>
-            <a:off x="3192619" y="3961512"/>
+            <a:off x="6584381" y="4108161"/>
             <a:ext cx="368210" cy="215444"/>
           </a:xfrm>
           <a:prstGeom prst="rect">
@@ -9288,7 +9249,7 @@
         </p:nvSpPr>
         <p:spPr>
           <a:xfrm>
-            <a:off x="3552324" y="3958045"/>
+            <a:off x="6944086" y="4104694"/>
             <a:ext cx="368210" cy="215444"/>
           </a:xfrm>
           <a:prstGeom prst="rect">
@@ -9324,7 +9285,7 @@
         </p:nvSpPr>
         <p:spPr>
           <a:xfrm>
-            <a:off x="2111734" y="4345766"/>
+            <a:off x="5503496" y="4492415"/>
             <a:ext cx="368210" cy="215444"/>
           </a:xfrm>
           <a:prstGeom prst="rect">
@@ -9360,7 +9321,7 @@
         </p:nvSpPr>
         <p:spPr>
           <a:xfrm>
-            <a:off x="2478629" y="4339422"/>
+            <a:off x="5870391" y="4486071"/>
             <a:ext cx="368210" cy="215444"/>
           </a:xfrm>
           <a:prstGeom prst="rect">
@@ -9400,7 +9361,7 @@
         </p:nvSpPr>
         <p:spPr>
           <a:xfrm>
-            <a:off x="2828219" y="4333078"/>
+            <a:off x="6219981" y="4479727"/>
             <a:ext cx="368210" cy="215444"/>
           </a:xfrm>
           <a:prstGeom prst="rect">
@@ -9436,7 +9397,7 @@
         </p:nvSpPr>
         <p:spPr>
           <a:xfrm>
-            <a:off x="3204344" y="4333078"/>
+            <a:off x="6596106" y="4479727"/>
             <a:ext cx="368210" cy="215444"/>
           </a:xfrm>
           <a:prstGeom prst="rect">
@@ -9476,7 +9437,7 @@
         </p:nvSpPr>
         <p:spPr>
           <a:xfrm>
-            <a:off x="3564049" y="4329611"/>
+            <a:off x="6955811" y="4476260"/>
             <a:ext cx="368210" cy="215444"/>
           </a:xfrm>
           <a:prstGeom prst="rect">
@@ -9512,7 +9473,7 @@
         </p:nvSpPr>
         <p:spPr>
           <a:xfrm>
-            <a:off x="2099714" y="4694541"/>
+            <a:off x="5491476" y="4841190"/>
             <a:ext cx="368210" cy="215444"/>
           </a:xfrm>
           <a:prstGeom prst="rect">
@@ -9552,7 +9513,7 @@
         </p:nvSpPr>
         <p:spPr>
           <a:xfrm>
-            <a:off x="2466609" y="4688197"/>
+            <a:off x="5858371" y="4834846"/>
             <a:ext cx="368210" cy="215444"/>
           </a:xfrm>
           <a:prstGeom prst="rect">
@@ -9588,7 +9549,7 @@
         </p:nvSpPr>
         <p:spPr>
           <a:xfrm>
-            <a:off x="2816199" y="4681853"/>
+            <a:off x="6207961" y="4828502"/>
             <a:ext cx="368210" cy="215444"/>
           </a:xfrm>
           <a:prstGeom prst="rect">
@@ -9628,7 +9589,7 @@
         </p:nvSpPr>
         <p:spPr>
           <a:xfrm>
-            <a:off x="3192324" y="4681853"/>
+            <a:off x="6584086" y="4828502"/>
             <a:ext cx="368210" cy="215444"/>
           </a:xfrm>
           <a:prstGeom prst="rect">
@@ -9664,7 +9625,7 @@
         </p:nvSpPr>
         <p:spPr>
           <a:xfrm>
-            <a:off x="3552029" y="4678386"/>
+            <a:off x="6943791" y="4825035"/>
             <a:ext cx="368210" cy="215444"/>
           </a:xfrm>
           <a:prstGeom prst="rect">
@@ -9706,7 +9667,7 @@
         </p:nvCxnSpPr>
         <p:spPr>
           <a:xfrm>
-            <a:off x="611546" y="3794700"/>
+            <a:off x="4003308" y="3941349"/>
             <a:ext cx="1067481" cy="1060525"/>
           </a:xfrm>
           <a:prstGeom prst="straightConnector1">
@@ -9750,7 +9711,7 @@
         </p:nvCxnSpPr>
         <p:spPr>
           <a:xfrm>
-            <a:off x="2201988" y="5139690"/>
+            <a:off x="5593750" y="5286339"/>
             <a:ext cx="1585299" cy="0"/>
           </a:xfrm>
           <a:prstGeom prst="straightConnector1">
@@ -9794,7 +9755,7 @@
         </p:nvCxnSpPr>
         <p:spPr>
           <a:xfrm rot="16200000">
-            <a:off x="3268790" y="4079218"/>
+            <a:off x="6660552" y="4225867"/>
             <a:ext cx="1585299" cy="0"/>
           </a:xfrm>
           <a:prstGeom prst="straightConnector1">
@@ -9836,7 +9797,7 @@
         </p:nvSpPr>
         <p:spPr>
           <a:xfrm rot="5400000">
-            <a:off x="3423841" y="4338256"/>
+            <a:off x="6815603" y="4484905"/>
             <a:ext cx="1524000" cy="307777"/>
           </a:xfrm>
           <a:prstGeom prst="rect">
@@ -9871,7 +9832,7 @@
         </p:nvSpPr>
         <p:spPr>
           <a:xfrm>
-            <a:off x="2722537" y="5142090"/>
+            <a:off x="6114299" y="5288739"/>
             <a:ext cx="1524000" cy="307777"/>
           </a:xfrm>
           <a:prstGeom prst="rect">
@@ -9906,7 +9867,7 @@
         </p:nvSpPr>
         <p:spPr>
           <a:xfrm rot="2690782">
-            <a:off x="272014" y="4218903"/>
+            <a:off x="3663776" y="4365552"/>
             <a:ext cx="1524000" cy="307777"/>
           </a:xfrm>
           <a:prstGeom prst="rect">
@@ -9927,6 +9888,51 @@
           </a:p>
         </p:txBody>
       </p:sp>
+      <p:pic>
+        <p:nvPicPr>
+          <p:cNvPr id="106" name="Picture 105" descr="A diagram of different colors of squares&#10;&#10;Description automatically generated">
+            <a:extLst>
+              <a:ext uri="{FF2B5EF4-FFF2-40B4-BE49-F238E27FC236}">
+                <a16:creationId xmlns:a16="http://schemas.microsoft.com/office/drawing/2014/main" id="{206E46FB-597B-1BF8-2133-D646F2D56F31}"/>
+              </a:ext>
+            </a:extLst>
+          </p:cNvPr>
+          <p:cNvPicPr>
+            <a:picLocks noChangeAspect="1"/>
+          </p:cNvPicPr>
+          <p:nvPr/>
+        </p:nvPicPr>
+        <p:blipFill>
+          <a:blip r:embed="rId2">
+            <a:extLst>
+              <a:ext uri="{BEBA8EAE-BF5A-486C-A8C5-ECC9F3942E4B}">
+                <a14:imgProps xmlns:a14="http://schemas.microsoft.com/office/drawing/2010/main">
+                  <a14:imgLayer r:embed="rId3">
+                    <a14:imgEffect>
+                      <a14:saturation sat="0"/>
+                    </a14:imgEffect>
+                  </a14:imgLayer>
+                </a14:imgProps>
+              </a:ext>
+              <a:ext uri="{28A0092B-C50C-407E-A947-70E740481C1C}">
+                <a14:useLocalDpi xmlns:a14="http://schemas.microsoft.com/office/drawing/2010/main" val="0"/>
+              </a:ext>
+            </a:extLst>
+          </a:blip>
+          <a:stretch>
+            <a:fillRect/>
+          </a:stretch>
+        </p:blipFill>
+        <p:spPr>
+          <a:xfrm>
+            <a:off x="7461788" y="1526265"/>
+            <a:ext cx="4219820" cy="4127386"/>
+          </a:xfrm>
+          <a:prstGeom prst="rect">
+            <a:avLst/>
+          </a:prstGeom>
+        </p:spPr>
+      </p:pic>
     </p:spTree>
     <p:extLst>
       <p:ext uri="{BB962C8B-B14F-4D97-AF65-F5344CB8AC3E}">
